--- a/2025-2026/IKT/varatlan_helyzet.pptx
+++ b/2025-2026/IKT/varatlan_helyzet.pptx
@@ -10,6 +10,9 @@
     <p:sldId id="258" r:id="rId4"/>
     <p:sldId id="259" r:id="rId5"/>
     <p:sldId id="260" r:id="rId6"/>
+    <p:sldId id="261" r:id="rId7"/>
+    <p:sldId id="262" r:id="rId8"/>
+    <p:sldId id="263" r:id="rId9"/>
   </p:sldIdLst>
   <p:sldSz cx="12192000" cy="6858000"/>
   <p:notesSz cx="6858000" cy="9144000"/>
@@ -108,6 +111,11 @@
       </a:defRPr>
     </a:lvl9pPr>
   </p:defaultTextStyle>
+  <p:extLst>
+    <p:ext uri="{EFAFB233-063F-42B5-8137-9DF3F51BA10A}">
+      <p15:sldGuideLst xmlns:p15="http://schemas.microsoft.com/office/powerpoint/2012/main"/>
+    </p:ext>
+  </p:extLst>
 </p:presentation>
 </file>
 
@@ -2338,6 +2346,1570 @@
   <dgm:styleLbl name="revTx">
     <dgm:fillClrLst meth="repeat">
       <a:schemeClr val="lt2">
+        <a:alpha val="0"/>
+      </a:schemeClr>
+    </dgm:fillClrLst>
+    <dgm:linClrLst meth="repeat">
+      <a:schemeClr val="dk1">
+        <a:alpha val="0"/>
+      </a:schemeClr>
+    </dgm:linClrLst>
+    <dgm:effectClrLst/>
+    <dgm:txLinClrLst/>
+    <dgm:txFillClrLst meth="repeat">
+      <a:schemeClr val="tx1"/>
+    </dgm:txFillClrLst>
+    <dgm:txEffectClrLst/>
+  </dgm:styleLbl>
+</dgm:colorsDef>
+</file>
+
+<file path=ppt/diagrams/colors4.xml><?xml version="1.0" encoding="utf-8"?>
+<dgm:colorsDef xmlns:dgm="http://schemas.openxmlformats.org/drawingml/2006/diagram" xmlns:a="http://schemas.openxmlformats.org/drawingml/2006/main" uniqueId="urn:microsoft.com/office/officeart/2005/8/colors/colorful2">
+  <dgm:title val=""/>
+  <dgm:desc val=""/>
+  <dgm:catLst>
+    <dgm:cat type="colorful" pri="10200"/>
+  </dgm:catLst>
+  <dgm:styleLbl name="node0">
+    <dgm:fillClrLst meth="repeat">
+      <a:schemeClr val="accent1"/>
+    </dgm:fillClrLst>
+    <dgm:linClrLst meth="repeat">
+      <a:schemeClr val="lt1"/>
+    </dgm:linClrLst>
+    <dgm:effectClrLst/>
+    <dgm:txLinClrLst/>
+    <dgm:txFillClrLst/>
+    <dgm:txEffectClrLst/>
+  </dgm:styleLbl>
+  <dgm:styleLbl name="node1">
+    <dgm:fillClrLst>
+      <a:schemeClr val="accent2"/>
+      <a:schemeClr val="accent3"/>
+    </dgm:fillClrLst>
+    <dgm:linClrLst meth="repeat">
+      <a:schemeClr val="lt1"/>
+    </dgm:linClrLst>
+    <dgm:effectClrLst/>
+    <dgm:txLinClrLst/>
+    <dgm:txFillClrLst/>
+    <dgm:txEffectClrLst/>
+  </dgm:styleLbl>
+  <dgm:styleLbl name="alignNode1">
+    <dgm:fillClrLst>
+      <a:schemeClr val="accent2"/>
+      <a:schemeClr val="accent3"/>
+    </dgm:fillClrLst>
+    <dgm:linClrLst>
+      <a:schemeClr val="accent2"/>
+      <a:schemeClr val="accent3"/>
+    </dgm:linClrLst>
+    <dgm:effectClrLst/>
+    <dgm:txLinClrLst/>
+    <dgm:txFillClrLst/>
+    <dgm:txEffectClrLst/>
+  </dgm:styleLbl>
+  <dgm:styleLbl name="lnNode1">
+    <dgm:fillClrLst>
+      <a:schemeClr val="accent2"/>
+      <a:schemeClr val="accent3"/>
+    </dgm:fillClrLst>
+    <dgm:linClrLst meth="repeat">
+      <a:schemeClr val="lt1"/>
+    </dgm:linClrLst>
+    <dgm:effectClrLst/>
+    <dgm:txLinClrLst/>
+    <dgm:txFillClrLst/>
+    <dgm:txEffectClrLst/>
+  </dgm:styleLbl>
+  <dgm:styleLbl name="vennNode1">
+    <dgm:fillClrLst>
+      <a:schemeClr val="accent2">
+        <a:alpha val="50000"/>
+      </a:schemeClr>
+      <a:schemeClr val="accent3">
+        <a:alpha val="50000"/>
+      </a:schemeClr>
+    </dgm:fillClrLst>
+    <dgm:linClrLst meth="repeat">
+      <a:schemeClr val="lt1"/>
+    </dgm:linClrLst>
+    <dgm:effectClrLst/>
+    <dgm:txLinClrLst/>
+    <dgm:txFillClrLst/>
+    <dgm:txEffectClrLst/>
+  </dgm:styleLbl>
+  <dgm:styleLbl name="node2">
+    <dgm:fillClrLst>
+      <a:schemeClr val="accent3"/>
+    </dgm:fillClrLst>
+    <dgm:linClrLst meth="repeat">
+      <a:schemeClr val="lt1"/>
+    </dgm:linClrLst>
+    <dgm:effectClrLst/>
+    <dgm:txLinClrLst/>
+    <dgm:txFillClrLst/>
+    <dgm:txEffectClrLst/>
+  </dgm:styleLbl>
+  <dgm:styleLbl name="node3">
+    <dgm:fillClrLst>
+      <a:schemeClr val="accent4"/>
+    </dgm:fillClrLst>
+    <dgm:linClrLst meth="repeat">
+      <a:schemeClr val="lt1"/>
+    </dgm:linClrLst>
+    <dgm:effectClrLst/>
+    <dgm:txLinClrLst/>
+    <dgm:txFillClrLst/>
+    <dgm:txEffectClrLst/>
+  </dgm:styleLbl>
+  <dgm:styleLbl name="node4">
+    <dgm:fillClrLst>
+      <a:schemeClr val="accent5"/>
+    </dgm:fillClrLst>
+    <dgm:linClrLst meth="repeat">
+      <a:schemeClr val="lt1"/>
+    </dgm:linClrLst>
+    <dgm:effectClrLst/>
+    <dgm:txLinClrLst/>
+    <dgm:txFillClrLst/>
+    <dgm:txEffectClrLst/>
+  </dgm:styleLbl>
+  <dgm:styleLbl name="fgImgPlace1">
+    <dgm:fillClrLst>
+      <a:schemeClr val="accent2">
+        <a:tint val="50000"/>
+      </a:schemeClr>
+      <a:schemeClr val="accent3">
+        <a:tint val="50000"/>
+      </a:schemeClr>
+    </dgm:fillClrLst>
+    <dgm:linClrLst meth="repeat">
+      <a:schemeClr val="lt1"/>
+    </dgm:linClrLst>
+    <dgm:effectClrLst/>
+    <dgm:txLinClrLst/>
+    <dgm:txFillClrLst meth="repeat">
+      <a:schemeClr val="lt1"/>
+    </dgm:txFillClrLst>
+    <dgm:txEffectClrLst/>
+  </dgm:styleLbl>
+  <dgm:styleLbl name="alignImgPlace1">
+    <dgm:fillClrLst>
+      <a:schemeClr val="accent2">
+        <a:tint val="50000"/>
+      </a:schemeClr>
+      <a:schemeClr val="accent3">
+        <a:tint val="20000"/>
+      </a:schemeClr>
+    </dgm:fillClrLst>
+    <dgm:linClrLst meth="repeat">
+      <a:schemeClr val="lt1"/>
+    </dgm:linClrLst>
+    <dgm:effectClrLst/>
+    <dgm:txLinClrLst/>
+    <dgm:txFillClrLst meth="repeat">
+      <a:schemeClr val="lt1"/>
+    </dgm:txFillClrLst>
+    <dgm:txEffectClrLst/>
+  </dgm:styleLbl>
+  <dgm:styleLbl name="bgImgPlace1">
+    <dgm:fillClrLst>
+      <a:schemeClr val="accent2">
+        <a:tint val="50000"/>
+      </a:schemeClr>
+      <a:schemeClr val="accent3">
+        <a:tint val="20000"/>
+      </a:schemeClr>
+    </dgm:fillClrLst>
+    <dgm:linClrLst meth="repeat">
+      <a:schemeClr val="lt1"/>
+    </dgm:linClrLst>
+    <dgm:effectClrLst/>
+    <dgm:txLinClrLst/>
+    <dgm:txFillClrLst meth="repeat">
+      <a:schemeClr val="lt1"/>
+    </dgm:txFillClrLst>
+    <dgm:txEffectClrLst/>
+  </dgm:styleLbl>
+  <dgm:styleLbl name="sibTrans2D1">
+    <dgm:fillClrLst>
+      <a:schemeClr val="accent2"/>
+      <a:schemeClr val="accent3"/>
+    </dgm:fillClrLst>
+    <dgm:linClrLst meth="repeat">
+      <a:schemeClr val="lt1"/>
+    </dgm:linClrLst>
+    <dgm:effectClrLst/>
+    <dgm:txLinClrLst/>
+    <dgm:txFillClrLst/>
+    <dgm:txEffectClrLst/>
+  </dgm:styleLbl>
+  <dgm:styleLbl name="fgSibTrans2D1">
+    <dgm:fillClrLst>
+      <a:schemeClr val="accent2"/>
+      <a:schemeClr val="accent3"/>
+    </dgm:fillClrLst>
+    <dgm:linClrLst meth="repeat">
+      <a:schemeClr val="lt1"/>
+    </dgm:linClrLst>
+    <dgm:effectClrLst/>
+    <dgm:txLinClrLst/>
+    <dgm:txFillClrLst meth="repeat">
+      <a:schemeClr val="lt1"/>
+    </dgm:txFillClrLst>
+    <dgm:txEffectClrLst/>
+  </dgm:styleLbl>
+  <dgm:styleLbl name="bgSibTrans2D1">
+    <dgm:fillClrLst>
+      <a:schemeClr val="accent2"/>
+      <a:schemeClr val="accent3"/>
+    </dgm:fillClrLst>
+    <dgm:linClrLst meth="repeat">
+      <a:schemeClr val="lt1"/>
+    </dgm:linClrLst>
+    <dgm:effectClrLst/>
+    <dgm:txLinClrLst/>
+    <dgm:txFillClrLst meth="repeat">
+      <a:schemeClr val="lt1"/>
+    </dgm:txFillClrLst>
+    <dgm:txEffectClrLst/>
+  </dgm:styleLbl>
+  <dgm:styleLbl name="sibTrans1D1">
+    <dgm:fillClrLst/>
+    <dgm:linClrLst>
+      <a:schemeClr val="accent2"/>
+      <a:schemeClr val="accent3"/>
+    </dgm:linClrLst>
+    <dgm:effectClrLst/>
+    <dgm:txLinClrLst/>
+    <dgm:txFillClrLst meth="repeat">
+      <a:schemeClr val="tx1"/>
+    </dgm:txFillClrLst>
+    <dgm:txEffectClrLst/>
+  </dgm:styleLbl>
+  <dgm:styleLbl name="callout">
+    <dgm:fillClrLst meth="repeat">
+      <a:schemeClr val="accent2"/>
+    </dgm:fillClrLst>
+    <dgm:linClrLst meth="repeat">
+      <a:schemeClr val="accent2">
+        <a:tint val="50000"/>
+      </a:schemeClr>
+    </dgm:linClrLst>
+    <dgm:effectClrLst/>
+    <dgm:txLinClrLst/>
+    <dgm:txFillClrLst meth="repeat">
+      <a:schemeClr val="tx1"/>
+    </dgm:txFillClrLst>
+    <dgm:txEffectClrLst/>
+  </dgm:styleLbl>
+  <dgm:styleLbl name="asst0">
+    <dgm:fillClrLst meth="repeat">
+      <a:schemeClr val="accent2"/>
+    </dgm:fillClrLst>
+    <dgm:linClrLst meth="repeat">
+      <a:schemeClr val="lt1">
+        <a:shade val="80000"/>
+      </a:schemeClr>
+    </dgm:linClrLst>
+    <dgm:effectClrLst/>
+    <dgm:txLinClrLst/>
+    <dgm:txFillClrLst/>
+    <dgm:txEffectClrLst/>
+  </dgm:styleLbl>
+  <dgm:styleLbl name="asst1">
+    <dgm:fillClrLst meth="repeat">
+      <a:schemeClr val="accent3"/>
+    </dgm:fillClrLst>
+    <dgm:linClrLst meth="repeat">
+      <a:schemeClr val="lt1">
+        <a:shade val="80000"/>
+      </a:schemeClr>
+    </dgm:linClrLst>
+    <dgm:effectClrLst/>
+    <dgm:txLinClrLst/>
+    <dgm:txFillClrLst/>
+    <dgm:txEffectClrLst/>
+  </dgm:styleLbl>
+  <dgm:styleLbl name="asst2">
+    <dgm:fillClrLst>
+      <a:schemeClr val="accent4"/>
+    </dgm:fillClrLst>
+    <dgm:linClrLst meth="repeat">
+      <a:schemeClr val="lt1"/>
+    </dgm:linClrLst>
+    <dgm:effectClrLst/>
+    <dgm:txLinClrLst/>
+    <dgm:txFillClrLst/>
+    <dgm:txEffectClrLst/>
+  </dgm:styleLbl>
+  <dgm:styleLbl name="asst3">
+    <dgm:fillClrLst>
+      <a:schemeClr val="accent5"/>
+    </dgm:fillClrLst>
+    <dgm:linClrLst meth="repeat">
+      <a:schemeClr val="lt1"/>
+    </dgm:linClrLst>
+    <dgm:effectClrLst/>
+    <dgm:txLinClrLst/>
+    <dgm:txFillClrLst/>
+    <dgm:txEffectClrLst/>
+  </dgm:styleLbl>
+  <dgm:styleLbl name="asst4">
+    <dgm:fillClrLst>
+      <a:schemeClr val="accent6"/>
+    </dgm:fillClrLst>
+    <dgm:linClrLst meth="repeat">
+      <a:schemeClr val="lt1"/>
+    </dgm:linClrLst>
+    <dgm:effectClrLst/>
+    <dgm:txLinClrLst/>
+    <dgm:txFillClrLst/>
+    <dgm:txEffectClrLst/>
+  </dgm:styleLbl>
+  <dgm:styleLbl name="parChTrans2D1">
+    <dgm:fillClrLst meth="repeat">
+      <a:schemeClr val="accent2"/>
+    </dgm:fillClrLst>
+    <dgm:linClrLst meth="repeat">
+      <a:schemeClr val="lt1"/>
+    </dgm:linClrLst>
+    <dgm:effectClrLst/>
+    <dgm:txLinClrLst/>
+    <dgm:txFillClrLst meth="repeat">
+      <a:schemeClr val="lt1"/>
+    </dgm:txFillClrLst>
+    <dgm:txEffectClrLst/>
+  </dgm:styleLbl>
+  <dgm:styleLbl name="parChTrans2D2">
+    <dgm:fillClrLst meth="repeat">
+      <a:schemeClr val="accent3"/>
+    </dgm:fillClrLst>
+    <dgm:linClrLst meth="repeat">
+      <a:schemeClr val="lt1"/>
+    </dgm:linClrLst>
+    <dgm:effectClrLst/>
+    <dgm:txLinClrLst/>
+    <dgm:txFillClrLst/>
+    <dgm:txEffectClrLst/>
+  </dgm:styleLbl>
+  <dgm:styleLbl name="parChTrans2D3">
+    <dgm:fillClrLst meth="repeat">
+      <a:schemeClr val="accent4"/>
+    </dgm:fillClrLst>
+    <dgm:linClrLst meth="repeat">
+      <a:schemeClr val="lt1"/>
+    </dgm:linClrLst>
+    <dgm:effectClrLst/>
+    <dgm:txLinClrLst/>
+    <dgm:txFillClrLst/>
+    <dgm:txEffectClrLst/>
+  </dgm:styleLbl>
+  <dgm:styleLbl name="parChTrans2D4">
+    <dgm:fillClrLst meth="repeat">
+      <a:schemeClr val="accent5"/>
+    </dgm:fillClrLst>
+    <dgm:linClrLst meth="repeat">
+      <a:schemeClr val="lt1"/>
+    </dgm:linClrLst>
+    <dgm:effectClrLst/>
+    <dgm:txLinClrLst/>
+    <dgm:txFillClrLst meth="repeat">
+      <a:schemeClr val="lt1"/>
+    </dgm:txFillClrLst>
+    <dgm:txEffectClrLst/>
+  </dgm:styleLbl>
+  <dgm:styleLbl name="parChTrans1D1">
+    <dgm:fillClrLst meth="repeat">
+      <a:schemeClr val="accent2"/>
+    </dgm:fillClrLst>
+    <dgm:linClrLst meth="repeat">
+      <a:schemeClr val="accent2"/>
+    </dgm:linClrLst>
+    <dgm:effectClrLst/>
+    <dgm:txLinClrLst/>
+    <dgm:txFillClrLst meth="repeat">
+      <a:schemeClr val="tx1"/>
+    </dgm:txFillClrLst>
+    <dgm:txEffectClrLst/>
+  </dgm:styleLbl>
+  <dgm:styleLbl name="parChTrans1D2">
+    <dgm:fillClrLst meth="repeat">
+      <a:schemeClr val="accent2">
+        <a:tint val="90000"/>
+      </a:schemeClr>
+    </dgm:fillClrLst>
+    <dgm:linClrLst meth="repeat">
+      <a:schemeClr val="accent3"/>
+    </dgm:linClrLst>
+    <dgm:effectClrLst/>
+    <dgm:txLinClrLst/>
+    <dgm:txFillClrLst meth="repeat">
+      <a:schemeClr val="tx1"/>
+    </dgm:txFillClrLst>
+    <dgm:txEffectClrLst/>
+  </dgm:styleLbl>
+  <dgm:styleLbl name="parChTrans1D3">
+    <dgm:fillClrLst meth="repeat">
+      <a:schemeClr val="accent2">
+        <a:tint val="70000"/>
+      </a:schemeClr>
+    </dgm:fillClrLst>
+    <dgm:linClrLst meth="repeat">
+      <a:schemeClr val="accent4"/>
+    </dgm:linClrLst>
+    <dgm:effectClrLst/>
+    <dgm:txLinClrLst/>
+    <dgm:txFillClrLst meth="repeat">
+      <a:schemeClr val="tx1"/>
+    </dgm:txFillClrLst>
+    <dgm:txEffectClrLst/>
+  </dgm:styleLbl>
+  <dgm:styleLbl name="parChTrans1D4">
+    <dgm:fillClrLst meth="repeat">
+      <a:schemeClr val="accent2">
+        <a:tint val="50000"/>
+      </a:schemeClr>
+    </dgm:fillClrLst>
+    <dgm:linClrLst meth="repeat">
+      <a:schemeClr val="accent5"/>
+    </dgm:linClrLst>
+    <dgm:effectClrLst/>
+    <dgm:txLinClrLst/>
+    <dgm:txFillClrLst meth="repeat">
+      <a:schemeClr val="tx1"/>
+    </dgm:txFillClrLst>
+    <dgm:txEffectClrLst/>
+  </dgm:styleLbl>
+  <dgm:styleLbl name="fgAcc1">
+    <dgm:fillClrLst meth="repeat">
+      <a:schemeClr val="lt1">
+        <a:alpha val="90000"/>
+      </a:schemeClr>
+    </dgm:fillClrLst>
+    <dgm:linClrLst>
+      <a:schemeClr val="accent2"/>
+      <a:schemeClr val="accent3"/>
+    </dgm:linClrLst>
+    <dgm:effectClrLst/>
+    <dgm:txLinClrLst/>
+    <dgm:txFillClrLst meth="repeat">
+      <a:schemeClr val="dk1"/>
+    </dgm:txFillClrLst>
+    <dgm:txEffectClrLst/>
+  </dgm:styleLbl>
+  <dgm:styleLbl name="conFgAcc1">
+    <dgm:fillClrLst meth="repeat">
+      <a:schemeClr val="lt1">
+        <a:alpha val="90000"/>
+      </a:schemeClr>
+    </dgm:fillClrLst>
+    <dgm:linClrLst>
+      <a:schemeClr val="accent2"/>
+      <a:schemeClr val="accent3"/>
+    </dgm:linClrLst>
+    <dgm:effectClrLst/>
+    <dgm:txLinClrLst/>
+    <dgm:txFillClrLst meth="repeat">
+      <a:schemeClr val="dk1"/>
+    </dgm:txFillClrLst>
+    <dgm:txEffectClrLst/>
+  </dgm:styleLbl>
+  <dgm:styleLbl name="alignAcc1">
+    <dgm:fillClrLst meth="repeat">
+      <a:schemeClr val="lt1">
+        <a:alpha val="90000"/>
+      </a:schemeClr>
+    </dgm:fillClrLst>
+    <dgm:linClrLst>
+      <a:schemeClr val="accent2"/>
+      <a:schemeClr val="accent3"/>
+    </dgm:linClrLst>
+    <dgm:effectClrLst/>
+    <dgm:txLinClrLst/>
+    <dgm:txFillClrLst meth="repeat">
+      <a:schemeClr val="dk1"/>
+    </dgm:txFillClrLst>
+    <dgm:txEffectClrLst/>
+  </dgm:styleLbl>
+  <dgm:styleLbl name="trAlignAcc1">
+    <dgm:fillClrLst meth="repeat">
+      <a:schemeClr val="lt1">
+        <a:alpha val="40000"/>
+      </a:schemeClr>
+    </dgm:fillClrLst>
+    <dgm:linClrLst meth="repeat">
+      <a:schemeClr val="accent2"/>
+    </dgm:linClrLst>
+    <dgm:effectClrLst/>
+    <dgm:txLinClrLst/>
+    <dgm:txFillClrLst meth="repeat">
+      <a:schemeClr val="dk1"/>
+    </dgm:txFillClrLst>
+    <dgm:txEffectClrLst/>
+  </dgm:styleLbl>
+  <dgm:styleLbl name="bgAcc1">
+    <dgm:fillClrLst meth="repeat">
+      <a:schemeClr val="lt1">
+        <a:alpha val="90000"/>
+      </a:schemeClr>
+    </dgm:fillClrLst>
+    <dgm:linClrLst>
+      <a:schemeClr val="accent2"/>
+      <a:schemeClr val="accent3"/>
+    </dgm:linClrLst>
+    <dgm:effectClrLst/>
+    <dgm:txLinClrLst/>
+    <dgm:txFillClrLst meth="repeat">
+      <a:schemeClr val="dk1"/>
+    </dgm:txFillClrLst>
+    <dgm:txEffectClrLst/>
+  </dgm:styleLbl>
+  <dgm:styleLbl name="solidFgAcc1">
+    <dgm:fillClrLst meth="repeat">
+      <a:schemeClr val="lt1"/>
+    </dgm:fillClrLst>
+    <dgm:linClrLst>
+      <a:schemeClr val="accent2"/>
+      <a:schemeClr val="accent3"/>
+    </dgm:linClrLst>
+    <dgm:effectClrLst/>
+    <dgm:txLinClrLst/>
+    <dgm:txFillClrLst meth="repeat">
+      <a:schemeClr val="dk1"/>
+    </dgm:txFillClrLst>
+    <dgm:txEffectClrLst/>
+  </dgm:styleLbl>
+  <dgm:styleLbl name="solidAlignAcc1">
+    <dgm:fillClrLst meth="repeat">
+      <a:schemeClr val="lt1"/>
+    </dgm:fillClrLst>
+    <dgm:linClrLst>
+      <a:schemeClr val="accent2"/>
+      <a:schemeClr val="accent3"/>
+    </dgm:linClrLst>
+    <dgm:effectClrLst/>
+    <dgm:txLinClrLst/>
+    <dgm:txFillClrLst meth="repeat">
+      <a:schemeClr val="dk1"/>
+    </dgm:txFillClrLst>
+    <dgm:txEffectClrLst/>
+  </dgm:styleLbl>
+  <dgm:styleLbl name="solidBgAcc1">
+    <dgm:fillClrLst meth="repeat">
+      <a:schemeClr val="lt1"/>
+    </dgm:fillClrLst>
+    <dgm:linClrLst>
+      <a:schemeClr val="accent2"/>
+      <a:schemeClr val="accent3"/>
+    </dgm:linClrLst>
+    <dgm:effectClrLst/>
+    <dgm:txLinClrLst/>
+    <dgm:txFillClrLst meth="repeat">
+      <a:schemeClr val="dk1"/>
+    </dgm:txFillClrLst>
+    <dgm:txEffectClrLst/>
+  </dgm:styleLbl>
+  <dgm:styleLbl name="fgAccFollowNode1">
+    <dgm:fillClrLst>
+      <a:schemeClr val="accent2">
+        <a:tint val="40000"/>
+        <a:alpha val="90000"/>
+      </a:schemeClr>
+      <a:schemeClr val="accent3">
+        <a:tint val="40000"/>
+        <a:alpha val="90000"/>
+      </a:schemeClr>
+    </dgm:fillClrLst>
+    <dgm:linClrLst>
+      <a:schemeClr val="accent2">
+        <a:tint val="40000"/>
+        <a:alpha val="90000"/>
+      </a:schemeClr>
+      <a:schemeClr val="accent3">
+        <a:tint val="40000"/>
+        <a:alpha val="90000"/>
+      </a:schemeClr>
+    </dgm:linClrLst>
+    <dgm:effectClrLst/>
+    <dgm:txLinClrLst/>
+    <dgm:txFillClrLst meth="repeat">
+      <a:schemeClr val="dk1"/>
+    </dgm:txFillClrLst>
+    <dgm:txEffectClrLst/>
+  </dgm:styleLbl>
+  <dgm:styleLbl name="alignAccFollowNode1">
+    <dgm:fillClrLst>
+      <a:schemeClr val="accent2">
+        <a:tint val="40000"/>
+        <a:alpha val="90000"/>
+      </a:schemeClr>
+      <a:schemeClr val="accent3">
+        <a:tint val="40000"/>
+        <a:alpha val="90000"/>
+      </a:schemeClr>
+    </dgm:fillClrLst>
+    <dgm:linClrLst>
+      <a:schemeClr val="accent2">
+        <a:tint val="40000"/>
+        <a:alpha val="90000"/>
+      </a:schemeClr>
+      <a:schemeClr val="accent3">
+        <a:tint val="40000"/>
+        <a:alpha val="90000"/>
+      </a:schemeClr>
+    </dgm:linClrLst>
+    <dgm:effectClrLst/>
+    <dgm:txLinClrLst/>
+    <dgm:txFillClrLst meth="repeat">
+      <a:schemeClr val="dk1"/>
+    </dgm:txFillClrLst>
+    <dgm:txEffectClrLst/>
+  </dgm:styleLbl>
+  <dgm:styleLbl name="bgAccFollowNode1">
+    <dgm:fillClrLst>
+      <a:schemeClr val="accent2">
+        <a:tint val="40000"/>
+        <a:alpha val="90000"/>
+      </a:schemeClr>
+      <a:schemeClr val="accent3">
+        <a:tint val="40000"/>
+        <a:alpha val="90000"/>
+      </a:schemeClr>
+    </dgm:fillClrLst>
+    <dgm:linClrLst>
+      <a:schemeClr val="accent2">
+        <a:tint val="40000"/>
+        <a:alpha val="90000"/>
+      </a:schemeClr>
+      <a:schemeClr val="accent3">
+        <a:tint val="40000"/>
+        <a:alpha val="90000"/>
+      </a:schemeClr>
+    </dgm:linClrLst>
+    <dgm:effectClrLst/>
+    <dgm:txLinClrLst/>
+    <dgm:txFillClrLst meth="repeat">
+      <a:schemeClr val="dk1"/>
+    </dgm:txFillClrLst>
+    <dgm:txEffectClrLst/>
+  </dgm:styleLbl>
+  <dgm:styleLbl name="fgAcc0">
+    <dgm:fillClrLst meth="repeat">
+      <a:schemeClr val="lt1">
+        <a:alpha val="90000"/>
+      </a:schemeClr>
+    </dgm:fillClrLst>
+    <dgm:linClrLst>
+      <a:schemeClr val="accent1"/>
+    </dgm:linClrLst>
+    <dgm:effectClrLst/>
+    <dgm:txLinClrLst/>
+    <dgm:txFillClrLst meth="repeat">
+      <a:schemeClr val="dk1"/>
+    </dgm:txFillClrLst>
+    <dgm:txEffectClrLst/>
+  </dgm:styleLbl>
+  <dgm:styleLbl name="fgAcc2">
+    <dgm:fillClrLst meth="repeat">
+      <a:schemeClr val="lt1">
+        <a:alpha val="90000"/>
+      </a:schemeClr>
+    </dgm:fillClrLst>
+    <dgm:linClrLst>
+      <a:schemeClr val="accent3"/>
+    </dgm:linClrLst>
+    <dgm:effectClrLst/>
+    <dgm:txLinClrLst/>
+    <dgm:txFillClrLst meth="repeat">
+      <a:schemeClr val="dk1"/>
+    </dgm:txFillClrLst>
+    <dgm:txEffectClrLst/>
+  </dgm:styleLbl>
+  <dgm:styleLbl name="fgAcc3">
+    <dgm:fillClrLst meth="repeat">
+      <a:schemeClr val="lt1">
+        <a:alpha val="90000"/>
+      </a:schemeClr>
+    </dgm:fillClrLst>
+    <dgm:linClrLst>
+      <a:schemeClr val="accent4"/>
+    </dgm:linClrLst>
+    <dgm:effectClrLst/>
+    <dgm:txLinClrLst/>
+    <dgm:txFillClrLst meth="repeat">
+      <a:schemeClr val="dk1"/>
+    </dgm:txFillClrLst>
+    <dgm:txEffectClrLst/>
+  </dgm:styleLbl>
+  <dgm:styleLbl name="fgAcc4">
+    <dgm:fillClrLst meth="repeat">
+      <a:schemeClr val="lt1">
+        <a:alpha val="90000"/>
+      </a:schemeClr>
+    </dgm:fillClrLst>
+    <dgm:linClrLst>
+      <a:schemeClr val="accent5"/>
+    </dgm:linClrLst>
+    <dgm:effectClrLst/>
+    <dgm:txLinClrLst/>
+    <dgm:txFillClrLst meth="repeat">
+      <a:schemeClr val="dk1"/>
+    </dgm:txFillClrLst>
+    <dgm:txEffectClrLst/>
+  </dgm:styleLbl>
+  <dgm:styleLbl name="bgShp">
+    <dgm:fillClrLst meth="repeat">
+      <a:schemeClr val="accent2">
+        <a:tint val="40000"/>
+      </a:schemeClr>
+    </dgm:fillClrLst>
+    <dgm:linClrLst meth="repeat">
+      <a:schemeClr val="dk1"/>
+    </dgm:linClrLst>
+    <dgm:effectClrLst/>
+    <dgm:txLinClrLst/>
+    <dgm:txFillClrLst meth="repeat">
+      <a:schemeClr val="dk1"/>
+    </dgm:txFillClrLst>
+    <dgm:txEffectClrLst/>
+  </dgm:styleLbl>
+  <dgm:styleLbl name="dkBgShp">
+    <dgm:fillClrLst meth="repeat">
+      <a:schemeClr val="accent2">
+        <a:shade val="90000"/>
+      </a:schemeClr>
+    </dgm:fillClrLst>
+    <dgm:linClrLst meth="repeat">
+      <a:schemeClr val="dk1"/>
+    </dgm:linClrLst>
+    <dgm:effectClrLst/>
+    <dgm:txLinClrLst/>
+    <dgm:txFillClrLst meth="repeat">
+      <a:schemeClr val="lt1"/>
+    </dgm:txFillClrLst>
+    <dgm:txEffectClrLst/>
+  </dgm:styleLbl>
+  <dgm:styleLbl name="trBgShp">
+    <dgm:fillClrLst meth="repeat">
+      <a:schemeClr val="accent2">
+        <a:tint val="50000"/>
+        <a:alpha val="40000"/>
+      </a:schemeClr>
+    </dgm:fillClrLst>
+    <dgm:linClrLst meth="repeat">
+      <a:schemeClr val="accent2"/>
+    </dgm:linClrLst>
+    <dgm:effectClrLst/>
+    <dgm:txLinClrLst/>
+    <dgm:txFillClrLst meth="repeat">
+      <a:schemeClr val="lt1"/>
+    </dgm:txFillClrLst>
+    <dgm:txEffectClrLst/>
+  </dgm:styleLbl>
+  <dgm:styleLbl name="fgShp">
+    <dgm:fillClrLst meth="repeat">
+      <a:schemeClr val="accent2">
+        <a:tint val="40000"/>
+      </a:schemeClr>
+    </dgm:fillClrLst>
+    <dgm:linClrLst meth="repeat">
+      <a:schemeClr val="lt1"/>
+    </dgm:linClrLst>
+    <dgm:effectClrLst/>
+    <dgm:txLinClrLst/>
+    <dgm:txFillClrLst meth="repeat">
+      <a:schemeClr val="dk1"/>
+    </dgm:txFillClrLst>
+    <dgm:txEffectClrLst/>
+  </dgm:styleLbl>
+  <dgm:styleLbl name="revTx">
+    <dgm:fillClrLst meth="repeat">
+      <a:schemeClr val="lt1">
+        <a:alpha val="0"/>
+      </a:schemeClr>
+    </dgm:fillClrLst>
+    <dgm:linClrLst meth="repeat">
+      <a:schemeClr val="dk1">
+        <a:alpha val="0"/>
+      </a:schemeClr>
+    </dgm:linClrLst>
+    <dgm:effectClrLst/>
+    <dgm:txLinClrLst/>
+    <dgm:txFillClrLst meth="repeat">
+      <a:schemeClr val="tx1"/>
+    </dgm:txFillClrLst>
+    <dgm:txEffectClrLst/>
+  </dgm:styleLbl>
+</dgm:colorsDef>
+</file>
+
+<file path=ppt/diagrams/colors5.xml><?xml version="1.0" encoding="utf-8"?>
+<dgm:colorsDef xmlns:dgm="http://schemas.openxmlformats.org/drawingml/2006/diagram" xmlns:a="http://schemas.openxmlformats.org/drawingml/2006/main" uniqueId="urn:microsoft.com/office/officeart/2005/8/colors/colorful2">
+  <dgm:title val=""/>
+  <dgm:desc val=""/>
+  <dgm:catLst>
+    <dgm:cat type="colorful" pri="10200"/>
+  </dgm:catLst>
+  <dgm:styleLbl name="node0">
+    <dgm:fillClrLst meth="repeat">
+      <a:schemeClr val="accent1"/>
+    </dgm:fillClrLst>
+    <dgm:linClrLst meth="repeat">
+      <a:schemeClr val="lt1"/>
+    </dgm:linClrLst>
+    <dgm:effectClrLst/>
+    <dgm:txLinClrLst/>
+    <dgm:txFillClrLst/>
+    <dgm:txEffectClrLst/>
+  </dgm:styleLbl>
+  <dgm:styleLbl name="node1">
+    <dgm:fillClrLst>
+      <a:schemeClr val="accent2"/>
+      <a:schemeClr val="accent3"/>
+    </dgm:fillClrLst>
+    <dgm:linClrLst meth="repeat">
+      <a:schemeClr val="lt1"/>
+    </dgm:linClrLst>
+    <dgm:effectClrLst/>
+    <dgm:txLinClrLst/>
+    <dgm:txFillClrLst/>
+    <dgm:txEffectClrLst/>
+  </dgm:styleLbl>
+  <dgm:styleLbl name="alignNode1">
+    <dgm:fillClrLst>
+      <a:schemeClr val="accent2"/>
+      <a:schemeClr val="accent3"/>
+    </dgm:fillClrLst>
+    <dgm:linClrLst>
+      <a:schemeClr val="accent2"/>
+      <a:schemeClr val="accent3"/>
+    </dgm:linClrLst>
+    <dgm:effectClrLst/>
+    <dgm:txLinClrLst/>
+    <dgm:txFillClrLst/>
+    <dgm:txEffectClrLst/>
+  </dgm:styleLbl>
+  <dgm:styleLbl name="lnNode1">
+    <dgm:fillClrLst>
+      <a:schemeClr val="accent2"/>
+      <a:schemeClr val="accent3"/>
+    </dgm:fillClrLst>
+    <dgm:linClrLst meth="repeat">
+      <a:schemeClr val="lt1"/>
+    </dgm:linClrLst>
+    <dgm:effectClrLst/>
+    <dgm:txLinClrLst/>
+    <dgm:txFillClrLst/>
+    <dgm:txEffectClrLst/>
+  </dgm:styleLbl>
+  <dgm:styleLbl name="vennNode1">
+    <dgm:fillClrLst>
+      <a:schemeClr val="accent2">
+        <a:alpha val="50000"/>
+      </a:schemeClr>
+      <a:schemeClr val="accent3">
+        <a:alpha val="50000"/>
+      </a:schemeClr>
+    </dgm:fillClrLst>
+    <dgm:linClrLst meth="repeat">
+      <a:schemeClr val="lt1"/>
+    </dgm:linClrLst>
+    <dgm:effectClrLst/>
+    <dgm:txLinClrLst/>
+    <dgm:txFillClrLst/>
+    <dgm:txEffectClrLst/>
+  </dgm:styleLbl>
+  <dgm:styleLbl name="node2">
+    <dgm:fillClrLst>
+      <a:schemeClr val="accent3"/>
+    </dgm:fillClrLst>
+    <dgm:linClrLst meth="repeat">
+      <a:schemeClr val="lt1"/>
+    </dgm:linClrLst>
+    <dgm:effectClrLst/>
+    <dgm:txLinClrLst/>
+    <dgm:txFillClrLst/>
+    <dgm:txEffectClrLst/>
+  </dgm:styleLbl>
+  <dgm:styleLbl name="node3">
+    <dgm:fillClrLst>
+      <a:schemeClr val="accent4"/>
+    </dgm:fillClrLst>
+    <dgm:linClrLst meth="repeat">
+      <a:schemeClr val="lt1"/>
+    </dgm:linClrLst>
+    <dgm:effectClrLst/>
+    <dgm:txLinClrLst/>
+    <dgm:txFillClrLst/>
+    <dgm:txEffectClrLst/>
+  </dgm:styleLbl>
+  <dgm:styleLbl name="node4">
+    <dgm:fillClrLst>
+      <a:schemeClr val="accent5"/>
+    </dgm:fillClrLst>
+    <dgm:linClrLst meth="repeat">
+      <a:schemeClr val="lt1"/>
+    </dgm:linClrLst>
+    <dgm:effectClrLst/>
+    <dgm:txLinClrLst/>
+    <dgm:txFillClrLst/>
+    <dgm:txEffectClrLst/>
+  </dgm:styleLbl>
+  <dgm:styleLbl name="fgImgPlace1">
+    <dgm:fillClrLst>
+      <a:schemeClr val="accent2">
+        <a:tint val="50000"/>
+      </a:schemeClr>
+      <a:schemeClr val="accent3">
+        <a:tint val="50000"/>
+      </a:schemeClr>
+    </dgm:fillClrLst>
+    <dgm:linClrLst meth="repeat">
+      <a:schemeClr val="lt1"/>
+    </dgm:linClrLst>
+    <dgm:effectClrLst/>
+    <dgm:txLinClrLst/>
+    <dgm:txFillClrLst meth="repeat">
+      <a:schemeClr val="lt1"/>
+    </dgm:txFillClrLst>
+    <dgm:txEffectClrLst/>
+  </dgm:styleLbl>
+  <dgm:styleLbl name="alignImgPlace1">
+    <dgm:fillClrLst>
+      <a:schemeClr val="accent2">
+        <a:tint val="50000"/>
+      </a:schemeClr>
+      <a:schemeClr val="accent3">
+        <a:tint val="20000"/>
+      </a:schemeClr>
+    </dgm:fillClrLst>
+    <dgm:linClrLst meth="repeat">
+      <a:schemeClr val="lt1"/>
+    </dgm:linClrLst>
+    <dgm:effectClrLst/>
+    <dgm:txLinClrLst/>
+    <dgm:txFillClrLst meth="repeat">
+      <a:schemeClr val="lt1"/>
+    </dgm:txFillClrLst>
+    <dgm:txEffectClrLst/>
+  </dgm:styleLbl>
+  <dgm:styleLbl name="bgImgPlace1">
+    <dgm:fillClrLst>
+      <a:schemeClr val="accent2">
+        <a:tint val="50000"/>
+      </a:schemeClr>
+      <a:schemeClr val="accent3">
+        <a:tint val="20000"/>
+      </a:schemeClr>
+    </dgm:fillClrLst>
+    <dgm:linClrLst meth="repeat">
+      <a:schemeClr val="lt1"/>
+    </dgm:linClrLst>
+    <dgm:effectClrLst/>
+    <dgm:txLinClrLst/>
+    <dgm:txFillClrLst meth="repeat">
+      <a:schemeClr val="lt1"/>
+    </dgm:txFillClrLst>
+    <dgm:txEffectClrLst/>
+  </dgm:styleLbl>
+  <dgm:styleLbl name="sibTrans2D1">
+    <dgm:fillClrLst>
+      <a:schemeClr val="accent2"/>
+      <a:schemeClr val="accent3"/>
+    </dgm:fillClrLst>
+    <dgm:linClrLst meth="repeat">
+      <a:schemeClr val="lt1"/>
+    </dgm:linClrLst>
+    <dgm:effectClrLst/>
+    <dgm:txLinClrLst/>
+    <dgm:txFillClrLst/>
+    <dgm:txEffectClrLst/>
+  </dgm:styleLbl>
+  <dgm:styleLbl name="fgSibTrans2D1">
+    <dgm:fillClrLst>
+      <a:schemeClr val="accent2"/>
+      <a:schemeClr val="accent3"/>
+    </dgm:fillClrLst>
+    <dgm:linClrLst meth="repeat">
+      <a:schemeClr val="lt1"/>
+    </dgm:linClrLst>
+    <dgm:effectClrLst/>
+    <dgm:txLinClrLst/>
+    <dgm:txFillClrLst meth="repeat">
+      <a:schemeClr val="lt1"/>
+    </dgm:txFillClrLst>
+    <dgm:txEffectClrLst/>
+  </dgm:styleLbl>
+  <dgm:styleLbl name="bgSibTrans2D1">
+    <dgm:fillClrLst>
+      <a:schemeClr val="accent2"/>
+      <a:schemeClr val="accent3"/>
+    </dgm:fillClrLst>
+    <dgm:linClrLst meth="repeat">
+      <a:schemeClr val="lt1"/>
+    </dgm:linClrLst>
+    <dgm:effectClrLst/>
+    <dgm:txLinClrLst/>
+    <dgm:txFillClrLst meth="repeat">
+      <a:schemeClr val="lt1"/>
+    </dgm:txFillClrLst>
+    <dgm:txEffectClrLst/>
+  </dgm:styleLbl>
+  <dgm:styleLbl name="sibTrans1D1">
+    <dgm:fillClrLst/>
+    <dgm:linClrLst>
+      <a:schemeClr val="accent2"/>
+      <a:schemeClr val="accent3"/>
+    </dgm:linClrLst>
+    <dgm:effectClrLst/>
+    <dgm:txLinClrLst/>
+    <dgm:txFillClrLst meth="repeat">
+      <a:schemeClr val="tx1"/>
+    </dgm:txFillClrLst>
+    <dgm:txEffectClrLst/>
+  </dgm:styleLbl>
+  <dgm:styleLbl name="callout">
+    <dgm:fillClrLst meth="repeat">
+      <a:schemeClr val="accent2"/>
+    </dgm:fillClrLst>
+    <dgm:linClrLst meth="repeat">
+      <a:schemeClr val="accent2">
+        <a:tint val="50000"/>
+      </a:schemeClr>
+    </dgm:linClrLst>
+    <dgm:effectClrLst/>
+    <dgm:txLinClrLst/>
+    <dgm:txFillClrLst meth="repeat">
+      <a:schemeClr val="tx1"/>
+    </dgm:txFillClrLst>
+    <dgm:txEffectClrLst/>
+  </dgm:styleLbl>
+  <dgm:styleLbl name="asst0">
+    <dgm:fillClrLst meth="repeat">
+      <a:schemeClr val="accent2"/>
+    </dgm:fillClrLst>
+    <dgm:linClrLst meth="repeat">
+      <a:schemeClr val="lt1">
+        <a:shade val="80000"/>
+      </a:schemeClr>
+    </dgm:linClrLst>
+    <dgm:effectClrLst/>
+    <dgm:txLinClrLst/>
+    <dgm:txFillClrLst/>
+    <dgm:txEffectClrLst/>
+  </dgm:styleLbl>
+  <dgm:styleLbl name="asst1">
+    <dgm:fillClrLst meth="repeat">
+      <a:schemeClr val="accent3"/>
+    </dgm:fillClrLst>
+    <dgm:linClrLst meth="repeat">
+      <a:schemeClr val="lt1">
+        <a:shade val="80000"/>
+      </a:schemeClr>
+    </dgm:linClrLst>
+    <dgm:effectClrLst/>
+    <dgm:txLinClrLst/>
+    <dgm:txFillClrLst/>
+    <dgm:txEffectClrLst/>
+  </dgm:styleLbl>
+  <dgm:styleLbl name="asst2">
+    <dgm:fillClrLst>
+      <a:schemeClr val="accent4"/>
+    </dgm:fillClrLst>
+    <dgm:linClrLst meth="repeat">
+      <a:schemeClr val="lt1"/>
+    </dgm:linClrLst>
+    <dgm:effectClrLst/>
+    <dgm:txLinClrLst/>
+    <dgm:txFillClrLst/>
+    <dgm:txEffectClrLst/>
+  </dgm:styleLbl>
+  <dgm:styleLbl name="asst3">
+    <dgm:fillClrLst>
+      <a:schemeClr val="accent5"/>
+    </dgm:fillClrLst>
+    <dgm:linClrLst meth="repeat">
+      <a:schemeClr val="lt1"/>
+    </dgm:linClrLst>
+    <dgm:effectClrLst/>
+    <dgm:txLinClrLst/>
+    <dgm:txFillClrLst/>
+    <dgm:txEffectClrLst/>
+  </dgm:styleLbl>
+  <dgm:styleLbl name="asst4">
+    <dgm:fillClrLst>
+      <a:schemeClr val="accent6"/>
+    </dgm:fillClrLst>
+    <dgm:linClrLst meth="repeat">
+      <a:schemeClr val="lt1"/>
+    </dgm:linClrLst>
+    <dgm:effectClrLst/>
+    <dgm:txLinClrLst/>
+    <dgm:txFillClrLst/>
+    <dgm:txEffectClrLst/>
+  </dgm:styleLbl>
+  <dgm:styleLbl name="parChTrans2D1">
+    <dgm:fillClrLst meth="repeat">
+      <a:schemeClr val="accent2"/>
+    </dgm:fillClrLst>
+    <dgm:linClrLst meth="repeat">
+      <a:schemeClr val="lt1"/>
+    </dgm:linClrLst>
+    <dgm:effectClrLst/>
+    <dgm:txLinClrLst/>
+    <dgm:txFillClrLst meth="repeat">
+      <a:schemeClr val="lt1"/>
+    </dgm:txFillClrLst>
+    <dgm:txEffectClrLst/>
+  </dgm:styleLbl>
+  <dgm:styleLbl name="parChTrans2D2">
+    <dgm:fillClrLst meth="repeat">
+      <a:schemeClr val="accent3"/>
+    </dgm:fillClrLst>
+    <dgm:linClrLst meth="repeat">
+      <a:schemeClr val="lt1"/>
+    </dgm:linClrLst>
+    <dgm:effectClrLst/>
+    <dgm:txLinClrLst/>
+    <dgm:txFillClrLst/>
+    <dgm:txEffectClrLst/>
+  </dgm:styleLbl>
+  <dgm:styleLbl name="parChTrans2D3">
+    <dgm:fillClrLst meth="repeat">
+      <a:schemeClr val="accent4"/>
+    </dgm:fillClrLst>
+    <dgm:linClrLst meth="repeat">
+      <a:schemeClr val="lt1"/>
+    </dgm:linClrLst>
+    <dgm:effectClrLst/>
+    <dgm:txLinClrLst/>
+    <dgm:txFillClrLst/>
+    <dgm:txEffectClrLst/>
+  </dgm:styleLbl>
+  <dgm:styleLbl name="parChTrans2D4">
+    <dgm:fillClrLst meth="repeat">
+      <a:schemeClr val="accent5"/>
+    </dgm:fillClrLst>
+    <dgm:linClrLst meth="repeat">
+      <a:schemeClr val="lt1"/>
+    </dgm:linClrLst>
+    <dgm:effectClrLst/>
+    <dgm:txLinClrLst/>
+    <dgm:txFillClrLst meth="repeat">
+      <a:schemeClr val="lt1"/>
+    </dgm:txFillClrLst>
+    <dgm:txEffectClrLst/>
+  </dgm:styleLbl>
+  <dgm:styleLbl name="parChTrans1D1">
+    <dgm:fillClrLst meth="repeat">
+      <a:schemeClr val="accent2"/>
+    </dgm:fillClrLst>
+    <dgm:linClrLst meth="repeat">
+      <a:schemeClr val="accent2"/>
+    </dgm:linClrLst>
+    <dgm:effectClrLst/>
+    <dgm:txLinClrLst/>
+    <dgm:txFillClrLst meth="repeat">
+      <a:schemeClr val="tx1"/>
+    </dgm:txFillClrLst>
+    <dgm:txEffectClrLst/>
+  </dgm:styleLbl>
+  <dgm:styleLbl name="parChTrans1D2">
+    <dgm:fillClrLst meth="repeat">
+      <a:schemeClr val="accent2">
+        <a:tint val="90000"/>
+      </a:schemeClr>
+    </dgm:fillClrLst>
+    <dgm:linClrLst meth="repeat">
+      <a:schemeClr val="accent3"/>
+    </dgm:linClrLst>
+    <dgm:effectClrLst/>
+    <dgm:txLinClrLst/>
+    <dgm:txFillClrLst meth="repeat">
+      <a:schemeClr val="tx1"/>
+    </dgm:txFillClrLst>
+    <dgm:txEffectClrLst/>
+  </dgm:styleLbl>
+  <dgm:styleLbl name="parChTrans1D3">
+    <dgm:fillClrLst meth="repeat">
+      <a:schemeClr val="accent2">
+        <a:tint val="70000"/>
+      </a:schemeClr>
+    </dgm:fillClrLst>
+    <dgm:linClrLst meth="repeat">
+      <a:schemeClr val="accent4"/>
+    </dgm:linClrLst>
+    <dgm:effectClrLst/>
+    <dgm:txLinClrLst/>
+    <dgm:txFillClrLst meth="repeat">
+      <a:schemeClr val="tx1"/>
+    </dgm:txFillClrLst>
+    <dgm:txEffectClrLst/>
+  </dgm:styleLbl>
+  <dgm:styleLbl name="parChTrans1D4">
+    <dgm:fillClrLst meth="repeat">
+      <a:schemeClr val="accent2">
+        <a:tint val="50000"/>
+      </a:schemeClr>
+    </dgm:fillClrLst>
+    <dgm:linClrLst meth="repeat">
+      <a:schemeClr val="accent5"/>
+    </dgm:linClrLst>
+    <dgm:effectClrLst/>
+    <dgm:txLinClrLst/>
+    <dgm:txFillClrLst meth="repeat">
+      <a:schemeClr val="tx1"/>
+    </dgm:txFillClrLst>
+    <dgm:txEffectClrLst/>
+  </dgm:styleLbl>
+  <dgm:styleLbl name="fgAcc1">
+    <dgm:fillClrLst meth="repeat">
+      <a:schemeClr val="lt1">
+        <a:alpha val="90000"/>
+      </a:schemeClr>
+    </dgm:fillClrLst>
+    <dgm:linClrLst>
+      <a:schemeClr val="accent2"/>
+      <a:schemeClr val="accent3"/>
+    </dgm:linClrLst>
+    <dgm:effectClrLst/>
+    <dgm:txLinClrLst/>
+    <dgm:txFillClrLst meth="repeat">
+      <a:schemeClr val="dk1"/>
+    </dgm:txFillClrLst>
+    <dgm:txEffectClrLst/>
+  </dgm:styleLbl>
+  <dgm:styleLbl name="conFgAcc1">
+    <dgm:fillClrLst meth="repeat">
+      <a:schemeClr val="lt1">
+        <a:alpha val="90000"/>
+      </a:schemeClr>
+    </dgm:fillClrLst>
+    <dgm:linClrLst>
+      <a:schemeClr val="accent2"/>
+      <a:schemeClr val="accent3"/>
+    </dgm:linClrLst>
+    <dgm:effectClrLst/>
+    <dgm:txLinClrLst/>
+    <dgm:txFillClrLst meth="repeat">
+      <a:schemeClr val="dk1"/>
+    </dgm:txFillClrLst>
+    <dgm:txEffectClrLst/>
+  </dgm:styleLbl>
+  <dgm:styleLbl name="alignAcc1">
+    <dgm:fillClrLst meth="repeat">
+      <a:schemeClr val="lt1">
+        <a:alpha val="90000"/>
+      </a:schemeClr>
+    </dgm:fillClrLst>
+    <dgm:linClrLst>
+      <a:schemeClr val="accent2"/>
+      <a:schemeClr val="accent3"/>
+    </dgm:linClrLst>
+    <dgm:effectClrLst/>
+    <dgm:txLinClrLst/>
+    <dgm:txFillClrLst meth="repeat">
+      <a:schemeClr val="dk1"/>
+    </dgm:txFillClrLst>
+    <dgm:txEffectClrLst/>
+  </dgm:styleLbl>
+  <dgm:styleLbl name="trAlignAcc1">
+    <dgm:fillClrLst meth="repeat">
+      <a:schemeClr val="lt1">
+        <a:alpha val="40000"/>
+      </a:schemeClr>
+    </dgm:fillClrLst>
+    <dgm:linClrLst meth="repeat">
+      <a:schemeClr val="accent2"/>
+    </dgm:linClrLst>
+    <dgm:effectClrLst/>
+    <dgm:txLinClrLst/>
+    <dgm:txFillClrLst meth="repeat">
+      <a:schemeClr val="dk1"/>
+    </dgm:txFillClrLst>
+    <dgm:txEffectClrLst/>
+  </dgm:styleLbl>
+  <dgm:styleLbl name="bgAcc1">
+    <dgm:fillClrLst meth="repeat">
+      <a:schemeClr val="lt1">
+        <a:alpha val="90000"/>
+      </a:schemeClr>
+    </dgm:fillClrLst>
+    <dgm:linClrLst>
+      <a:schemeClr val="accent2"/>
+      <a:schemeClr val="accent3"/>
+    </dgm:linClrLst>
+    <dgm:effectClrLst/>
+    <dgm:txLinClrLst/>
+    <dgm:txFillClrLst meth="repeat">
+      <a:schemeClr val="dk1"/>
+    </dgm:txFillClrLst>
+    <dgm:txEffectClrLst/>
+  </dgm:styleLbl>
+  <dgm:styleLbl name="solidFgAcc1">
+    <dgm:fillClrLst meth="repeat">
+      <a:schemeClr val="lt1"/>
+    </dgm:fillClrLst>
+    <dgm:linClrLst>
+      <a:schemeClr val="accent2"/>
+      <a:schemeClr val="accent3"/>
+    </dgm:linClrLst>
+    <dgm:effectClrLst/>
+    <dgm:txLinClrLst/>
+    <dgm:txFillClrLst meth="repeat">
+      <a:schemeClr val="dk1"/>
+    </dgm:txFillClrLst>
+    <dgm:txEffectClrLst/>
+  </dgm:styleLbl>
+  <dgm:styleLbl name="solidAlignAcc1">
+    <dgm:fillClrLst meth="repeat">
+      <a:schemeClr val="lt1"/>
+    </dgm:fillClrLst>
+    <dgm:linClrLst>
+      <a:schemeClr val="accent2"/>
+      <a:schemeClr val="accent3"/>
+    </dgm:linClrLst>
+    <dgm:effectClrLst/>
+    <dgm:txLinClrLst/>
+    <dgm:txFillClrLst meth="repeat">
+      <a:schemeClr val="dk1"/>
+    </dgm:txFillClrLst>
+    <dgm:txEffectClrLst/>
+  </dgm:styleLbl>
+  <dgm:styleLbl name="solidBgAcc1">
+    <dgm:fillClrLst meth="repeat">
+      <a:schemeClr val="lt1"/>
+    </dgm:fillClrLst>
+    <dgm:linClrLst>
+      <a:schemeClr val="accent2"/>
+      <a:schemeClr val="accent3"/>
+    </dgm:linClrLst>
+    <dgm:effectClrLst/>
+    <dgm:txLinClrLst/>
+    <dgm:txFillClrLst meth="repeat">
+      <a:schemeClr val="dk1"/>
+    </dgm:txFillClrLst>
+    <dgm:txEffectClrLst/>
+  </dgm:styleLbl>
+  <dgm:styleLbl name="fgAccFollowNode1">
+    <dgm:fillClrLst>
+      <a:schemeClr val="accent2">
+        <a:tint val="40000"/>
+        <a:alpha val="90000"/>
+      </a:schemeClr>
+      <a:schemeClr val="accent3">
+        <a:tint val="40000"/>
+        <a:alpha val="90000"/>
+      </a:schemeClr>
+    </dgm:fillClrLst>
+    <dgm:linClrLst>
+      <a:schemeClr val="accent2">
+        <a:tint val="40000"/>
+        <a:alpha val="90000"/>
+      </a:schemeClr>
+      <a:schemeClr val="accent3">
+        <a:tint val="40000"/>
+        <a:alpha val="90000"/>
+      </a:schemeClr>
+    </dgm:linClrLst>
+    <dgm:effectClrLst/>
+    <dgm:txLinClrLst/>
+    <dgm:txFillClrLst meth="repeat">
+      <a:schemeClr val="dk1"/>
+    </dgm:txFillClrLst>
+    <dgm:txEffectClrLst/>
+  </dgm:styleLbl>
+  <dgm:styleLbl name="alignAccFollowNode1">
+    <dgm:fillClrLst>
+      <a:schemeClr val="accent2">
+        <a:tint val="40000"/>
+        <a:alpha val="90000"/>
+      </a:schemeClr>
+      <a:schemeClr val="accent3">
+        <a:tint val="40000"/>
+        <a:alpha val="90000"/>
+      </a:schemeClr>
+    </dgm:fillClrLst>
+    <dgm:linClrLst>
+      <a:schemeClr val="accent2">
+        <a:tint val="40000"/>
+        <a:alpha val="90000"/>
+      </a:schemeClr>
+      <a:schemeClr val="accent3">
+        <a:tint val="40000"/>
+        <a:alpha val="90000"/>
+      </a:schemeClr>
+    </dgm:linClrLst>
+    <dgm:effectClrLst/>
+    <dgm:txLinClrLst/>
+    <dgm:txFillClrLst meth="repeat">
+      <a:schemeClr val="dk1"/>
+    </dgm:txFillClrLst>
+    <dgm:txEffectClrLst/>
+  </dgm:styleLbl>
+  <dgm:styleLbl name="bgAccFollowNode1">
+    <dgm:fillClrLst>
+      <a:schemeClr val="accent2">
+        <a:tint val="40000"/>
+        <a:alpha val="90000"/>
+      </a:schemeClr>
+      <a:schemeClr val="accent3">
+        <a:tint val="40000"/>
+        <a:alpha val="90000"/>
+      </a:schemeClr>
+    </dgm:fillClrLst>
+    <dgm:linClrLst>
+      <a:schemeClr val="accent2">
+        <a:tint val="40000"/>
+        <a:alpha val="90000"/>
+      </a:schemeClr>
+      <a:schemeClr val="accent3">
+        <a:tint val="40000"/>
+        <a:alpha val="90000"/>
+      </a:schemeClr>
+    </dgm:linClrLst>
+    <dgm:effectClrLst/>
+    <dgm:txLinClrLst/>
+    <dgm:txFillClrLst meth="repeat">
+      <a:schemeClr val="dk1"/>
+    </dgm:txFillClrLst>
+    <dgm:txEffectClrLst/>
+  </dgm:styleLbl>
+  <dgm:styleLbl name="fgAcc0">
+    <dgm:fillClrLst meth="repeat">
+      <a:schemeClr val="lt1">
+        <a:alpha val="90000"/>
+      </a:schemeClr>
+    </dgm:fillClrLst>
+    <dgm:linClrLst>
+      <a:schemeClr val="accent1"/>
+    </dgm:linClrLst>
+    <dgm:effectClrLst/>
+    <dgm:txLinClrLst/>
+    <dgm:txFillClrLst meth="repeat">
+      <a:schemeClr val="dk1"/>
+    </dgm:txFillClrLst>
+    <dgm:txEffectClrLst/>
+  </dgm:styleLbl>
+  <dgm:styleLbl name="fgAcc2">
+    <dgm:fillClrLst meth="repeat">
+      <a:schemeClr val="lt1">
+        <a:alpha val="90000"/>
+      </a:schemeClr>
+    </dgm:fillClrLst>
+    <dgm:linClrLst>
+      <a:schemeClr val="accent3"/>
+    </dgm:linClrLst>
+    <dgm:effectClrLst/>
+    <dgm:txLinClrLst/>
+    <dgm:txFillClrLst meth="repeat">
+      <a:schemeClr val="dk1"/>
+    </dgm:txFillClrLst>
+    <dgm:txEffectClrLst/>
+  </dgm:styleLbl>
+  <dgm:styleLbl name="fgAcc3">
+    <dgm:fillClrLst meth="repeat">
+      <a:schemeClr val="lt1">
+        <a:alpha val="90000"/>
+      </a:schemeClr>
+    </dgm:fillClrLst>
+    <dgm:linClrLst>
+      <a:schemeClr val="accent4"/>
+    </dgm:linClrLst>
+    <dgm:effectClrLst/>
+    <dgm:txLinClrLst/>
+    <dgm:txFillClrLst meth="repeat">
+      <a:schemeClr val="dk1"/>
+    </dgm:txFillClrLst>
+    <dgm:txEffectClrLst/>
+  </dgm:styleLbl>
+  <dgm:styleLbl name="fgAcc4">
+    <dgm:fillClrLst meth="repeat">
+      <a:schemeClr val="lt1">
+        <a:alpha val="90000"/>
+      </a:schemeClr>
+    </dgm:fillClrLst>
+    <dgm:linClrLst>
+      <a:schemeClr val="accent5"/>
+    </dgm:linClrLst>
+    <dgm:effectClrLst/>
+    <dgm:txLinClrLst/>
+    <dgm:txFillClrLst meth="repeat">
+      <a:schemeClr val="dk1"/>
+    </dgm:txFillClrLst>
+    <dgm:txEffectClrLst/>
+  </dgm:styleLbl>
+  <dgm:styleLbl name="bgShp">
+    <dgm:fillClrLst meth="repeat">
+      <a:schemeClr val="accent2">
+        <a:tint val="40000"/>
+      </a:schemeClr>
+    </dgm:fillClrLst>
+    <dgm:linClrLst meth="repeat">
+      <a:schemeClr val="dk1"/>
+    </dgm:linClrLst>
+    <dgm:effectClrLst/>
+    <dgm:txLinClrLst/>
+    <dgm:txFillClrLst meth="repeat">
+      <a:schemeClr val="dk1"/>
+    </dgm:txFillClrLst>
+    <dgm:txEffectClrLst/>
+  </dgm:styleLbl>
+  <dgm:styleLbl name="dkBgShp">
+    <dgm:fillClrLst meth="repeat">
+      <a:schemeClr val="accent2">
+        <a:shade val="90000"/>
+      </a:schemeClr>
+    </dgm:fillClrLst>
+    <dgm:linClrLst meth="repeat">
+      <a:schemeClr val="dk1"/>
+    </dgm:linClrLst>
+    <dgm:effectClrLst/>
+    <dgm:txLinClrLst/>
+    <dgm:txFillClrLst meth="repeat">
+      <a:schemeClr val="lt1"/>
+    </dgm:txFillClrLst>
+    <dgm:txEffectClrLst/>
+  </dgm:styleLbl>
+  <dgm:styleLbl name="trBgShp">
+    <dgm:fillClrLst meth="repeat">
+      <a:schemeClr val="accent2">
+        <a:tint val="50000"/>
+        <a:alpha val="40000"/>
+      </a:schemeClr>
+    </dgm:fillClrLst>
+    <dgm:linClrLst meth="repeat">
+      <a:schemeClr val="accent2"/>
+    </dgm:linClrLst>
+    <dgm:effectClrLst/>
+    <dgm:txLinClrLst/>
+    <dgm:txFillClrLst meth="repeat">
+      <a:schemeClr val="lt1"/>
+    </dgm:txFillClrLst>
+    <dgm:txEffectClrLst/>
+  </dgm:styleLbl>
+  <dgm:styleLbl name="fgShp">
+    <dgm:fillClrLst meth="repeat">
+      <a:schemeClr val="accent2">
+        <a:tint val="40000"/>
+      </a:schemeClr>
+    </dgm:fillClrLst>
+    <dgm:linClrLst meth="repeat">
+      <a:schemeClr val="lt1"/>
+    </dgm:linClrLst>
+    <dgm:effectClrLst/>
+    <dgm:txLinClrLst/>
+    <dgm:txFillClrLst meth="repeat">
+      <a:schemeClr val="dk1"/>
+    </dgm:txFillClrLst>
+    <dgm:txEffectClrLst/>
+  </dgm:styleLbl>
+  <dgm:styleLbl name="revTx">
+    <dgm:fillClrLst meth="repeat">
+      <a:schemeClr val="lt1">
         <a:alpha val="0"/>
       </a:schemeClr>
     </dgm:fillClrLst>
@@ -3113,6 +4685,604 @@
     <dgm:cxn modelId="{6B8BA38F-37A4-4650-88B8-C7710E0BFDF3}" type="presParOf" srcId="{C7722544-A452-45B8-A53E-8286A09F08C2}" destId="{6D784669-B09E-429B-AA3A-A45E9DCC5D94}" srcOrd="4" destOrd="0" presId="urn:microsoft.com/office/officeart/2005/8/layout/vList2"/>
     <dgm:cxn modelId="{EBF39FB7-718A-4238-951D-A6BACBAEDA81}" type="presParOf" srcId="{C7722544-A452-45B8-A53E-8286A09F08C2}" destId="{36566F1B-7FDA-44C3-A796-C46C682A322D}" srcOrd="5" destOrd="0" presId="urn:microsoft.com/office/officeart/2005/8/layout/vList2"/>
     <dgm:cxn modelId="{BAE3C960-5755-418C-BFEA-48DA238552C7}" type="presParOf" srcId="{C7722544-A452-45B8-A53E-8286A09F08C2}" destId="{EC75885F-F097-489A-A352-7F88A3B80E13}" srcOrd="6" destOrd="0" presId="urn:microsoft.com/office/officeart/2005/8/layout/vList2"/>
+  </dgm:cxnLst>
+  <dgm:bg/>
+  <dgm:whole/>
+  <dgm:extLst>
+    <a:ext uri="http://schemas.microsoft.com/office/drawing/2008/diagram">
+      <dsp:dataModelExt xmlns:dsp="http://schemas.microsoft.com/office/drawing/2008/diagram" relId="rId6" minVer="http://schemas.openxmlformats.org/drawingml/2006/diagram"/>
+    </a:ext>
+  </dgm:extLst>
+</dgm:dataModel>
+</file>
+
+<file path=ppt/diagrams/data4.xml><?xml version="1.0" encoding="utf-8"?>
+<dgm:dataModel xmlns:dgm="http://schemas.openxmlformats.org/drawingml/2006/diagram" xmlns:a="http://schemas.openxmlformats.org/drawingml/2006/main">
+  <dgm:ptLst>
+    <dgm:pt modelId="{B938026D-9DBE-4854-A3E5-3945E2A39A59}" type="doc">
+      <dgm:prSet loTypeId="urn:microsoft.com/office/officeart/2005/8/layout/hierarchy1" loCatId="hierarchy" qsTypeId="urn:microsoft.com/office/officeart/2005/8/quickstyle/simple1" qsCatId="simple" csTypeId="urn:microsoft.com/office/officeart/2005/8/colors/colorful2" csCatId="colorful"/>
+      <dgm:spPr/>
+      <dgm:t>
+        <a:bodyPr/>
+        <a:lstStyle/>
+        <a:p>
+          <a:endParaRPr lang="en-US"/>
+        </a:p>
+      </dgm:t>
+    </dgm:pt>
+    <dgm:pt modelId="{204C2957-C65A-4179-A6CE-DEBD7154C629}">
+      <dgm:prSet/>
+      <dgm:spPr/>
+      <dgm:t>
+        <a:bodyPr/>
+        <a:lstStyle/>
+        <a:p>
+          <a:r>
+            <a:rPr lang="hu-HU"/>
+            <a:t>Helyzet gyors felmérése</a:t>
+          </a:r>
+          <a:endParaRPr lang="en-US"/>
+        </a:p>
+      </dgm:t>
+    </dgm:pt>
+    <dgm:pt modelId="{318684E4-82B3-4A70-8DD2-E8656E845E57}" type="parTrans" cxnId="{B6930CDB-66E5-408D-BFCF-C721C59907E9}">
+      <dgm:prSet/>
+      <dgm:spPr/>
+      <dgm:t>
+        <a:bodyPr/>
+        <a:lstStyle/>
+        <a:p>
+          <a:endParaRPr lang="en-US"/>
+        </a:p>
+      </dgm:t>
+    </dgm:pt>
+    <dgm:pt modelId="{92303C52-D1FD-4D98-851A-B3D9801EF89E}" type="sibTrans" cxnId="{B6930CDB-66E5-408D-BFCF-C721C59907E9}">
+      <dgm:prSet/>
+      <dgm:spPr/>
+      <dgm:t>
+        <a:bodyPr/>
+        <a:lstStyle/>
+        <a:p>
+          <a:endParaRPr lang="en-US"/>
+        </a:p>
+      </dgm:t>
+    </dgm:pt>
+    <dgm:pt modelId="{94939EBC-70A2-4EE9-A6B7-6C621A151440}">
+      <dgm:prSet/>
+      <dgm:spPr/>
+      <dgm:t>
+        <a:bodyPr/>
+        <a:lstStyle/>
+        <a:p>
+          <a:r>
+            <a:rPr lang="hu-HU"/>
+            <a:t>Fontos feladatok </a:t>
+          </a:r>
+          <a:r>
+            <a:rPr lang="en-DE"/>
+            <a:t>újra</a:t>
+          </a:r>
+          <a:r>
+            <a:rPr lang="hu-HU"/>
+            <a:t>rendezése</a:t>
+          </a:r>
+          <a:endParaRPr lang="en-US"/>
+        </a:p>
+      </dgm:t>
+    </dgm:pt>
+    <dgm:pt modelId="{30183BED-F3C7-4F59-BB56-33F756A283D4}" type="parTrans" cxnId="{0205E37C-8509-48EA-86F5-0BC0D7C30EAB}">
+      <dgm:prSet/>
+      <dgm:spPr/>
+      <dgm:t>
+        <a:bodyPr/>
+        <a:lstStyle/>
+        <a:p>
+          <a:endParaRPr lang="en-US"/>
+        </a:p>
+      </dgm:t>
+    </dgm:pt>
+    <dgm:pt modelId="{58CBF10C-C91B-4396-B030-15CB8F408128}" type="sibTrans" cxnId="{0205E37C-8509-48EA-86F5-0BC0D7C30EAB}">
+      <dgm:prSet/>
+      <dgm:spPr/>
+      <dgm:t>
+        <a:bodyPr/>
+        <a:lstStyle/>
+        <a:p>
+          <a:endParaRPr lang="en-US"/>
+        </a:p>
+      </dgm:t>
+    </dgm:pt>
+    <dgm:pt modelId="{42C913E8-859A-4EEA-B6FC-4F240C36DD64}">
+      <dgm:prSet/>
+      <dgm:spPr/>
+      <dgm:t>
+        <a:bodyPr/>
+        <a:lstStyle/>
+        <a:p>
+          <a:r>
+            <a:rPr lang="hu-HU"/>
+            <a:t>Alternatív megoldások keresése</a:t>
+          </a:r>
+          <a:endParaRPr lang="en-US"/>
+        </a:p>
+      </dgm:t>
+    </dgm:pt>
+    <dgm:pt modelId="{5ACECFA5-907A-41C9-9F75-B718747595BE}" type="parTrans" cxnId="{AEABD71E-ACEE-44D1-8197-41DC172756E2}">
+      <dgm:prSet/>
+      <dgm:spPr/>
+      <dgm:t>
+        <a:bodyPr/>
+        <a:lstStyle/>
+        <a:p>
+          <a:endParaRPr lang="en-US"/>
+        </a:p>
+      </dgm:t>
+    </dgm:pt>
+    <dgm:pt modelId="{191E4B73-C943-4E24-B927-A91CBD3853E6}" type="sibTrans" cxnId="{AEABD71E-ACEE-44D1-8197-41DC172756E2}">
+      <dgm:prSet/>
+      <dgm:spPr/>
+      <dgm:t>
+        <a:bodyPr/>
+        <a:lstStyle/>
+        <a:p>
+          <a:endParaRPr lang="en-US"/>
+        </a:p>
+      </dgm:t>
+    </dgm:pt>
+    <dgm:pt modelId="{F3C087B7-41AC-41D9-AB03-D607B462A154}">
+      <dgm:prSet/>
+      <dgm:spPr/>
+      <dgm:t>
+        <a:bodyPr/>
+        <a:lstStyle/>
+        <a:p>
+          <a:r>
+            <a:rPr lang="hu-HU"/>
+            <a:t>Segítség kérése</a:t>
+          </a:r>
+          <a:r>
+            <a:rPr lang="en-DE"/>
+            <a:t>, ha kell</a:t>
+          </a:r>
+          <a:endParaRPr lang="en-US"/>
+        </a:p>
+      </dgm:t>
+    </dgm:pt>
+    <dgm:pt modelId="{B1C9377F-C45D-4857-B055-A28390B7930A}" type="parTrans" cxnId="{3C27C04A-F09E-4444-8371-F1F0D1289BE9}">
+      <dgm:prSet/>
+      <dgm:spPr/>
+      <dgm:t>
+        <a:bodyPr/>
+        <a:lstStyle/>
+        <a:p>
+          <a:endParaRPr lang="en-US"/>
+        </a:p>
+      </dgm:t>
+    </dgm:pt>
+    <dgm:pt modelId="{D70CF0CD-A758-4ABD-A81A-A9B3DD895D03}" type="sibTrans" cxnId="{3C27C04A-F09E-4444-8371-F1F0D1289BE9}">
+      <dgm:prSet/>
+      <dgm:spPr/>
+      <dgm:t>
+        <a:bodyPr/>
+        <a:lstStyle/>
+        <a:p>
+          <a:endParaRPr lang="en-US"/>
+        </a:p>
+      </dgm:t>
+    </dgm:pt>
+    <dgm:pt modelId="{7AB12516-ADEE-49E3-ADAC-14720D5CBF7B}" type="pres">
+      <dgm:prSet presAssocID="{B938026D-9DBE-4854-A3E5-3945E2A39A59}" presName="hierChild1" presStyleCnt="0">
+        <dgm:presLayoutVars>
+          <dgm:chPref val="1"/>
+          <dgm:dir/>
+          <dgm:animOne val="branch"/>
+          <dgm:animLvl val="lvl"/>
+          <dgm:resizeHandles/>
+        </dgm:presLayoutVars>
+      </dgm:prSet>
+      <dgm:spPr/>
+    </dgm:pt>
+    <dgm:pt modelId="{EEF0E033-27A1-4696-B528-00F474CBEF62}" type="pres">
+      <dgm:prSet presAssocID="{204C2957-C65A-4179-A6CE-DEBD7154C629}" presName="hierRoot1" presStyleCnt="0"/>
+      <dgm:spPr/>
+    </dgm:pt>
+    <dgm:pt modelId="{50F32E1B-78FA-4E4E-A778-2A2062EC06F0}" type="pres">
+      <dgm:prSet presAssocID="{204C2957-C65A-4179-A6CE-DEBD7154C629}" presName="composite" presStyleCnt="0"/>
+      <dgm:spPr/>
+    </dgm:pt>
+    <dgm:pt modelId="{E3890997-24DE-4037-846E-302918A5BCCB}" type="pres">
+      <dgm:prSet presAssocID="{204C2957-C65A-4179-A6CE-DEBD7154C629}" presName="background" presStyleLbl="node0" presStyleIdx="0" presStyleCnt="4"/>
+      <dgm:spPr/>
+    </dgm:pt>
+    <dgm:pt modelId="{958E6A9C-ED9E-4727-ACC0-2A975995112F}" type="pres">
+      <dgm:prSet presAssocID="{204C2957-C65A-4179-A6CE-DEBD7154C629}" presName="text" presStyleLbl="fgAcc0" presStyleIdx="0" presStyleCnt="4">
+        <dgm:presLayoutVars>
+          <dgm:chPref val="3"/>
+        </dgm:presLayoutVars>
+      </dgm:prSet>
+      <dgm:spPr/>
+    </dgm:pt>
+    <dgm:pt modelId="{51E5C605-8406-47A0-AF79-D98006D571D3}" type="pres">
+      <dgm:prSet presAssocID="{204C2957-C65A-4179-A6CE-DEBD7154C629}" presName="hierChild2" presStyleCnt="0"/>
+      <dgm:spPr/>
+    </dgm:pt>
+    <dgm:pt modelId="{8FB28952-A595-4050-9EC4-C44532121808}" type="pres">
+      <dgm:prSet presAssocID="{94939EBC-70A2-4EE9-A6B7-6C621A151440}" presName="hierRoot1" presStyleCnt="0"/>
+      <dgm:spPr/>
+    </dgm:pt>
+    <dgm:pt modelId="{4B7BA55A-4094-403B-B29F-3F4460C42166}" type="pres">
+      <dgm:prSet presAssocID="{94939EBC-70A2-4EE9-A6B7-6C621A151440}" presName="composite" presStyleCnt="0"/>
+      <dgm:spPr/>
+    </dgm:pt>
+    <dgm:pt modelId="{802E1AF9-DDFB-4DF1-8607-5103A36D7AFF}" type="pres">
+      <dgm:prSet presAssocID="{94939EBC-70A2-4EE9-A6B7-6C621A151440}" presName="background" presStyleLbl="node0" presStyleIdx="1" presStyleCnt="4"/>
+      <dgm:spPr/>
+    </dgm:pt>
+    <dgm:pt modelId="{07DD9510-A8C3-415B-B963-D48741058AE8}" type="pres">
+      <dgm:prSet presAssocID="{94939EBC-70A2-4EE9-A6B7-6C621A151440}" presName="text" presStyleLbl="fgAcc0" presStyleIdx="1" presStyleCnt="4">
+        <dgm:presLayoutVars>
+          <dgm:chPref val="3"/>
+        </dgm:presLayoutVars>
+      </dgm:prSet>
+      <dgm:spPr/>
+    </dgm:pt>
+    <dgm:pt modelId="{1E69D03C-3C04-449F-959B-986CE4A0B28D}" type="pres">
+      <dgm:prSet presAssocID="{94939EBC-70A2-4EE9-A6B7-6C621A151440}" presName="hierChild2" presStyleCnt="0"/>
+      <dgm:spPr/>
+    </dgm:pt>
+    <dgm:pt modelId="{5A812564-4297-473F-ADCD-4DBFA7AB8036}" type="pres">
+      <dgm:prSet presAssocID="{42C913E8-859A-4EEA-B6FC-4F240C36DD64}" presName="hierRoot1" presStyleCnt="0"/>
+      <dgm:spPr/>
+    </dgm:pt>
+    <dgm:pt modelId="{7D74DFE9-3458-4E94-9EA6-B89CE7AEA2D2}" type="pres">
+      <dgm:prSet presAssocID="{42C913E8-859A-4EEA-B6FC-4F240C36DD64}" presName="composite" presStyleCnt="0"/>
+      <dgm:spPr/>
+    </dgm:pt>
+    <dgm:pt modelId="{B1384C29-FBCF-4D8B-A36A-224A23B5B78B}" type="pres">
+      <dgm:prSet presAssocID="{42C913E8-859A-4EEA-B6FC-4F240C36DD64}" presName="background" presStyleLbl="node0" presStyleIdx="2" presStyleCnt="4"/>
+      <dgm:spPr/>
+    </dgm:pt>
+    <dgm:pt modelId="{866A79AD-67BA-487B-A1B3-9721632839B1}" type="pres">
+      <dgm:prSet presAssocID="{42C913E8-859A-4EEA-B6FC-4F240C36DD64}" presName="text" presStyleLbl="fgAcc0" presStyleIdx="2" presStyleCnt="4">
+        <dgm:presLayoutVars>
+          <dgm:chPref val="3"/>
+        </dgm:presLayoutVars>
+      </dgm:prSet>
+      <dgm:spPr/>
+    </dgm:pt>
+    <dgm:pt modelId="{BEB4FA55-EE24-4A58-B506-CD626ABF6389}" type="pres">
+      <dgm:prSet presAssocID="{42C913E8-859A-4EEA-B6FC-4F240C36DD64}" presName="hierChild2" presStyleCnt="0"/>
+      <dgm:spPr/>
+    </dgm:pt>
+    <dgm:pt modelId="{C5328AA6-4BF8-48A4-A4CE-CFC52185A04E}" type="pres">
+      <dgm:prSet presAssocID="{F3C087B7-41AC-41D9-AB03-D607B462A154}" presName="hierRoot1" presStyleCnt="0"/>
+      <dgm:spPr/>
+    </dgm:pt>
+    <dgm:pt modelId="{ABCDE4F3-32A5-46AE-92E4-6D3CD5DBC117}" type="pres">
+      <dgm:prSet presAssocID="{F3C087B7-41AC-41D9-AB03-D607B462A154}" presName="composite" presStyleCnt="0"/>
+      <dgm:spPr/>
+    </dgm:pt>
+    <dgm:pt modelId="{863064C5-21FC-48D3-9AFC-00EB33CBB97D}" type="pres">
+      <dgm:prSet presAssocID="{F3C087B7-41AC-41D9-AB03-D607B462A154}" presName="background" presStyleLbl="node0" presStyleIdx="3" presStyleCnt="4"/>
+      <dgm:spPr/>
+    </dgm:pt>
+    <dgm:pt modelId="{7A96CFD4-B5A2-457A-B80E-65986763DA45}" type="pres">
+      <dgm:prSet presAssocID="{F3C087B7-41AC-41D9-AB03-D607B462A154}" presName="text" presStyleLbl="fgAcc0" presStyleIdx="3" presStyleCnt="4">
+        <dgm:presLayoutVars>
+          <dgm:chPref val="3"/>
+        </dgm:presLayoutVars>
+      </dgm:prSet>
+      <dgm:spPr/>
+    </dgm:pt>
+    <dgm:pt modelId="{600E7343-3757-4705-9DF4-0E9B89AD2882}" type="pres">
+      <dgm:prSet presAssocID="{F3C087B7-41AC-41D9-AB03-D607B462A154}" presName="hierChild2" presStyleCnt="0"/>
+      <dgm:spPr/>
+    </dgm:pt>
+  </dgm:ptLst>
+  <dgm:cxnLst>
+    <dgm:cxn modelId="{AEABD71E-ACEE-44D1-8197-41DC172756E2}" srcId="{B938026D-9DBE-4854-A3E5-3945E2A39A59}" destId="{42C913E8-859A-4EEA-B6FC-4F240C36DD64}" srcOrd="2" destOrd="0" parTransId="{5ACECFA5-907A-41C9-9F75-B718747595BE}" sibTransId="{191E4B73-C943-4E24-B927-A91CBD3853E6}"/>
+    <dgm:cxn modelId="{F50DEB1E-7F83-42DC-8386-D3C3CD5EA5F2}" type="presOf" srcId="{204C2957-C65A-4179-A6CE-DEBD7154C629}" destId="{958E6A9C-ED9E-4727-ACC0-2A975995112F}" srcOrd="0" destOrd="0" presId="urn:microsoft.com/office/officeart/2005/8/layout/hierarchy1"/>
+    <dgm:cxn modelId="{3C27C04A-F09E-4444-8371-F1F0D1289BE9}" srcId="{B938026D-9DBE-4854-A3E5-3945E2A39A59}" destId="{F3C087B7-41AC-41D9-AB03-D607B462A154}" srcOrd="3" destOrd="0" parTransId="{B1C9377F-C45D-4857-B055-A28390B7930A}" sibTransId="{D70CF0CD-A758-4ABD-A81A-A9B3DD895D03}"/>
+    <dgm:cxn modelId="{CC1A2753-C2AA-4E13-8D44-8E6A6D1B5290}" type="presOf" srcId="{42C913E8-859A-4EEA-B6FC-4F240C36DD64}" destId="{866A79AD-67BA-487B-A1B3-9721632839B1}" srcOrd="0" destOrd="0" presId="urn:microsoft.com/office/officeart/2005/8/layout/hierarchy1"/>
+    <dgm:cxn modelId="{87A41B58-124B-4F2D-8A7F-371FFE476AAA}" type="presOf" srcId="{F3C087B7-41AC-41D9-AB03-D607B462A154}" destId="{7A96CFD4-B5A2-457A-B80E-65986763DA45}" srcOrd="0" destOrd="0" presId="urn:microsoft.com/office/officeart/2005/8/layout/hierarchy1"/>
+    <dgm:cxn modelId="{0205E37C-8509-48EA-86F5-0BC0D7C30EAB}" srcId="{B938026D-9DBE-4854-A3E5-3945E2A39A59}" destId="{94939EBC-70A2-4EE9-A6B7-6C621A151440}" srcOrd="1" destOrd="0" parTransId="{30183BED-F3C7-4F59-BB56-33F756A283D4}" sibTransId="{58CBF10C-C91B-4396-B030-15CB8F408128}"/>
+    <dgm:cxn modelId="{AF327C9C-2048-4116-A549-F0D63E9D9710}" type="presOf" srcId="{B938026D-9DBE-4854-A3E5-3945E2A39A59}" destId="{7AB12516-ADEE-49E3-ADAC-14720D5CBF7B}" srcOrd="0" destOrd="0" presId="urn:microsoft.com/office/officeart/2005/8/layout/hierarchy1"/>
+    <dgm:cxn modelId="{B6930CDB-66E5-408D-BFCF-C721C59907E9}" srcId="{B938026D-9DBE-4854-A3E5-3945E2A39A59}" destId="{204C2957-C65A-4179-A6CE-DEBD7154C629}" srcOrd="0" destOrd="0" parTransId="{318684E4-82B3-4A70-8DD2-E8656E845E57}" sibTransId="{92303C52-D1FD-4D98-851A-B3D9801EF89E}"/>
+    <dgm:cxn modelId="{8DEDB9E7-4681-4FDE-9902-69198BCE3637}" type="presOf" srcId="{94939EBC-70A2-4EE9-A6B7-6C621A151440}" destId="{07DD9510-A8C3-415B-B963-D48741058AE8}" srcOrd="0" destOrd="0" presId="urn:microsoft.com/office/officeart/2005/8/layout/hierarchy1"/>
+    <dgm:cxn modelId="{0BA48096-09B9-4CFB-B1FE-07B071AAA1F7}" type="presParOf" srcId="{7AB12516-ADEE-49E3-ADAC-14720D5CBF7B}" destId="{EEF0E033-27A1-4696-B528-00F474CBEF62}" srcOrd="0" destOrd="0" presId="urn:microsoft.com/office/officeart/2005/8/layout/hierarchy1"/>
+    <dgm:cxn modelId="{6E912C1A-F438-49E9-8010-53A40A753C85}" type="presParOf" srcId="{EEF0E033-27A1-4696-B528-00F474CBEF62}" destId="{50F32E1B-78FA-4E4E-A778-2A2062EC06F0}" srcOrd="0" destOrd="0" presId="urn:microsoft.com/office/officeart/2005/8/layout/hierarchy1"/>
+    <dgm:cxn modelId="{7209E4B2-D57D-40F9-A702-A2651760CF41}" type="presParOf" srcId="{50F32E1B-78FA-4E4E-A778-2A2062EC06F0}" destId="{E3890997-24DE-4037-846E-302918A5BCCB}" srcOrd="0" destOrd="0" presId="urn:microsoft.com/office/officeart/2005/8/layout/hierarchy1"/>
+    <dgm:cxn modelId="{442BE0A1-4B86-49D9-85E0-1B456786AA0C}" type="presParOf" srcId="{50F32E1B-78FA-4E4E-A778-2A2062EC06F0}" destId="{958E6A9C-ED9E-4727-ACC0-2A975995112F}" srcOrd="1" destOrd="0" presId="urn:microsoft.com/office/officeart/2005/8/layout/hierarchy1"/>
+    <dgm:cxn modelId="{4CA80354-588D-4107-AC8E-48DCCF60B913}" type="presParOf" srcId="{EEF0E033-27A1-4696-B528-00F474CBEF62}" destId="{51E5C605-8406-47A0-AF79-D98006D571D3}" srcOrd="1" destOrd="0" presId="urn:microsoft.com/office/officeart/2005/8/layout/hierarchy1"/>
+    <dgm:cxn modelId="{155D5EE6-18E2-4570-B0AF-187F4D72FE71}" type="presParOf" srcId="{7AB12516-ADEE-49E3-ADAC-14720D5CBF7B}" destId="{8FB28952-A595-4050-9EC4-C44532121808}" srcOrd="1" destOrd="0" presId="urn:microsoft.com/office/officeart/2005/8/layout/hierarchy1"/>
+    <dgm:cxn modelId="{706927ED-09B6-42AA-934B-F9BA8D482337}" type="presParOf" srcId="{8FB28952-A595-4050-9EC4-C44532121808}" destId="{4B7BA55A-4094-403B-B29F-3F4460C42166}" srcOrd="0" destOrd="0" presId="urn:microsoft.com/office/officeart/2005/8/layout/hierarchy1"/>
+    <dgm:cxn modelId="{106BE6D1-8269-4C62-AC24-6393A824F520}" type="presParOf" srcId="{4B7BA55A-4094-403B-B29F-3F4460C42166}" destId="{802E1AF9-DDFB-4DF1-8607-5103A36D7AFF}" srcOrd="0" destOrd="0" presId="urn:microsoft.com/office/officeart/2005/8/layout/hierarchy1"/>
+    <dgm:cxn modelId="{4D3CAC32-CF07-4146-AF65-9AEE1ED2E90F}" type="presParOf" srcId="{4B7BA55A-4094-403B-B29F-3F4460C42166}" destId="{07DD9510-A8C3-415B-B963-D48741058AE8}" srcOrd="1" destOrd="0" presId="urn:microsoft.com/office/officeart/2005/8/layout/hierarchy1"/>
+    <dgm:cxn modelId="{2AD1021D-0629-4847-BA83-4617BDF43201}" type="presParOf" srcId="{8FB28952-A595-4050-9EC4-C44532121808}" destId="{1E69D03C-3C04-449F-959B-986CE4A0B28D}" srcOrd="1" destOrd="0" presId="urn:microsoft.com/office/officeart/2005/8/layout/hierarchy1"/>
+    <dgm:cxn modelId="{52912946-FE75-47B6-8759-8DAC1124E22F}" type="presParOf" srcId="{7AB12516-ADEE-49E3-ADAC-14720D5CBF7B}" destId="{5A812564-4297-473F-ADCD-4DBFA7AB8036}" srcOrd="2" destOrd="0" presId="urn:microsoft.com/office/officeart/2005/8/layout/hierarchy1"/>
+    <dgm:cxn modelId="{D2E680A3-6CE0-484E-9F22-B4DCDE071C3F}" type="presParOf" srcId="{5A812564-4297-473F-ADCD-4DBFA7AB8036}" destId="{7D74DFE9-3458-4E94-9EA6-B89CE7AEA2D2}" srcOrd="0" destOrd="0" presId="urn:microsoft.com/office/officeart/2005/8/layout/hierarchy1"/>
+    <dgm:cxn modelId="{F6E4B192-8E97-47F3-A0AF-0B8BE6B424A6}" type="presParOf" srcId="{7D74DFE9-3458-4E94-9EA6-B89CE7AEA2D2}" destId="{B1384C29-FBCF-4D8B-A36A-224A23B5B78B}" srcOrd="0" destOrd="0" presId="urn:microsoft.com/office/officeart/2005/8/layout/hierarchy1"/>
+    <dgm:cxn modelId="{EAC8AD03-DA6D-4491-953C-5B9EC037FC31}" type="presParOf" srcId="{7D74DFE9-3458-4E94-9EA6-B89CE7AEA2D2}" destId="{866A79AD-67BA-487B-A1B3-9721632839B1}" srcOrd="1" destOrd="0" presId="urn:microsoft.com/office/officeart/2005/8/layout/hierarchy1"/>
+    <dgm:cxn modelId="{12502BE8-D5C4-4DBD-8F42-81B78990EC27}" type="presParOf" srcId="{5A812564-4297-473F-ADCD-4DBFA7AB8036}" destId="{BEB4FA55-EE24-4A58-B506-CD626ABF6389}" srcOrd="1" destOrd="0" presId="urn:microsoft.com/office/officeart/2005/8/layout/hierarchy1"/>
+    <dgm:cxn modelId="{D7AD8E6F-299A-44EA-8B83-24265522CE8D}" type="presParOf" srcId="{7AB12516-ADEE-49E3-ADAC-14720D5CBF7B}" destId="{C5328AA6-4BF8-48A4-A4CE-CFC52185A04E}" srcOrd="3" destOrd="0" presId="urn:microsoft.com/office/officeart/2005/8/layout/hierarchy1"/>
+    <dgm:cxn modelId="{3D158C60-6692-44C3-9A86-36339F66FFE3}" type="presParOf" srcId="{C5328AA6-4BF8-48A4-A4CE-CFC52185A04E}" destId="{ABCDE4F3-32A5-46AE-92E4-6D3CD5DBC117}" srcOrd="0" destOrd="0" presId="urn:microsoft.com/office/officeart/2005/8/layout/hierarchy1"/>
+    <dgm:cxn modelId="{CE25A679-73DF-48CB-8138-E9D765CD373B}" type="presParOf" srcId="{ABCDE4F3-32A5-46AE-92E4-6D3CD5DBC117}" destId="{863064C5-21FC-48D3-9AFC-00EB33CBB97D}" srcOrd="0" destOrd="0" presId="urn:microsoft.com/office/officeart/2005/8/layout/hierarchy1"/>
+    <dgm:cxn modelId="{6BF5C08E-886A-4DEB-BEF8-1BBDE4982EF4}" type="presParOf" srcId="{ABCDE4F3-32A5-46AE-92E4-6D3CD5DBC117}" destId="{7A96CFD4-B5A2-457A-B80E-65986763DA45}" srcOrd="1" destOrd="0" presId="urn:microsoft.com/office/officeart/2005/8/layout/hierarchy1"/>
+    <dgm:cxn modelId="{A19FEA93-EE7B-4686-8231-C4577781C8F8}" type="presParOf" srcId="{C5328AA6-4BF8-48A4-A4CE-CFC52185A04E}" destId="{600E7343-3757-4705-9DF4-0E9B89AD2882}" srcOrd="1" destOrd="0" presId="urn:microsoft.com/office/officeart/2005/8/layout/hierarchy1"/>
+  </dgm:cxnLst>
+  <dgm:bg/>
+  <dgm:whole/>
+  <dgm:extLst>
+    <a:ext uri="http://schemas.microsoft.com/office/drawing/2008/diagram">
+      <dsp:dataModelExt xmlns:dsp="http://schemas.microsoft.com/office/drawing/2008/diagram" relId="rId6" minVer="http://schemas.openxmlformats.org/drawingml/2006/diagram"/>
+    </a:ext>
+  </dgm:extLst>
+</dgm:dataModel>
+</file>
+
+<file path=ppt/diagrams/data5.xml><?xml version="1.0" encoding="utf-8"?>
+<dgm:dataModel xmlns:dgm="http://schemas.openxmlformats.org/drawingml/2006/diagram" xmlns:a="http://schemas.openxmlformats.org/drawingml/2006/main">
+  <dgm:ptLst>
+    <dgm:pt modelId="{AA93BA8D-A2CB-4D70-A1EA-164397EA9D0F}" type="doc">
+      <dgm:prSet loTypeId="urn:microsoft.com/office/officeart/2008/layout/LinedList" loCatId="list" qsTypeId="urn:microsoft.com/office/officeart/2005/8/quickstyle/simple1" qsCatId="simple" csTypeId="urn:microsoft.com/office/officeart/2005/8/colors/colorful2" csCatId="colorful"/>
+      <dgm:spPr/>
+      <dgm:t>
+        <a:bodyPr/>
+        <a:lstStyle/>
+        <a:p>
+          <a:endParaRPr lang="en-US"/>
+        </a:p>
+      </dgm:t>
+    </dgm:pt>
+    <dgm:pt modelId="{5DB1AD4C-CF3E-41E2-B66C-1E9AACA4F812}">
+      <dgm:prSet/>
+      <dgm:spPr/>
+      <dgm:t>
+        <a:bodyPr/>
+        <a:lstStyle/>
+        <a:p>
+          <a:r>
+            <a:rPr lang="en-DE"/>
+            <a:t>Tartalék idővel számítás</a:t>
+          </a:r>
+          <a:endParaRPr lang="en-US"/>
+        </a:p>
+      </dgm:t>
+    </dgm:pt>
+    <dgm:pt modelId="{BF3E4EE7-201F-42CD-A94B-A928D6270B34}" type="parTrans" cxnId="{2714F7C4-67BB-458F-8D2F-6E4DB9E6654F}">
+      <dgm:prSet/>
+      <dgm:spPr/>
+      <dgm:t>
+        <a:bodyPr/>
+        <a:lstStyle/>
+        <a:p>
+          <a:endParaRPr lang="en-US"/>
+        </a:p>
+      </dgm:t>
+    </dgm:pt>
+    <dgm:pt modelId="{A8AEBAA4-6140-459C-9368-853DCD9EB477}" type="sibTrans" cxnId="{2714F7C4-67BB-458F-8D2F-6E4DB9E6654F}">
+      <dgm:prSet/>
+      <dgm:spPr/>
+      <dgm:t>
+        <a:bodyPr/>
+        <a:lstStyle/>
+        <a:p>
+          <a:endParaRPr lang="en-US"/>
+        </a:p>
+      </dgm:t>
+    </dgm:pt>
+    <dgm:pt modelId="{CD1E5965-707B-4250-A4A9-7D66B9932E87}">
+      <dgm:prSet/>
+      <dgm:spPr/>
+      <dgm:t>
+        <a:bodyPr/>
+        <a:lstStyle/>
+        <a:p>
+          <a:r>
+            <a:rPr lang="en-DE"/>
+            <a:t>Rugalmas tervezés</a:t>
+          </a:r>
+          <a:endParaRPr lang="en-US"/>
+        </a:p>
+      </dgm:t>
+    </dgm:pt>
+    <dgm:pt modelId="{1EA9143B-2605-4A5D-8FE7-775692B2E35A}" type="parTrans" cxnId="{99209559-895E-4400-88B6-EC117C7CA988}">
+      <dgm:prSet/>
+      <dgm:spPr/>
+      <dgm:t>
+        <a:bodyPr/>
+        <a:lstStyle/>
+        <a:p>
+          <a:endParaRPr lang="en-US"/>
+        </a:p>
+      </dgm:t>
+    </dgm:pt>
+    <dgm:pt modelId="{1BEC766E-312F-4345-9E8E-7A73B8CE718A}" type="sibTrans" cxnId="{99209559-895E-4400-88B6-EC117C7CA988}">
+      <dgm:prSet/>
+      <dgm:spPr/>
+      <dgm:t>
+        <a:bodyPr/>
+        <a:lstStyle/>
+        <a:p>
+          <a:endParaRPr lang="en-US"/>
+        </a:p>
+      </dgm:t>
+    </dgm:pt>
+    <dgm:pt modelId="{FE404D2E-A45D-4244-894B-7E02B2F113C9}">
+      <dgm:prSet/>
+      <dgm:spPr/>
+      <dgm:t>
+        <a:bodyPr/>
+        <a:lstStyle/>
+        <a:p>
+          <a:r>
+            <a:rPr lang="en-DE"/>
+            <a:t>Előre kigondolt “B terv”</a:t>
+          </a:r>
+          <a:endParaRPr lang="en-US"/>
+        </a:p>
+      </dgm:t>
+    </dgm:pt>
+    <dgm:pt modelId="{5AE30D4D-7147-48D1-927E-605DF98582F1}" type="parTrans" cxnId="{891441F1-DEB4-4349-950B-9E06531C3C8E}">
+      <dgm:prSet/>
+      <dgm:spPr/>
+      <dgm:t>
+        <a:bodyPr/>
+        <a:lstStyle/>
+        <a:p>
+          <a:endParaRPr lang="en-US"/>
+        </a:p>
+      </dgm:t>
+    </dgm:pt>
+    <dgm:pt modelId="{5C064324-99FA-41A0-8B44-CCCC1B807DC9}" type="sibTrans" cxnId="{891441F1-DEB4-4349-950B-9E06531C3C8E}">
+      <dgm:prSet/>
+      <dgm:spPr/>
+      <dgm:t>
+        <a:bodyPr/>
+        <a:lstStyle/>
+        <a:p>
+          <a:endParaRPr lang="en-US"/>
+        </a:p>
+      </dgm:t>
+    </dgm:pt>
+    <dgm:pt modelId="{CB551682-3D83-4688-B377-866ACCD4F42E}">
+      <dgm:prSet/>
+      <dgm:spPr/>
+      <dgm:t>
+        <a:bodyPr/>
+        <a:lstStyle/>
+        <a:p>
+          <a:r>
+            <a:rPr lang="en-DE"/>
+            <a:t>Nyugodt hozzáállás</a:t>
+          </a:r>
+          <a:endParaRPr lang="en-US"/>
+        </a:p>
+      </dgm:t>
+    </dgm:pt>
+    <dgm:pt modelId="{F5619DCB-C48B-4CCD-9F23-108FFF61F18D}" type="parTrans" cxnId="{C1B38A4C-36CA-433F-B3AE-0548967EFD57}">
+      <dgm:prSet/>
+      <dgm:spPr/>
+      <dgm:t>
+        <a:bodyPr/>
+        <a:lstStyle/>
+        <a:p>
+          <a:endParaRPr lang="en-US"/>
+        </a:p>
+      </dgm:t>
+    </dgm:pt>
+    <dgm:pt modelId="{1081DA0A-D80E-424E-86D3-B648A4E2D993}" type="sibTrans" cxnId="{C1B38A4C-36CA-433F-B3AE-0548967EFD57}">
+      <dgm:prSet/>
+      <dgm:spPr/>
+      <dgm:t>
+        <a:bodyPr/>
+        <a:lstStyle/>
+        <a:p>
+          <a:endParaRPr lang="en-US"/>
+        </a:p>
+      </dgm:t>
+    </dgm:pt>
+    <dgm:pt modelId="{9FAEE464-EEDE-4D94-A180-7CD677B50CAA}" type="pres">
+      <dgm:prSet presAssocID="{AA93BA8D-A2CB-4D70-A1EA-164397EA9D0F}" presName="vert0" presStyleCnt="0">
+        <dgm:presLayoutVars>
+          <dgm:dir/>
+          <dgm:animOne val="branch"/>
+          <dgm:animLvl val="lvl"/>
+        </dgm:presLayoutVars>
+      </dgm:prSet>
+      <dgm:spPr/>
+    </dgm:pt>
+    <dgm:pt modelId="{E07D447E-3C6C-4F11-A8C8-DF0E328C4BA4}" type="pres">
+      <dgm:prSet presAssocID="{5DB1AD4C-CF3E-41E2-B66C-1E9AACA4F812}" presName="thickLine" presStyleLbl="alignNode1" presStyleIdx="0" presStyleCnt="4"/>
+      <dgm:spPr/>
+    </dgm:pt>
+    <dgm:pt modelId="{B73E3BC8-1581-46D4-A788-C7321B442606}" type="pres">
+      <dgm:prSet presAssocID="{5DB1AD4C-CF3E-41E2-B66C-1E9AACA4F812}" presName="horz1" presStyleCnt="0"/>
+      <dgm:spPr/>
+    </dgm:pt>
+    <dgm:pt modelId="{E30FC712-704B-4F4D-B6A6-F826640439F9}" type="pres">
+      <dgm:prSet presAssocID="{5DB1AD4C-CF3E-41E2-B66C-1E9AACA4F812}" presName="tx1" presStyleLbl="revTx" presStyleIdx="0" presStyleCnt="4"/>
+      <dgm:spPr/>
+    </dgm:pt>
+    <dgm:pt modelId="{5DFC077E-D4F7-4DED-864B-96DA4D30C57A}" type="pres">
+      <dgm:prSet presAssocID="{5DB1AD4C-CF3E-41E2-B66C-1E9AACA4F812}" presName="vert1" presStyleCnt="0"/>
+      <dgm:spPr/>
+    </dgm:pt>
+    <dgm:pt modelId="{4160E3D3-A670-4CA2-BC6C-2881DF743BE3}" type="pres">
+      <dgm:prSet presAssocID="{CD1E5965-707B-4250-A4A9-7D66B9932E87}" presName="thickLine" presStyleLbl="alignNode1" presStyleIdx="1" presStyleCnt="4"/>
+      <dgm:spPr/>
+    </dgm:pt>
+    <dgm:pt modelId="{76761746-E05C-4051-BDDB-6C9E3299C1CC}" type="pres">
+      <dgm:prSet presAssocID="{CD1E5965-707B-4250-A4A9-7D66B9932E87}" presName="horz1" presStyleCnt="0"/>
+      <dgm:spPr/>
+    </dgm:pt>
+    <dgm:pt modelId="{C324C736-6DD4-4106-B65B-AD1E929BAB2C}" type="pres">
+      <dgm:prSet presAssocID="{CD1E5965-707B-4250-A4A9-7D66B9932E87}" presName="tx1" presStyleLbl="revTx" presStyleIdx="1" presStyleCnt="4"/>
+      <dgm:spPr/>
+    </dgm:pt>
+    <dgm:pt modelId="{208BB69F-249E-4F33-BED1-D128C2943DDE}" type="pres">
+      <dgm:prSet presAssocID="{CD1E5965-707B-4250-A4A9-7D66B9932E87}" presName="vert1" presStyleCnt="0"/>
+      <dgm:spPr/>
+    </dgm:pt>
+    <dgm:pt modelId="{21C25483-F5FB-4D4E-8D6D-C6A1971AE99F}" type="pres">
+      <dgm:prSet presAssocID="{FE404D2E-A45D-4244-894B-7E02B2F113C9}" presName="thickLine" presStyleLbl="alignNode1" presStyleIdx="2" presStyleCnt="4"/>
+      <dgm:spPr/>
+    </dgm:pt>
+    <dgm:pt modelId="{D8057D59-7AE9-4822-939A-D2AAA7332DF5}" type="pres">
+      <dgm:prSet presAssocID="{FE404D2E-A45D-4244-894B-7E02B2F113C9}" presName="horz1" presStyleCnt="0"/>
+      <dgm:spPr/>
+    </dgm:pt>
+    <dgm:pt modelId="{80DDF415-EBBE-4E11-9E1A-2DDB3E6DAECE}" type="pres">
+      <dgm:prSet presAssocID="{FE404D2E-A45D-4244-894B-7E02B2F113C9}" presName="tx1" presStyleLbl="revTx" presStyleIdx="2" presStyleCnt="4"/>
+      <dgm:spPr/>
+    </dgm:pt>
+    <dgm:pt modelId="{3A175F9F-4D9D-4D12-B8FD-E07F4694032A}" type="pres">
+      <dgm:prSet presAssocID="{FE404D2E-A45D-4244-894B-7E02B2F113C9}" presName="vert1" presStyleCnt="0"/>
+      <dgm:spPr/>
+    </dgm:pt>
+    <dgm:pt modelId="{D13194C8-8409-434F-A1C3-19CDF32D9CDB}" type="pres">
+      <dgm:prSet presAssocID="{CB551682-3D83-4688-B377-866ACCD4F42E}" presName="thickLine" presStyleLbl="alignNode1" presStyleIdx="3" presStyleCnt="4"/>
+      <dgm:spPr/>
+    </dgm:pt>
+    <dgm:pt modelId="{ACD8E4FC-2047-408E-8077-C6DC19334C39}" type="pres">
+      <dgm:prSet presAssocID="{CB551682-3D83-4688-B377-866ACCD4F42E}" presName="horz1" presStyleCnt="0"/>
+      <dgm:spPr/>
+    </dgm:pt>
+    <dgm:pt modelId="{8B27AC5A-EED0-4FFF-A6CC-B144C746E6E6}" type="pres">
+      <dgm:prSet presAssocID="{CB551682-3D83-4688-B377-866ACCD4F42E}" presName="tx1" presStyleLbl="revTx" presStyleIdx="3" presStyleCnt="4"/>
+      <dgm:spPr/>
+    </dgm:pt>
+    <dgm:pt modelId="{818B44C6-3BFC-4C5B-AD41-A272440A3D3D}" type="pres">
+      <dgm:prSet presAssocID="{CB551682-3D83-4688-B377-866ACCD4F42E}" presName="vert1" presStyleCnt="0"/>
+      <dgm:spPr/>
+    </dgm:pt>
+  </dgm:ptLst>
+  <dgm:cxnLst>
+    <dgm:cxn modelId="{85ACA00C-DC25-4415-9952-B9E33A04C579}" type="presOf" srcId="{FE404D2E-A45D-4244-894B-7E02B2F113C9}" destId="{80DDF415-EBBE-4E11-9E1A-2DDB3E6DAECE}" srcOrd="0" destOrd="0" presId="urn:microsoft.com/office/officeart/2008/layout/LinedList"/>
+    <dgm:cxn modelId="{1DEE9124-6A2E-4860-B74C-B08E2E93D17F}" type="presOf" srcId="{CD1E5965-707B-4250-A4A9-7D66B9932E87}" destId="{C324C736-6DD4-4106-B65B-AD1E929BAB2C}" srcOrd="0" destOrd="0" presId="urn:microsoft.com/office/officeart/2008/layout/LinedList"/>
+    <dgm:cxn modelId="{2CC02361-0C62-42F4-B341-D0A6C0AB53F3}" type="presOf" srcId="{5DB1AD4C-CF3E-41E2-B66C-1E9AACA4F812}" destId="{E30FC712-704B-4F4D-B6A6-F826640439F9}" srcOrd="0" destOrd="0" presId="urn:microsoft.com/office/officeart/2008/layout/LinedList"/>
+    <dgm:cxn modelId="{C1B38A4C-36CA-433F-B3AE-0548967EFD57}" srcId="{AA93BA8D-A2CB-4D70-A1EA-164397EA9D0F}" destId="{CB551682-3D83-4688-B377-866ACCD4F42E}" srcOrd="3" destOrd="0" parTransId="{F5619DCB-C48B-4CCD-9F23-108FFF61F18D}" sibTransId="{1081DA0A-D80E-424E-86D3-B648A4E2D993}"/>
+    <dgm:cxn modelId="{99209559-895E-4400-88B6-EC117C7CA988}" srcId="{AA93BA8D-A2CB-4D70-A1EA-164397EA9D0F}" destId="{CD1E5965-707B-4250-A4A9-7D66B9932E87}" srcOrd="1" destOrd="0" parTransId="{1EA9143B-2605-4A5D-8FE7-775692B2E35A}" sibTransId="{1BEC766E-312F-4345-9E8E-7A73B8CE718A}"/>
+    <dgm:cxn modelId="{4613B9AA-D9B2-4AE6-AF33-BC1330F03DDC}" type="presOf" srcId="{CB551682-3D83-4688-B377-866ACCD4F42E}" destId="{8B27AC5A-EED0-4FFF-A6CC-B144C746E6E6}" srcOrd="0" destOrd="0" presId="urn:microsoft.com/office/officeart/2008/layout/LinedList"/>
+    <dgm:cxn modelId="{2714F7C4-67BB-458F-8D2F-6E4DB9E6654F}" srcId="{AA93BA8D-A2CB-4D70-A1EA-164397EA9D0F}" destId="{5DB1AD4C-CF3E-41E2-B66C-1E9AACA4F812}" srcOrd="0" destOrd="0" parTransId="{BF3E4EE7-201F-42CD-A94B-A928D6270B34}" sibTransId="{A8AEBAA4-6140-459C-9368-853DCD9EB477}"/>
+    <dgm:cxn modelId="{4487A0E3-0795-479F-8A98-02D7A31CDF4F}" type="presOf" srcId="{AA93BA8D-A2CB-4D70-A1EA-164397EA9D0F}" destId="{9FAEE464-EEDE-4D94-A180-7CD677B50CAA}" srcOrd="0" destOrd="0" presId="urn:microsoft.com/office/officeart/2008/layout/LinedList"/>
+    <dgm:cxn modelId="{891441F1-DEB4-4349-950B-9E06531C3C8E}" srcId="{AA93BA8D-A2CB-4D70-A1EA-164397EA9D0F}" destId="{FE404D2E-A45D-4244-894B-7E02B2F113C9}" srcOrd="2" destOrd="0" parTransId="{5AE30D4D-7147-48D1-927E-605DF98582F1}" sibTransId="{5C064324-99FA-41A0-8B44-CCCC1B807DC9}"/>
+    <dgm:cxn modelId="{2F0546AA-A485-4021-831D-E3A365EE6030}" type="presParOf" srcId="{9FAEE464-EEDE-4D94-A180-7CD677B50CAA}" destId="{E07D447E-3C6C-4F11-A8C8-DF0E328C4BA4}" srcOrd="0" destOrd="0" presId="urn:microsoft.com/office/officeart/2008/layout/LinedList"/>
+    <dgm:cxn modelId="{7E51BE8A-ED0E-42EE-8903-DB8FA6284D42}" type="presParOf" srcId="{9FAEE464-EEDE-4D94-A180-7CD677B50CAA}" destId="{B73E3BC8-1581-46D4-A788-C7321B442606}" srcOrd="1" destOrd="0" presId="urn:microsoft.com/office/officeart/2008/layout/LinedList"/>
+    <dgm:cxn modelId="{93009C0B-DD4E-4059-8D62-F5CBB9061120}" type="presParOf" srcId="{B73E3BC8-1581-46D4-A788-C7321B442606}" destId="{E30FC712-704B-4F4D-B6A6-F826640439F9}" srcOrd="0" destOrd="0" presId="urn:microsoft.com/office/officeart/2008/layout/LinedList"/>
+    <dgm:cxn modelId="{A93165AE-0BEE-4BA9-9C75-A87328CD8007}" type="presParOf" srcId="{B73E3BC8-1581-46D4-A788-C7321B442606}" destId="{5DFC077E-D4F7-4DED-864B-96DA4D30C57A}" srcOrd="1" destOrd="0" presId="urn:microsoft.com/office/officeart/2008/layout/LinedList"/>
+    <dgm:cxn modelId="{EE830300-9DA1-46F7-99CA-ED3DC6F9D254}" type="presParOf" srcId="{9FAEE464-EEDE-4D94-A180-7CD677B50CAA}" destId="{4160E3D3-A670-4CA2-BC6C-2881DF743BE3}" srcOrd="2" destOrd="0" presId="urn:microsoft.com/office/officeart/2008/layout/LinedList"/>
+    <dgm:cxn modelId="{D64D6E94-0127-45A4-885F-2F68B710F666}" type="presParOf" srcId="{9FAEE464-EEDE-4D94-A180-7CD677B50CAA}" destId="{76761746-E05C-4051-BDDB-6C9E3299C1CC}" srcOrd="3" destOrd="0" presId="urn:microsoft.com/office/officeart/2008/layout/LinedList"/>
+    <dgm:cxn modelId="{B826A873-7AF5-4037-BFC6-0839B1903FA6}" type="presParOf" srcId="{76761746-E05C-4051-BDDB-6C9E3299C1CC}" destId="{C324C736-6DD4-4106-B65B-AD1E929BAB2C}" srcOrd="0" destOrd="0" presId="urn:microsoft.com/office/officeart/2008/layout/LinedList"/>
+    <dgm:cxn modelId="{ED8AFCD2-D535-4F7D-ADD4-83B74ADE3B6F}" type="presParOf" srcId="{76761746-E05C-4051-BDDB-6C9E3299C1CC}" destId="{208BB69F-249E-4F33-BED1-D128C2943DDE}" srcOrd="1" destOrd="0" presId="urn:microsoft.com/office/officeart/2008/layout/LinedList"/>
+    <dgm:cxn modelId="{B362C335-4079-4B2C-89D1-B72ECDAA5C30}" type="presParOf" srcId="{9FAEE464-EEDE-4D94-A180-7CD677B50CAA}" destId="{21C25483-F5FB-4D4E-8D6D-C6A1971AE99F}" srcOrd="4" destOrd="0" presId="urn:microsoft.com/office/officeart/2008/layout/LinedList"/>
+    <dgm:cxn modelId="{8A61F3D2-B1B1-472B-B6B8-4CC2A3E90087}" type="presParOf" srcId="{9FAEE464-EEDE-4D94-A180-7CD677B50CAA}" destId="{D8057D59-7AE9-4822-939A-D2AAA7332DF5}" srcOrd="5" destOrd="0" presId="urn:microsoft.com/office/officeart/2008/layout/LinedList"/>
+    <dgm:cxn modelId="{7A50A53C-CB6B-44FA-86F9-951EC3CAC3DA}" type="presParOf" srcId="{D8057D59-7AE9-4822-939A-D2AAA7332DF5}" destId="{80DDF415-EBBE-4E11-9E1A-2DDB3E6DAECE}" srcOrd="0" destOrd="0" presId="urn:microsoft.com/office/officeart/2008/layout/LinedList"/>
+    <dgm:cxn modelId="{F2E83ED4-24F7-4954-83CA-397695BA7263}" type="presParOf" srcId="{D8057D59-7AE9-4822-939A-D2AAA7332DF5}" destId="{3A175F9F-4D9D-4D12-B8FD-E07F4694032A}" srcOrd="1" destOrd="0" presId="urn:microsoft.com/office/officeart/2008/layout/LinedList"/>
+    <dgm:cxn modelId="{9106F37D-5ABB-4005-B847-7080AD5D8E8C}" type="presParOf" srcId="{9FAEE464-EEDE-4D94-A180-7CD677B50CAA}" destId="{D13194C8-8409-434F-A1C3-19CDF32D9CDB}" srcOrd="6" destOrd="0" presId="urn:microsoft.com/office/officeart/2008/layout/LinedList"/>
+    <dgm:cxn modelId="{3F063AF8-5FE5-4EBF-B1B2-8C4E1F5DAF9B}" type="presParOf" srcId="{9FAEE464-EEDE-4D94-A180-7CD677B50CAA}" destId="{ACD8E4FC-2047-408E-8077-C6DC19334C39}" srcOrd="7" destOrd="0" presId="urn:microsoft.com/office/officeart/2008/layout/LinedList"/>
+    <dgm:cxn modelId="{3905268D-CBC8-40E1-9585-B2B8E711E961}" type="presParOf" srcId="{ACD8E4FC-2047-408E-8077-C6DC19334C39}" destId="{8B27AC5A-EED0-4FFF-A6CC-B144C746E6E6}" srcOrd="0" destOrd="0" presId="urn:microsoft.com/office/officeart/2008/layout/LinedList"/>
+    <dgm:cxn modelId="{C2C3D4D8-B8D6-42F3-97CE-5ABBBEE9AED4}" type="presParOf" srcId="{ACD8E4FC-2047-408E-8077-C6DC19334C39}" destId="{818B44C6-3BFC-4C5B-AD41-A272440A3D3D}" srcOrd="1" destOrd="0" presId="urn:microsoft.com/office/officeart/2008/layout/LinedList"/>
   </dgm:cxnLst>
   <dgm:bg/>
   <dgm:whole/>
@@ -4132,6 +6302,1014 @@
 </dsp:drawing>
 </file>
 
+<file path=ppt/diagrams/drawing4.xml><?xml version="1.0" encoding="utf-8"?>
+<dsp:drawing xmlns:dgm="http://schemas.openxmlformats.org/drawingml/2006/diagram" xmlns:dsp="http://schemas.microsoft.com/office/drawing/2008/diagram" xmlns:a="http://schemas.openxmlformats.org/drawingml/2006/main">
+  <dsp:spTree>
+    <dsp:nvGrpSpPr>
+      <dsp:cNvPr id="0" name=""/>
+      <dsp:cNvGrpSpPr/>
+    </dsp:nvGrpSpPr>
+    <dsp:grpSpPr/>
+    <dsp:sp modelId="{E3890997-24DE-4037-846E-302918A5BCCB}">
+      <dsp:nvSpPr>
+        <dsp:cNvPr id="0" name=""/>
+        <dsp:cNvSpPr/>
+      </dsp:nvSpPr>
+      <dsp:spPr>
+        <a:xfrm>
+          <a:off x="3268" y="1019412"/>
+          <a:ext cx="2333807" cy="1481967"/>
+        </a:xfrm>
+        <a:prstGeom prst="roundRect">
+          <a:avLst>
+            <a:gd name="adj" fmla="val 10000"/>
+          </a:avLst>
+        </a:prstGeom>
+        <a:solidFill>
+          <a:schemeClr val="accent1">
+            <a:hueOff val="0"/>
+            <a:satOff val="0"/>
+            <a:lumOff val="0"/>
+            <a:alphaOff val="0"/>
+          </a:schemeClr>
+        </a:solidFill>
+        <a:ln w="19050" cap="flat" cmpd="sng" algn="ctr">
+          <a:solidFill>
+            <a:schemeClr val="lt1">
+              <a:hueOff val="0"/>
+              <a:satOff val="0"/>
+              <a:lumOff val="0"/>
+              <a:alphaOff val="0"/>
+            </a:schemeClr>
+          </a:solidFill>
+          <a:prstDash val="solid"/>
+          <a:miter lim="800000"/>
+        </a:ln>
+        <a:effectLst/>
+      </dsp:spPr>
+      <dsp:style>
+        <a:lnRef idx="2">
+          <a:scrgbClr r="0" g="0" b="0"/>
+        </a:lnRef>
+        <a:fillRef idx="1">
+          <a:scrgbClr r="0" g="0" b="0"/>
+        </a:fillRef>
+        <a:effectRef idx="0">
+          <a:scrgbClr r="0" g="0" b="0"/>
+        </a:effectRef>
+        <a:fontRef idx="minor">
+          <a:schemeClr val="lt1"/>
+        </a:fontRef>
+      </dsp:style>
+    </dsp:sp>
+    <dsp:sp modelId="{958E6A9C-ED9E-4727-ACC0-2A975995112F}">
+      <dsp:nvSpPr>
+        <dsp:cNvPr id="0" name=""/>
+        <dsp:cNvSpPr/>
+      </dsp:nvSpPr>
+      <dsp:spPr>
+        <a:xfrm>
+          <a:off x="262580" y="1265758"/>
+          <a:ext cx="2333807" cy="1481967"/>
+        </a:xfrm>
+        <a:prstGeom prst="roundRect">
+          <a:avLst>
+            <a:gd name="adj" fmla="val 10000"/>
+          </a:avLst>
+        </a:prstGeom>
+        <a:solidFill>
+          <a:schemeClr val="lt1">
+            <a:alpha val="90000"/>
+            <a:hueOff val="0"/>
+            <a:satOff val="0"/>
+            <a:lumOff val="0"/>
+            <a:alphaOff val="0"/>
+          </a:schemeClr>
+        </a:solidFill>
+        <a:ln w="19050" cap="flat" cmpd="sng" algn="ctr">
+          <a:solidFill>
+            <a:schemeClr val="accent1">
+              <a:hueOff val="0"/>
+              <a:satOff val="0"/>
+              <a:lumOff val="0"/>
+              <a:alphaOff val="0"/>
+            </a:schemeClr>
+          </a:solidFill>
+          <a:prstDash val="solid"/>
+          <a:miter lim="800000"/>
+        </a:ln>
+        <a:effectLst/>
+      </dsp:spPr>
+      <dsp:style>
+        <a:lnRef idx="2">
+          <a:scrgbClr r="0" g="0" b="0"/>
+        </a:lnRef>
+        <a:fillRef idx="1">
+          <a:scrgbClr r="0" g="0" b="0"/>
+        </a:fillRef>
+        <a:effectRef idx="0">
+          <a:scrgbClr r="0" g="0" b="0"/>
+        </a:effectRef>
+        <a:fontRef idx="minor"/>
+      </dsp:style>
+      <dsp:txBody>
+        <a:bodyPr spcFirstLastPara="0" vert="horz" wrap="square" lIns="99060" tIns="99060" rIns="99060" bIns="99060" numCol="1" spcCol="1270" anchor="ctr" anchorCtr="0">
+          <a:noAutofit/>
+        </a:bodyPr>
+        <a:lstStyle/>
+        <a:p>
+          <a:pPr marL="0" lvl="0" indent="0" algn="ctr" defTabSz="1155700">
+            <a:lnSpc>
+              <a:spcPct val="90000"/>
+            </a:lnSpc>
+            <a:spcBef>
+              <a:spcPct val="0"/>
+            </a:spcBef>
+            <a:spcAft>
+              <a:spcPct val="35000"/>
+            </a:spcAft>
+            <a:buNone/>
+          </a:pPr>
+          <a:r>
+            <a:rPr lang="hu-HU" sz="2600" kern="1200"/>
+            <a:t>Helyzet gyors felmérése</a:t>
+          </a:r>
+          <a:endParaRPr lang="en-US" sz="2600" kern="1200"/>
+        </a:p>
+      </dsp:txBody>
+      <dsp:txXfrm>
+        <a:off x="305985" y="1309163"/>
+        <a:ext cx="2246997" cy="1395157"/>
+      </dsp:txXfrm>
+    </dsp:sp>
+    <dsp:sp modelId="{802E1AF9-DDFB-4DF1-8607-5103A36D7AFF}">
+      <dsp:nvSpPr>
+        <dsp:cNvPr id="0" name=""/>
+        <dsp:cNvSpPr/>
+      </dsp:nvSpPr>
+      <dsp:spPr>
+        <a:xfrm>
+          <a:off x="2855699" y="1019412"/>
+          <a:ext cx="2333807" cy="1481967"/>
+        </a:xfrm>
+        <a:prstGeom prst="roundRect">
+          <a:avLst>
+            <a:gd name="adj" fmla="val 10000"/>
+          </a:avLst>
+        </a:prstGeom>
+        <a:solidFill>
+          <a:schemeClr val="accent1">
+            <a:hueOff val="0"/>
+            <a:satOff val="0"/>
+            <a:lumOff val="0"/>
+            <a:alphaOff val="0"/>
+          </a:schemeClr>
+        </a:solidFill>
+        <a:ln w="19050" cap="flat" cmpd="sng" algn="ctr">
+          <a:solidFill>
+            <a:schemeClr val="lt1">
+              <a:hueOff val="0"/>
+              <a:satOff val="0"/>
+              <a:lumOff val="0"/>
+              <a:alphaOff val="0"/>
+            </a:schemeClr>
+          </a:solidFill>
+          <a:prstDash val="solid"/>
+          <a:miter lim="800000"/>
+        </a:ln>
+        <a:effectLst/>
+      </dsp:spPr>
+      <dsp:style>
+        <a:lnRef idx="2">
+          <a:scrgbClr r="0" g="0" b="0"/>
+        </a:lnRef>
+        <a:fillRef idx="1">
+          <a:scrgbClr r="0" g="0" b="0"/>
+        </a:fillRef>
+        <a:effectRef idx="0">
+          <a:scrgbClr r="0" g="0" b="0"/>
+        </a:effectRef>
+        <a:fontRef idx="minor">
+          <a:schemeClr val="lt1"/>
+        </a:fontRef>
+      </dsp:style>
+    </dsp:sp>
+    <dsp:sp modelId="{07DD9510-A8C3-415B-B963-D48741058AE8}">
+      <dsp:nvSpPr>
+        <dsp:cNvPr id="0" name=""/>
+        <dsp:cNvSpPr/>
+      </dsp:nvSpPr>
+      <dsp:spPr>
+        <a:xfrm>
+          <a:off x="3115011" y="1265758"/>
+          <a:ext cx="2333807" cy="1481967"/>
+        </a:xfrm>
+        <a:prstGeom prst="roundRect">
+          <a:avLst>
+            <a:gd name="adj" fmla="val 10000"/>
+          </a:avLst>
+        </a:prstGeom>
+        <a:solidFill>
+          <a:schemeClr val="lt1">
+            <a:alpha val="90000"/>
+            <a:hueOff val="0"/>
+            <a:satOff val="0"/>
+            <a:lumOff val="0"/>
+            <a:alphaOff val="0"/>
+          </a:schemeClr>
+        </a:solidFill>
+        <a:ln w="19050" cap="flat" cmpd="sng" algn="ctr">
+          <a:solidFill>
+            <a:schemeClr val="accent1">
+              <a:hueOff val="0"/>
+              <a:satOff val="0"/>
+              <a:lumOff val="0"/>
+              <a:alphaOff val="0"/>
+            </a:schemeClr>
+          </a:solidFill>
+          <a:prstDash val="solid"/>
+          <a:miter lim="800000"/>
+        </a:ln>
+        <a:effectLst/>
+      </dsp:spPr>
+      <dsp:style>
+        <a:lnRef idx="2">
+          <a:scrgbClr r="0" g="0" b="0"/>
+        </a:lnRef>
+        <a:fillRef idx="1">
+          <a:scrgbClr r="0" g="0" b="0"/>
+        </a:fillRef>
+        <a:effectRef idx="0">
+          <a:scrgbClr r="0" g="0" b="0"/>
+        </a:effectRef>
+        <a:fontRef idx="minor"/>
+      </dsp:style>
+      <dsp:txBody>
+        <a:bodyPr spcFirstLastPara="0" vert="horz" wrap="square" lIns="99060" tIns="99060" rIns="99060" bIns="99060" numCol="1" spcCol="1270" anchor="ctr" anchorCtr="0">
+          <a:noAutofit/>
+        </a:bodyPr>
+        <a:lstStyle/>
+        <a:p>
+          <a:pPr marL="0" lvl="0" indent="0" algn="ctr" defTabSz="1155700">
+            <a:lnSpc>
+              <a:spcPct val="90000"/>
+            </a:lnSpc>
+            <a:spcBef>
+              <a:spcPct val="0"/>
+            </a:spcBef>
+            <a:spcAft>
+              <a:spcPct val="35000"/>
+            </a:spcAft>
+            <a:buNone/>
+          </a:pPr>
+          <a:r>
+            <a:rPr lang="hu-HU" sz="2600" kern="1200"/>
+            <a:t>Fontos feladatok </a:t>
+          </a:r>
+          <a:r>
+            <a:rPr lang="en-DE" sz="2600" kern="1200"/>
+            <a:t>újra</a:t>
+          </a:r>
+          <a:r>
+            <a:rPr lang="hu-HU" sz="2600" kern="1200"/>
+            <a:t>rendezése</a:t>
+          </a:r>
+          <a:endParaRPr lang="en-US" sz="2600" kern="1200"/>
+        </a:p>
+      </dsp:txBody>
+      <dsp:txXfrm>
+        <a:off x="3158416" y="1309163"/>
+        <a:ext cx="2246997" cy="1395157"/>
+      </dsp:txXfrm>
+    </dsp:sp>
+    <dsp:sp modelId="{B1384C29-FBCF-4D8B-A36A-224A23B5B78B}">
+      <dsp:nvSpPr>
+        <dsp:cNvPr id="0" name=""/>
+        <dsp:cNvSpPr/>
+      </dsp:nvSpPr>
+      <dsp:spPr>
+        <a:xfrm>
+          <a:off x="5708130" y="1019412"/>
+          <a:ext cx="2333807" cy="1481967"/>
+        </a:xfrm>
+        <a:prstGeom prst="roundRect">
+          <a:avLst>
+            <a:gd name="adj" fmla="val 10000"/>
+          </a:avLst>
+        </a:prstGeom>
+        <a:solidFill>
+          <a:schemeClr val="accent1">
+            <a:hueOff val="0"/>
+            <a:satOff val="0"/>
+            <a:lumOff val="0"/>
+            <a:alphaOff val="0"/>
+          </a:schemeClr>
+        </a:solidFill>
+        <a:ln w="19050" cap="flat" cmpd="sng" algn="ctr">
+          <a:solidFill>
+            <a:schemeClr val="lt1">
+              <a:hueOff val="0"/>
+              <a:satOff val="0"/>
+              <a:lumOff val="0"/>
+              <a:alphaOff val="0"/>
+            </a:schemeClr>
+          </a:solidFill>
+          <a:prstDash val="solid"/>
+          <a:miter lim="800000"/>
+        </a:ln>
+        <a:effectLst/>
+      </dsp:spPr>
+      <dsp:style>
+        <a:lnRef idx="2">
+          <a:scrgbClr r="0" g="0" b="0"/>
+        </a:lnRef>
+        <a:fillRef idx="1">
+          <a:scrgbClr r="0" g="0" b="0"/>
+        </a:fillRef>
+        <a:effectRef idx="0">
+          <a:scrgbClr r="0" g="0" b="0"/>
+        </a:effectRef>
+        <a:fontRef idx="minor">
+          <a:schemeClr val="lt1"/>
+        </a:fontRef>
+      </dsp:style>
+    </dsp:sp>
+    <dsp:sp modelId="{866A79AD-67BA-487B-A1B3-9721632839B1}">
+      <dsp:nvSpPr>
+        <dsp:cNvPr id="0" name=""/>
+        <dsp:cNvSpPr/>
+      </dsp:nvSpPr>
+      <dsp:spPr>
+        <a:xfrm>
+          <a:off x="5967442" y="1265758"/>
+          <a:ext cx="2333807" cy="1481967"/>
+        </a:xfrm>
+        <a:prstGeom prst="roundRect">
+          <a:avLst>
+            <a:gd name="adj" fmla="val 10000"/>
+          </a:avLst>
+        </a:prstGeom>
+        <a:solidFill>
+          <a:schemeClr val="lt1">
+            <a:alpha val="90000"/>
+            <a:hueOff val="0"/>
+            <a:satOff val="0"/>
+            <a:lumOff val="0"/>
+            <a:alphaOff val="0"/>
+          </a:schemeClr>
+        </a:solidFill>
+        <a:ln w="19050" cap="flat" cmpd="sng" algn="ctr">
+          <a:solidFill>
+            <a:schemeClr val="accent1">
+              <a:hueOff val="0"/>
+              <a:satOff val="0"/>
+              <a:lumOff val="0"/>
+              <a:alphaOff val="0"/>
+            </a:schemeClr>
+          </a:solidFill>
+          <a:prstDash val="solid"/>
+          <a:miter lim="800000"/>
+        </a:ln>
+        <a:effectLst/>
+      </dsp:spPr>
+      <dsp:style>
+        <a:lnRef idx="2">
+          <a:scrgbClr r="0" g="0" b="0"/>
+        </a:lnRef>
+        <a:fillRef idx="1">
+          <a:scrgbClr r="0" g="0" b="0"/>
+        </a:fillRef>
+        <a:effectRef idx="0">
+          <a:scrgbClr r="0" g="0" b="0"/>
+        </a:effectRef>
+        <a:fontRef idx="minor"/>
+      </dsp:style>
+      <dsp:txBody>
+        <a:bodyPr spcFirstLastPara="0" vert="horz" wrap="square" lIns="99060" tIns="99060" rIns="99060" bIns="99060" numCol="1" spcCol="1270" anchor="ctr" anchorCtr="0">
+          <a:noAutofit/>
+        </a:bodyPr>
+        <a:lstStyle/>
+        <a:p>
+          <a:pPr marL="0" lvl="0" indent="0" algn="ctr" defTabSz="1155700">
+            <a:lnSpc>
+              <a:spcPct val="90000"/>
+            </a:lnSpc>
+            <a:spcBef>
+              <a:spcPct val="0"/>
+            </a:spcBef>
+            <a:spcAft>
+              <a:spcPct val="35000"/>
+            </a:spcAft>
+            <a:buNone/>
+          </a:pPr>
+          <a:r>
+            <a:rPr lang="hu-HU" sz="2600" kern="1200"/>
+            <a:t>Alternatív megoldások keresése</a:t>
+          </a:r>
+          <a:endParaRPr lang="en-US" sz="2600" kern="1200"/>
+        </a:p>
+      </dsp:txBody>
+      <dsp:txXfrm>
+        <a:off x="6010847" y="1309163"/>
+        <a:ext cx="2246997" cy="1395157"/>
+      </dsp:txXfrm>
+    </dsp:sp>
+    <dsp:sp modelId="{863064C5-21FC-48D3-9AFC-00EB33CBB97D}">
+      <dsp:nvSpPr>
+        <dsp:cNvPr id="0" name=""/>
+        <dsp:cNvSpPr/>
+      </dsp:nvSpPr>
+      <dsp:spPr>
+        <a:xfrm>
+          <a:off x="8560562" y="1019412"/>
+          <a:ext cx="2333807" cy="1481967"/>
+        </a:xfrm>
+        <a:prstGeom prst="roundRect">
+          <a:avLst>
+            <a:gd name="adj" fmla="val 10000"/>
+          </a:avLst>
+        </a:prstGeom>
+        <a:solidFill>
+          <a:schemeClr val="accent1">
+            <a:hueOff val="0"/>
+            <a:satOff val="0"/>
+            <a:lumOff val="0"/>
+            <a:alphaOff val="0"/>
+          </a:schemeClr>
+        </a:solidFill>
+        <a:ln w="19050" cap="flat" cmpd="sng" algn="ctr">
+          <a:solidFill>
+            <a:schemeClr val="lt1">
+              <a:hueOff val="0"/>
+              <a:satOff val="0"/>
+              <a:lumOff val="0"/>
+              <a:alphaOff val="0"/>
+            </a:schemeClr>
+          </a:solidFill>
+          <a:prstDash val="solid"/>
+          <a:miter lim="800000"/>
+        </a:ln>
+        <a:effectLst/>
+      </dsp:spPr>
+      <dsp:style>
+        <a:lnRef idx="2">
+          <a:scrgbClr r="0" g="0" b="0"/>
+        </a:lnRef>
+        <a:fillRef idx="1">
+          <a:scrgbClr r="0" g="0" b="0"/>
+        </a:fillRef>
+        <a:effectRef idx="0">
+          <a:scrgbClr r="0" g="0" b="0"/>
+        </a:effectRef>
+        <a:fontRef idx="minor">
+          <a:schemeClr val="lt1"/>
+        </a:fontRef>
+      </dsp:style>
+    </dsp:sp>
+    <dsp:sp modelId="{7A96CFD4-B5A2-457A-B80E-65986763DA45}">
+      <dsp:nvSpPr>
+        <dsp:cNvPr id="0" name=""/>
+        <dsp:cNvSpPr/>
+      </dsp:nvSpPr>
+      <dsp:spPr>
+        <a:xfrm>
+          <a:off x="8819874" y="1265758"/>
+          <a:ext cx="2333807" cy="1481967"/>
+        </a:xfrm>
+        <a:prstGeom prst="roundRect">
+          <a:avLst>
+            <a:gd name="adj" fmla="val 10000"/>
+          </a:avLst>
+        </a:prstGeom>
+        <a:solidFill>
+          <a:schemeClr val="lt1">
+            <a:alpha val="90000"/>
+            <a:hueOff val="0"/>
+            <a:satOff val="0"/>
+            <a:lumOff val="0"/>
+            <a:alphaOff val="0"/>
+          </a:schemeClr>
+        </a:solidFill>
+        <a:ln w="19050" cap="flat" cmpd="sng" algn="ctr">
+          <a:solidFill>
+            <a:schemeClr val="accent1">
+              <a:hueOff val="0"/>
+              <a:satOff val="0"/>
+              <a:lumOff val="0"/>
+              <a:alphaOff val="0"/>
+            </a:schemeClr>
+          </a:solidFill>
+          <a:prstDash val="solid"/>
+          <a:miter lim="800000"/>
+        </a:ln>
+        <a:effectLst/>
+      </dsp:spPr>
+      <dsp:style>
+        <a:lnRef idx="2">
+          <a:scrgbClr r="0" g="0" b="0"/>
+        </a:lnRef>
+        <a:fillRef idx="1">
+          <a:scrgbClr r="0" g="0" b="0"/>
+        </a:fillRef>
+        <a:effectRef idx="0">
+          <a:scrgbClr r="0" g="0" b="0"/>
+        </a:effectRef>
+        <a:fontRef idx="minor"/>
+      </dsp:style>
+      <dsp:txBody>
+        <a:bodyPr spcFirstLastPara="0" vert="horz" wrap="square" lIns="99060" tIns="99060" rIns="99060" bIns="99060" numCol="1" spcCol="1270" anchor="ctr" anchorCtr="0">
+          <a:noAutofit/>
+        </a:bodyPr>
+        <a:lstStyle/>
+        <a:p>
+          <a:pPr marL="0" lvl="0" indent="0" algn="ctr" defTabSz="1155700">
+            <a:lnSpc>
+              <a:spcPct val="90000"/>
+            </a:lnSpc>
+            <a:spcBef>
+              <a:spcPct val="0"/>
+            </a:spcBef>
+            <a:spcAft>
+              <a:spcPct val="35000"/>
+            </a:spcAft>
+            <a:buNone/>
+          </a:pPr>
+          <a:r>
+            <a:rPr lang="hu-HU" sz="2600" kern="1200"/>
+            <a:t>Segítség kérése</a:t>
+          </a:r>
+          <a:r>
+            <a:rPr lang="en-DE" sz="2600" kern="1200"/>
+            <a:t>, ha kell</a:t>
+          </a:r>
+          <a:endParaRPr lang="en-US" sz="2600" kern="1200"/>
+        </a:p>
+      </dsp:txBody>
+      <dsp:txXfrm>
+        <a:off x="8863279" y="1309163"/>
+        <a:ext cx="2246997" cy="1395157"/>
+      </dsp:txXfrm>
+    </dsp:sp>
+  </dsp:spTree>
+</dsp:drawing>
+</file>
+
+<file path=ppt/diagrams/drawing5.xml><?xml version="1.0" encoding="utf-8"?>
+<dsp:drawing xmlns:dgm="http://schemas.openxmlformats.org/drawingml/2006/diagram" xmlns:dsp="http://schemas.microsoft.com/office/drawing/2008/diagram" xmlns:a="http://schemas.openxmlformats.org/drawingml/2006/main">
+  <dsp:spTree>
+    <dsp:nvGrpSpPr>
+      <dsp:cNvPr id="0" name=""/>
+      <dsp:cNvGrpSpPr/>
+    </dsp:nvGrpSpPr>
+    <dsp:grpSpPr/>
+    <dsp:sp modelId="{E07D447E-3C6C-4F11-A8C8-DF0E328C4BA4}">
+      <dsp:nvSpPr>
+        <dsp:cNvPr id="0" name=""/>
+        <dsp:cNvSpPr/>
+      </dsp:nvSpPr>
+      <dsp:spPr>
+        <a:xfrm>
+          <a:off x="0" y="0"/>
+          <a:ext cx="7306056" cy="0"/>
+        </a:xfrm>
+        <a:prstGeom prst="line">
+          <a:avLst/>
+        </a:prstGeom>
+        <a:solidFill>
+          <a:schemeClr val="accent2">
+            <a:hueOff val="0"/>
+            <a:satOff val="0"/>
+            <a:lumOff val="0"/>
+            <a:alphaOff val="0"/>
+          </a:schemeClr>
+        </a:solidFill>
+        <a:ln w="19050" cap="flat" cmpd="sng" algn="ctr">
+          <a:solidFill>
+            <a:schemeClr val="accent2">
+              <a:hueOff val="0"/>
+              <a:satOff val="0"/>
+              <a:lumOff val="0"/>
+              <a:alphaOff val="0"/>
+            </a:schemeClr>
+          </a:solidFill>
+          <a:prstDash val="solid"/>
+          <a:miter lim="800000"/>
+        </a:ln>
+        <a:effectLst/>
+      </dsp:spPr>
+      <dsp:style>
+        <a:lnRef idx="2">
+          <a:scrgbClr r="0" g="0" b="0"/>
+        </a:lnRef>
+        <a:fillRef idx="1">
+          <a:scrgbClr r="0" g="0" b="0"/>
+        </a:fillRef>
+        <a:effectRef idx="0">
+          <a:scrgbClr r="0" g="0" b="0"/>
+        </a:effectRef>
+        <a:fontRef idx="minor">
+          <a:schemeClr val="lt1"/>
+        </a:fontRef>
+      </dsp:style>
+    </dsp:sp>
+    <dsp:sp modelId="{E30FC712-704B-4F4D-B6A6-F826640439F9}">
+      <dsp:nvSpPr>
+        <dsp:cNvPr id="0" name=""/>
+        <dsp:cNvSpPr/>
+      </dsp:nvSpPr>
+      <dsp:spPr>
+        <a:xfrm>
+          <a:off x="0" y="0"/>
+          <a:ext cx="7306056" cy="1252727"/>
+        </a:xfrm>
+        <a:prstGeom prst="rect">
+          <a:avLst/>
+        </a:prstGeom>
+        <a:noFill/>
+        <a:ln>
+          <a:noFill/>
+        </a:ln>
+        <a:effectLst/>
+      </dsp:spPr>
+      <dsp:style>
+        <a:lnRef idx="0">
+          <a:scrgbClr r="0" g="0" b="0"/>
+        </a:lnRef>
+        <a:fillRef idx="0">
+          <a:scrgbClr r="0" g="0" b="0"/>
+        </a:fillRef>
+        <a:effectRef idx="0">
+          <a:scrgbClr r="0" g="0" b="0"/>
+        </a:effectRef>
+        <a:fontRef idx="minor"/>
+      </dsp:style>
+      <dsp:txBody>
+        <a:bodyPr spcFirstLastPara="0" vert="horz" wrap="square" lIns="198120" tIns="198120" rIns="198120" bIns="198120" numCol="1" spcCol="1270" anchor="t" anchorCtr="0">
+          <a:noAutofit/>
+        </a:bodyPr>
+        <a:lstStyle/>
+        <a:p>
+          <a:pPr marL="0" lvl="0" indent="0" algn="l" defTabSz="2311400">
+            <a:lnSpc>
+              <a:spcPct val="90000"/>
+            </a:lnSpc>
+            <a:spcBef>
+              <a:spcPct val="0"/>
+            </a:spcBef>
+            <a:spcAft>
+              <a:spcPct val="35000"/>
+            </a:spcAft>
+            <a:buNone/>
+          </a:pPr>
+          <a:r>
+            <a:rPr lang="en-DE" sz="5200" kern="1200"/>
+            <a:t>Tartalék idővel számítás</a:t>
+          </a:r>
+          <a:endParaRPr lang="en-US" sz="5200" kern="1200"/>
+        </a:p>
+      </dsp:txBody>
+      <dsp:txXfrm>
+        <a:off x="0" y="0"/>
+        <a:ext cx="7306056" cy="1252727"/>
+      </dsp:txXfrm>
+    </dsp:sp>
+    <dsp:sp modelId="{4160E3D3-A670-4CA2-BC6C-2881DF743BE3}">
+      <dsp:nvSpPr>
+        <dsp:cNvPr id="0" name=""/>
+        <dsp:cNvSpPr/>
+      </dsp:nvSpPr>
+      <dsp:spPr>
+        <a:xfrm>
+          <a:off x="0" y="1252728"/>
+          <a:ext cx="7306056" cy="0"/>
+        </a:xfrm>
+        <a:prstGeom prst="line">
+          <a:avLst/>
+        </a:prstGeom>
+        <a:solidFill>
+          <a:schemeClr val="accent2">
+            <a:hueOff val="-3456336"/>
+            <a:satOff val="-6803"/>
+            <a:lumOff val="4248"/>
+            <a:alphaOff val="0"/>
+          </a:schemeClr>
+        </a:solidFill>
+        <a:ln w="19050" cap="flat" cmpd="sng" algn="ctr">
+          <a:solidFill>
+            <a:schemeClr val="accent2">
+              <a:hueOff val="-3456336"/>
+              <a:satOff val="-6803"/>
+              <a:lumOff val="4248"/>
+              <a:alphaOff val="0"/>
+            </a:schemeClr>
+          </a:solidFill>
+          <a:prstDash val="solid"/>
+          <a:miter lim="800000"/>
+        </a:ln>
+        <a:effectLst/>
+      </dsp:spPr>
+      <dsp:style>
+        <a:lnRef idx="2">
+          <a:scrgbClr r="0" g="0" b="0"/>
+        </a:lnRef>
+        <a:fillRef idx="1">
+          <a:scrgbClr r="0" g="0" b="0"/>
+        </a:fillRef>
+        <a:effectRef idx="0">
+          <a:scrgbClr r="0" g="0" b="0"/>
+        </a:effectRef>
+        <a:fontRef idx="minor">
+          <a:schemeClr val="lt1"/>
+        </a:fontRef>
+      </dsp:style>
+    </dsp:sp>
+    <dsp:sp modelId="{C324C736-6DD4-4106-B65B-AD1E929BAB2C}">
+      <dsp:nvSpPr>
+        <dsp:cNvPr id="0" name=""/>
+        <dsp:cNvSpPr/>
+      </dsp:nvSpPr>
+      <dsp:spPr>
+        <a:xfrm>
+          <a:off x="0" y="1252727"/>
+          <a:ext cx="7306056" cy="1252727"/>
+        </a:xfrm>
+        <a:prstGeom prst="rect">
+          <a:avLst/>
+        </a:prstGeom>
+        <a:noFill/>
+        <a:ln>
+          <a:noFill/>
+        </a:ln>
+        <a:effectLst/>
+      </dsp:spPr>
+      <dsp:style>
+        <a:lnRef idx="0">
+          <a:scrgbClr r="0" g="0" b="0"/>
+        </a:lnRef>
+        <a:fillRef idx="0">
+          <a:scrgbClr r="0" g="0" b="0"/>
+        </a:fillRef>
+        <a:effectRef idx="0">
+          <a:scrgbClr r="0" g="0" b="0"/>
+        </a:effectRef>
+        <a:fontRef idx="minor"/>
+      </dsp:style>
+      <dsp:txBody>
+        <a:bodyPr spcFirstLastPara="0" vert="horz" wrap="square" lIns="198120" tIns="198120" rIns="198120" bIns="198120" numCol="1" spcCol="1270" anchor="t" anchorCtr="0">
+          <a:noAutofit/>
+        </a:bodyPr>
+        <a:lstStyle/>
+        <a:p>
+          <a:pPr marL="0" lvl="0" indent="0" algn="l" defTabSz="2311400">
+            <a:lnSpc>
+              <a:spcPct val="90000"/>
+            </a:lnSpc>
+            <a:spcBef>
+              <a:spcPct val="0"/>
+            </a:spcBef>
+            <a:spcAft>
+              <a:spcPct val="35000"/>
+            </a:spcAft>
+            <a:buNone/>
+          </a:pPr>
+          <a:r>
+            <a:rPr lang="en-DE" sz="5200" kern="1200"/>
+            <a:t>Rugalmas tervezés</a:t>
+          </a:r>
+          <a:endParaRPr lang="en-US" sz="5200" kern="1200"/>
+        </a:p>
+      </dsp:txBody>
+      <dsp:txXfrm>
+        <a:off x="0" y="1252727"/>
+        <a:ext cx="7306056" cy="1252727"/>
+      </dsp:txXfrm>
+    </dsp:sp>
+    <dsp:sp modelId="{21C25483-F5FB-4D4E-8D6D-C6A1971AE99F}">
+      <dsp:nvSpPr>
+        <dsp:cNvPr id="0" name=""/>
+        <dsp:cNvSpPr/>
+      </dsp:nvSpPr>
+      <dsp:spPr>
+        <a:xfrm>
+          <a:off x="0" y="2505456"/>
+          <a:ext cx="7306056" cy="0"/>
+        </a:xfrm>
+        <a:prstGeom prst="line">
+          <a:avLst/>
+        </a:prstGeom>
+        <a:solidFill>
+          <a:schemeClr val="accent2">
+            <a:hueOff val="-6912672"/>
+            <a:satOff val="-13605"/>
+            <a:lumOff val="8497"/>
+            <a:alphaOff val="0"/>
+          </a:schemeClr>
+        </a:solidFill>
+        <a:ln w="19050" cap="flat" cmpd="sng" algn="ctr">
+          <a:solidFill>
+            <a:schemeClr val="accent2">
+              <a:hueOff val="-6912672"/>
+              <a:satOff val="-13605"/>
+              <a:lumOff val="8497"/>
+              <a:alphaOff val="0"/>
+            </a:schemeClr>
+          </a:solidFill>
+          <a:prstDash val="solid"/>
+          <a:miter lim="800000"/>
+        </a:ln>
+        <a:effectLst/>
+      </dsp:spPr>
+      <dsp:style>
+        <a:lnRef idx="2">
+          <a:scrgbClr r="0" g="0" b="0"/>
+        </a:lnRef>
+        <a:fillRef idx="1">
+          <a:scrgbClr r="0" g="0" b="0"/>
+        </a:fillRef>
+        <a:effectRef idx="0">
+          <a:scrgbClr r="0" g="0" b="0"/>
+        </a:effectRef>
+        <a:fontRef idx="minor">
+          <a:schemeClr val="lt1"/>
+        </a:fontRef>
+      </dsp:style>
+    </dsp:sp>
+    <dsp:sp modelId="{80DDF415-EBBE-4E11-9E1A-2DDB3E6DAECE}">
+      <dsp:nvSpPr>
+        <dsp:cNvPr id="0" name=""/>
+        <dsp:cNvSpPr/>
+      </dsp:nvSpPr>
+      <dsp:spPr>
+        <a:xfrm>
+          <a:off x="0" y="2505455"/>
+          <a:ext cx="7306056" cy="1252727"/>
+        </a:xfrm>
+        <a:prstGeom prst="rect">
+          <a:avLst/>
+        </a:prstGeom>
+        <a:noFill/>
+        <a:ln>
+          <a:noFill/>
+        </a:ln>
+        <a:effectLst/>
+      </dsp:spPr>
+      <dsp:style>
+        <a:lnRef idx="0">
+          <a:scrgbClr r="0" g="0" b="0"/>
+        </a:lnRef>
+        <a:fillRef idx="0">
+          <a:scrgbClr r="0" g="0" b="0"/>
+        </a:fillRef>
+        <a:effectRef idx="0">
+          <a:scrgbClr r="0" g="0" b="0"/>
+        </a:effectRef>
+        <a:fontRef idx="minor"/>
+      </dsp:style>
+      <dsp:txBody>
+        <a:bodyPr spcFirstLastPara="0" vert="horz" wrap="square" lIns="198120" tIns="198120" rIns="198120" bIns="198120" numCol="1" spcCol="1270" anchor="t" anchorCtr="0">
+          <a:noAutofit/>
+        </a:bodyPr>
+        <a:lstStyle/>
+        <a:p>
+          <a:pPr marL="0" lvl="0" indent="0" algn="l" defTabSz="2311400">
+            <a:lnSpc>
+              <a:spcPct val="90000"/>
+            </a:lnSpc>
+            <a:spcBef>
+              <a:spcPct val="0"/>
+            </a:spcBef>
+            <a:spcAft>
+              <a:spcPct val="35000"/>
+            </a:spcAft>
+            <a:buNone/>
+          </a:pPr>
+          <a:r>
+            <a:rPr lang="en-DE" sz="5200" kern="1200"/>
+            <a:t>Előre kigondolt “B terv”</a:t>
+          </a:r>
+          <a:endParaRPr lang="en-US" sz="5200" kern="1200"/>
+        </a:p>
+      </dsp:txBody>
+      <dsp:txXfrm>
+        <a:off x="0" y="2505455"/>
+        <a:ext cx="7306056" cy="1252727"/>
+      </dsp:txXfrm>
+    </dsp:sp>
+    <dsp:sp modelId="{D13194C8-8409-434F-A1C3-19CDF32D9CDB}">
+      <dsp:nvSpPr>
+        <dsp:cNvPr id="0" name=""/>
+        <dsp:cNvSpPr/>
+      </dsp:nvSpPr>
+      <dsp:spPr>
+        <a:xfrm>
+          <a:off x="0" y="3758184"/>
+          <a:ext cx="7306056" cy="0"/>
+        </a:xfrm>
+        <a:prstGeom prst="line">
+          <a:avLst/>
+        </a:prstGeom>
+        <a:solidFill>
+          <a:schemeClr val="accent2">
+            <a:hueOff val="-10369007"/>
+            <a:satOff val="-20408"/>
+            <a:lumOff val="12745"/>
+            <a:alphaOff val="0"/>
+          </a:schemeClr>
+        </a:solidFill>
+        <a:ln w="19050" cap="flat" cmpd="sng" algn="ctr">
+          <a:solidFill>
+            <a:schemeClr val="accent2">
+              <a:hueOff val="-10369007"/>
+              <a:satOff val="-20408"/>
+              <a:lumOff val="12745"/>
+              <a:alphaOff val="0"/>
+            </a:schemeClr>
+          </a:solidFill>
+          <a:prstDash val="solid"/>
+          <a:miter lim="800000"/>
+        </a:ln>
+        <a:effectLst/>
+      </dsp:spPr>
+      <dsp:style>
+        <a:lnRef idx="2">
+          <a:scrgbClr r="0" g="0" b="0"/>
+        </a:lnRef>
+        <a:fillRef idx="1">
+          <a:scrgbClr r="0" g="0" b="0"/>
+        </a:fillRef>
+        <a:effectRef idx="0">
+          <a:scrgbClr r="0" g="0" b="0"/>
+        </a:effectRef>
+        <a:fontRef idx="minor">
+          <a:schemeClr val="lt1"/>
+        </a:fontRef>
+      </dsp:style>
+    </dsp:sp>
+    <dsp:sp modelId="{8B27AC5A-EED0-4FFF-A6CC-B144C746E6E6}">
+      <dsp:nvSpPr>
+        <dsp:cNvPr id="0" name=""/>
+        <dsp:cNvSpPr/>
+      </dsp:nvSpPr>
+      <dsp:spPr>
+        <a:xfrm>
+          <a:off x="0" y="3758183"/>
+          <a:ext cx="7306056" cy="1252727"/>
+        </a:xfrm>
+        <a:prstGeom prst="rect">
+          <a:avLst/>
+        </a:prstGeom>
+        <a:noFill/>
+        <a:ln>
+          <a:noFill/>
+        </a:ln>
+        <a:effectLst/>
+      </dsp:spPr>
+      <dsp:style>
+        <a:lnRef idx="0">
+          <a:scrgbClr r="0" g="0" b="0"/>
+        </a:lnRef>
+        <a:fillRef idx="0">
+          <a:scrgbClr r="0" g="0" b="0"/>
+        </a:fillRef>
+        <a:effectRef idx="0">
+          <a:scrgbClr r="0" g="0" b="0"/>
+        </a:effectRef>
+        <a:fontRef idx="minor"/>
+      </dsp:style>
+      <dsp:txBody>
+        <a:bodyPr spcFirstLastPara="0" vert="horz" wrap="square" lIns="198120" tIns="198120" rIns="198120" bIns="198120" numCol="1" spcCol="1270" anchor="t" anchorCtr="0">
+          <a:noAutofit/>
+        </a:bodyPr>
+        <a:lstStyle/>
+        <a:p>
+          <a:pPr marL="0" lvl="0" indent="0" algn="l" defTabSz="2311400">
+            <a:lnSpc>
+              <a:spcPct val="90000"/>
+            </a:lnSpc>
+            <a:spcBef>
+              <a:spcPct val="0"/>
+            </a:spcBef>
+            <a:spcAft>
+              <a:spcPct val="35000"/>
+            </a:spcAft>
+            <a:buNone/>
+          </a:pPr>
+          <a:r>
+            <a:rPr lang="en-DE" sz="5200" kern="1200"/>
+            <a:t>Nyugodt hozzáállás</a:t>
+          </a:r>
+          <a:endParaRPr lang="en-US" sz="5200" kern="1200"/>
+        </a:p>
+      </dsp:txBody>
+      <dsp:txXfrm>
+        <a:off x="0" y="3758183"/>
+        <a:ext cx="7306056" cy="1252727"/>
+      </dsp:txXfrm>
+    </dsp:sp>
+  </dsp:spTree>
+</dsp:drawing>
+</file>
+
 <file path=ppt/diagrams/layout1.xml><?xml version="1.0" encoding="utf-8"?>
 <dgm:layoutDef xmlns:dgm="http://schemas.openxmlformats.org/drawingml/2006/diagram" xmlns:a="http://schemas.openxmlformats.org/drawingml/2006/main" uniqueId="urn:microsoft.com/office/officeart/2005/8/layout/vList2">
   <dgm:title val=""/>
@@ -4633,6 +7811,1035 @@
 </dgm:layoutDef>
 </file>
 
+<file path=ppt/diagrams/layout4.xml><?xml version="1.0" encoding="utf-8"?>
+<dgm:layoutDef xmlns:dgm="http://schemas.openxmlformats.org/drawingml/2006/diagram" xmlns:a="http://schemas.openxmlformats.org/drawingml/2006/main" uniqueId="urn:microsoft.com/office/officeart/2005/8/layout/hierarchy1">
+  <dgm:title val=""/>
+  <dgm:desc val=""/>
+  <dgm:catLst>
+    <dgm:cat type="hierarchy" pri="2000"/>
+  </dgm:catLst>
+  <dgm:sampData>
+    <dgm:dataModel>
+      <dgm:ptLst>
+        <dgm:pt modelId="0" type="doc"/>
+        <dgm:pt modelId="1">
+          <dgm:prSet phldr="1"/>
+        </dgm:pt>
+        <dgm:pt modelId="2">
+          <dgm:prSet phldr="1"/>
+        </dgm:pt>
+        <dgm:pt modelId="21">
+          <dgm:prSet phldr="1"/>
+        </dgm:pt>
+        <dgm:pt modelId="22">
+          <dgm:prSet phldr="1"/>
+        </dgm:pt>
+        <dgm:pt modelId="3">
+          <dgm:prSet phldr="1"/>
+        </dgm:pt>
+        <dgm:pt modelId="31">
+          <dgm:prSet phldr="1"/>
+        </dgm:pt>
+      </dgm:ptLst>
+      <dgm:cxnLst>
+        <dgm:cxn modelId="4" srcId="0" destId="1" srcOrd="0" destOrd="0"/>
+        <dgm:cxn modelId="5" srcId="1" destId="2" srcOrd="0" destOrd="0"/>
+        <dgm:cxn modelId="6" srcId="1" destId="3" srcOrd="1" destOrd="0"/>
+        <dgm:cxn modelId="23" srcId="2" destId="21" srcOrd="0" destOrd="0"/>
+        <dgm:cxn modelId="24" srcId="2" destId="22" srcOrd="1" destOrd="0"/>
+        <dgm:cxn modelId="33" srcId="3" destId="31" srcOrd="0" destOrd="0"/>
+      </dgm:cxnLst>
+      <dgm:bg/>
+      <dgm:whole/>
+    </dgm:dataModel>
+  </dgm:sampData>
+  <dgm:styleData>
+    <dgm:dataModel>
+      <dgm:ptLst>
+        <dgm:pt modelId="0" type="doc"/>
+        <dgm:pt modelId="1"/>
+        <dgm:pt modelId="11"/>
+        <dgm:pt modelId="12"/>
+      </dgm:ptLst>
+      <dgm:cxnLst>
+        <dgm:cxn modelId="2" srcId="0" destId="1" srcOrd="0" destOrd="0"/>
+        <dgm:cxn modelId="13" srcId="1" destId="11" srcOrd="0" destOrd="0"/>
+        <dgm:cxn modelId="14" srcId="1" destId="12" srcOrd="1" destOrd="0"/>
+      </dgm:cxnLst>
+      <dgm:bg/>
+      <dgm:whole/>
+    </dgm:dataModel>
+  </dgm:styleData>
+  <dgm:clrData>
+    <dgm:dataModel>
+      <dgm:ptLst>
+        <dgm:pt modelId="0" type="doc"/>
+        <dgm:pt modelId="1"/>
+        <dgm:pt modelId="2"/>
+        <dgm:pt modelId="21"/>
+        <dgm:pt modelId="211"/>
+        <dgm:pt modelId="3"/>
+        <dgm:pt modelId="31"/>
+        <dgm:pt modelId="311"/>
+      </dgm:ptLst>
+      <dgm:cxnLst>
+        <dgm:cxn modelId="4" srcId="0" destId="1" srcOrd="0" destOrd="0"/>
+        <dgm:cxn modelId="5" srcId="1" destId="2" srcOrd="0" destOrd="0"/>
+        <dgm:cxn modelId="6" srcId="1" destId="3" srcOrd="1" destOrd="0"/>
+        <dgm:cxn modelId="23" srcId="2" destId="21" srcOrd="0" destOrd="0"/>
+        <dgm:cxn modelId="24" srcId="21" destId="211" srcOrd="0" destOrd="0"/>
+        <dgm:cxn modelId="33" srcId="3" destId="31" srcOrd="0" destOrd="0"/>
+        <dgm:cxn modelId="34" srcId="31" destId="311" srcOrd="0" destOrd="0"/>
+      </dgm:cxnLst>
+      <dgm:bg/>
+      <dgm:whole/>
+    </dgm:dataModel>
+  </dgm:clrData>
+  <dgm:layoutNode name="hierChild1">
+    <dgm:varLst>
+      <dgm:chPref val="1"/>
+      <dgm:dir/>
+      <dgm:animOne val="branch"/>
+      <dgm:animLvl val="lvl"/>
+      <dgm:resizeHandles/>
+    </dgm:varLst>
+    <dgm:choose name="Name0">
+      <dgm:if name="Name1" func="var" arg="dir" op="equ" val="norm">
+        <dgm:alg type="hierChild">
+          <dgm:param type="linDir" val="fromL"/>
+        </dgm:alg>
+      </dgm:if>
+      <dgm:else name="Name2">
+        <dgm:alg type="hierChild">
+          <dgm:param type="linDir" val="fromR"/>
+        </dgm:alg>
+      </dgm:else>
+    </dgm:choose>
+    <dgm:shape xmlns:r="http://schemas.openxmlformats.org/officeDocument/2006/relationships" r:blip="">
+      <dgm:adjLst/>
+    </dgm:shape>
+    <dgm:presOf/>
+    <dgm:constrLst>
+      <dgm:constr type="primFontSz" for="des" ptType="node" op="equ" val="65"/>
+      <dgm:constr type="w" for="des" forName="composite" refType="w"/>
+      <dgm:constr type="h" for="des" forName="composite" refType="w" refFor="des" refForName="composite" fact="0.667"/>
+      <dgm:constr type="w" for="des" forName="composite2" refType="w" refFor="des" refForName="composite"/>
+      <dgm:constr type="h" for="des" forName="composite2" refType="h" refFor="des" refForName="composite"/>
+      <dgm:constr type="w" for="des" forName="composite3" refType="w" refFor="des" refForName="composite"/>
+      <dgm:constr type="h" for="des" forName="composite3" refType="h" refFor="des" refForName="composite"/>
+      <dgm:constr type="w" for="des" forName="composite4" refType="w" refFor="des" refForName="composite"/>
+      <dgm:constr type="h" for="des" forName="composite4" refType="h" refFor="des" refForName="composite"/>
+      <dgm:constr type="w" for="des" forName="composite5" refType="w" refFor="des" refForName="composite"/>
+      <dgm:constr type="h" for="des" forName="composite5" refType="h" refFor="des" refForName="composite"/>
+      <dgm:constr type="sibSp" refType="w" refFor="des" refForName="composite" fact="0.1"/>
+      <dgm:constr type="sibSp" for="des" forName="hierChild2" refType="sibSp"/>
+      <dgm:constr type="sibSp" for="des" forName="hierChild3" refType="sibSp"/>
+      <dgm:constr type="sibSp" for="des" forName="hierChild4" refType="sibSp"/>
+      <dgm:constr type="sibSp" for="des" forName="hierChild5" refType="sibSp"/>
+      <dgm:constr type="sibSp" for="des" forName="hierChild6" refType="sibSp"/>
+      <dgm:constr type="sp" for="des" forName="hierRoot1" refType="h" refFor="des" refForName="composite" fact="0.25"/>
+      <dgm:constr type="sp" for="des" forName="hierRoot2" refType="sp" refFor="des" refForName="hierRoot1"/>
+      <dgm:constr type="sp" for="des" forName="hierRoot3" refType="sp" refFor="des" refForName="hierRoot1"/>
+      <dgm:constr type="sp" for="des" forName="hierRoot4" refType="sp" refFor="des" refForName="hierRoot1"/>
+      <dgm:constr type="sp" for="des" forName="hierRoot5" refType="sp" refFor="des" refForName="hierRoot1"/>
+    </dgm:constrLst>
+    <dgm:ruleLst/>
+    <dgm:forEach name="Name3" axis="ch">
+      <dgm:forEach name="Name4" axis="self" ptType="node">
+        <dgm:layoutNode name="hierRoot1">
+          <dgm:alg type="hierRoot"/>
+          <dgm:shape xmlns:r="http://schemas.openxmlformats.org/officeDocument/2006/relationships" r:blip="">
+            <dgm:adjLst/>
+          </dgm:shape>
+          <dgm:presOf/>
+          <dgm:constrLst>
+            <dgm:constr type="bendDist" for="des" ptType="parTrans" refType="sp" fact="0.5"/>
+          </dgm:constrLst>
+          <dgm:ruleLst/>
+          <dgm:layoutNode name="composite">
+            <dgm:alg type="composite"/>
+            <dgm:shape xmlns:r="http://schemas.openxmlformats.org/officeDocument/2006/relationships" r:blip="">
+              <dgm:adjLst/>
+            </dgm:shape>
+            <dgm:presOf/>
+            <dgm:constrLst>
+              <dgm:constr type="w" for="ch" forName="background" refType="w" fact="0.9"/>
+              <dgm:constr type="h" for="ch" forName="background" refType="w" refFor="ch" refForName="background" fact="0.635"/>
+              <dgm:constr type="t" for="ch" forName="background"/>
+              <dgm:constr type="l" for="ch" forName="background"/>
+              <dgm:constr type="w" for="ch" forName="text" refType="w" fact="0.9"/>
+              <dgm:constr type="h" for="ch" forName="text" refType="w" refFor="ch" refForName="text" fact="0.635"/>
+              <dgm:constr type="t" for="ch" forName="text" refType="w" fact="0.095"/>
+              <dgm:constr type="l" for="ch" forName="text" refType="w" fact="0.1"/>
+            </dgm:constrLst>
+            <dgm:ruleLst/>
+            <dgm:layoutNode name="background" styleLbl="node0" moveWith="text">
+              <dgm:alg type="sp"/>
+              <dgm:shape xmlns:r="http://schemas.openxmlformats.org/officeDocument/2006/relationships" type="roundRect" r:blip="">
+                <dgm:adjLst>
+                  <dgm:adj idx="1" val="0.1"/>
+                </dgm:adjLst>
+              </dgm:shape>
+              <dgm:presOf/>
+              <dgm:constrLst/>
+              <dgm:ruleLst/>
+            </dgm:layoutNode>
+            <dgm:layoutNode name="text" styleLbl="fgAcc0">
+              <dgm:varLst>
+                <dgm:chPref val="3"/>
+              </dgm:varLst>
+              <dgm:alg type="tx"/>
+              <dgm:shape xmlns:r="http://schemas.openxmlformats.org/officeDocument/2006/relationships" type="roundRect" r:blip="">
+                <dgm:adjLst>
+                  <dgm:adj idx="1" val="0.1"/>
+                </dgm:adjLst>
+              </dgm:shape>
+              <dgm:presOf axis="self"/>
+              <dgm:constrLst>
+                <dgm:constr type="tMarg" refType="primFontSz" fact="0.3"/>
+                <dgm:constr type="bMarg" refType="primFontSz" fact="0.3"/>
+                <dgm:constr type="lMarg" refType="primFontSz" fact="0.3"/>
+                <dgm:constr type="rMarg" refType="primFontSz" fact="0.3"/>
+              </dgm:constrLst>
+              <dgm:ruleLst>
+                <dgm:rule type="primFontSz" val="5" fact="NaN" max="NaN"/>
+              </dgm:ruleLst>
+            </dgm:layoutNode>
+          </dgm:layoutNode>
+          <dgm:layoutNode name="hierChild2">
+            <dgm:choose name="Name5">
+              <dgm:if name="Name6" func="var" arg="dir" op="equ" val="norm">
+                <dgm:alg type="hierChild">
+                  <dgm:param type="linDir" val="fromL"/>
+                </dgm:alg>
+              </dgm:if>
+              <dgm:else name="Name7">
+                <dgm:alg type="hierChild">
+                  <dgm:param type="linDir" val="fromR"/>
+                </dgm:alg>
+              </dgm:else>
+            </dgm:choose>
+            <dgm:shape xmlns:r="http://schemas.openxmlformats.org/officeDocument/2006/relationships" r:blip="">
+              <dgm:adjLst/>
+            </dgm:shape>
+            <dgm:presOf/>
+            <dgm:constrLst/>
+            <dgm:ruleLst/>
+            <dgm:forEach name="Name8" axis="ch">
+              <dgm:forEach name="Name9" axis="self" ptType="parTrans" cnt="1">
+                <dgm:layoutNode name="Name10">
+                  <dgm:alg type="conn">
+                    <dgm:param type="dim" val="1D"/>
+                    <dgm:param type="endSty" val="noArr"/>
+                    <dgm:param type="connRout" val="bend"/>
+                    <dgm:param type="bendPt" val="end"/>
+                    <dgm:param type="begPts" val="bCtr"/>
+                    <dgm:param type="endPts" val="tCtr"/>
+                    <dgm:param type="srcNode" val="background"/>
+                    <dgm:param type="dstNode" val="background2"/>
+                  </dgm:alg>
+                  <dgm:shape xmlns:r="http://schemas.openxmlformats.org/officeDocument/2006/relationships" type="conn" r:blip="" zOrderOff="-999">
+                    <dgm:adjLst/>
+                  </dgm:shape>
+                  <dgm:presOf axis="self"/>
+                  <dgm:constrLst>
+                    <dgm:constr type="begPad"/>
+                    <dgm:constr type="endPad"/>
+                  </dgm:constrLst>
+                  <dgm:ruleLst/>
+                </dgm:layoutNode>
+              </dgm:forEach>
+              <dgm:forEach name="Name11" axis="self" ptType="node">
+                <dgm:layoutNode name="hierRoot2">
+                  <dgm:alg type="hierRoot"/>
+                  <dgm:shape xmlns:r="http://schemas.openxmlformats.org/officeDocument/2006/relationships" r:blip="">
+                    <dgm:adjLst/>
+                  </dgm:shape>
+                  <dgm:presOf/>
+                  <dgm:constrLst>
+                    <dgm:constr type="bendDist" for="des" ptType="parTrans" refType="sp" fact="0.5"/>
+                  </dgm:constrLst>
+                  <dgm:ruleLst/>
+                  <dgm:layoutNode name="composite2">
+                    <dgm:alg type="composite"/>
+                    <dgm:shape xmlns:r="http://schemas.openxmlformats.org/officeDocument/2006/relationships" r:blip="">
+                      <dgm:adjLst/>
+                    </dgm:shape>
+                    <dgm:presOf/>
+                    <dgm:constrLst>
+                      <dgm:constr type="w" for="ch" forName="background2" refType="w" fact="0.9"/>
+                      <dgm:constr type="h" for="ch" forName="background2" refType="w" refFor="ch" refForName="background2" fact="0.635"/>
+                      <dgm:constr type="t" for="ch" forName="background2"/>
+                      <dgm:constr type="l" for="ch" forName="background2"/>
+                      <dgm:constr type="w" for="ch" forName="text2" refType="w" fact="0.9"/>
+                      <dgm:constr type="h" for="ch" forName="text2" refType="w" refFor="ch" refForName="text2" fact="0.635"/>
+                      <dgm:constr type="t" for="ch" forName="text2" refType="w" fact="0.095"/>
+                      <dgm:constr type="l" for="ch" forName="text2" refType="w" fact="0.1"/>
+                    </dgm:constrLst>
+                    <dgm:ruleLst/>
+                    <dgm:layoutNode name="background2" moveWith="text2">
+                      <dgm:alg type="sp"/>
+                      <dgm:shape xmlns:r="http://schemas.openxmlformats.org/officeDocument/2006/relationships" type="roundRect" r:blip="">
+                        <dgm:adjLst>
+                          <dgm:adj idx="1" val="0.1"/>
+                        </dgm:adjLst>
+                      </dgm:shape>
+                      <dgm:presOf/>
+                      <dgm:constrLst/>
+                      <dgm:ruleLst/>
+                    </dgm:layoutNode>
+                    <dgm:layoutNode name="text2" styleLbl="fgAcc2">
+                      <dgm:varLst>
+                        <dgm:chPref val="3"/>
+                      </dgm:varLst>
+                      <dgm:alg type="tx"/>
+                      <dgm:shape xmlns:r="http://schemas.openxmlformats.org/officeDocument/2006/relationships" type="roundRect" r:blip="">
+                        <dgm:adjLst>
+                          <dgm:adj idx="1" val="0.1"/>
+                        </dgm:adjLst>
+                      </dgm:shape>
+                      <dgm:presOf axis="self"/>
+                      <dgm:constrLst>
+                        <dgm:constr type="tMarg" refType="primFontSz" fact="0.3"/>
+                        <dgm:constr type="bMarg" refType="primFontSz" fact="0.3"/>
+                        <dgm:constr type="lMarg" refType="primFontSz" fact="0.3"/>
+                        <dgm:constr type="rMarg" refType="primFontSz" fact="0.3"/>
+                      </dgm:constrLst>
+                      <dgm:ruleLst>
+                        <dgm:rule type="primFontSz" val="5" fact="NaN" max="NaN"/>
+                      </dgm:ruleLst>
+                    </dgm:layoutNode>
+                  </dgm:layoutNode>
+                  <dgm:layoutNode name="hierChild3">
+                    <dgm:choose name="Name12">
+                      <dgm:if name="Name13" func="var" arg="dir" op="equ" val="norm">
+                        <dgm:alg type="hierChild">
+                          <dgm:param type="linDir" val="fromL"/>
+                        </dgm:alg>
+                      </dgm:if>
+                      <dgm:else name="Name14">
+                        <dgm:alg type="hierChild">
+                          <dgm:param type="linDir" val="fromR"/>
+                        </dgm:alg>
+                      </dgm:else>
+                    </dgm:choose>
+                    <dgm:shape xmlns:r="http://schemas.openxmlformats.org/officeDocument/2006/relationships" r:blip="">
+                      <dgm:adjLst/>
+                    </dgm:shape>
+                    <dgm:presOf/>
+                    <dgm:constrLst/>
+                    <dgm:ruleLst/>
+                    <dgm:forEach name="Name15" axis="ch">
+                      <dgm:forEach name="Name16" axis="self" ptType="parTrans" cnt="1">
+                        <dgm:layoutNode name="Name17">
+                          <dgm:alg type="conn">
+                            <dgm:param type="dim" val="1D"/>
+                            <dgm:param type="endSty" val="noArr"/>
+                            <dgm:param type="connRout" val="bend"/>
+                            <dgm:param type="bendPt" val="end"/>
+                            <dgm:param type="begPts" val="bCtr"/>
+                            <dgm:param type="endPts" val="tCtr"/>
+                            <dgm:param type="srcNode" val="background2"/>
+                            <dgm:param type="dstNode" val="background3"/>
+                          </dgm:alg>
+                          <dgm:shape xmlns:r="http://schemas.openxmlformats.org/officeDocument/2006/relationships" type="conn" r:blip="" zOrderOff="-999">
+                            <dgm:adjLst/>
+                          </dgm:shape>
+                          <dgm:presOf axis="self"/>
+                          <dgm:constrLst>
+                            <dgm:constr type="begPad"/>
+                            <dgm:constr type="endPad"/>
+                          </dgm:constrLst>
+                          <dgm:ruleLst/>
+                        </dgm:layoutNode>
+                      </dgm:forEach>
+                      <dgm:forEach name="Name18" axis="self" ptType="node">
+                        <dgm:layoutNode name="hierRoot3">
+                          <dgm:alg type="hierRoot"/>
+                          <dgm:shape xmlns:r="http://schemas.openxmlformats.org/officeDocument/2006/relationships" r:blip="">
+                            <dgm:adjLst/>
+                          </dgm:shape>
+                          <dgm:presOf/>
+                          <dgm:constrLst>
+                            <dgm:constr type="bendDist" for="des" ptType="parTrans" refType="sp" fact="0.5"/>
+                          </dgm:constrLst>
+                          <dgm:ruleLst/>
+                          <dgm:layoutNode name="composite3">
+                            <dgm:alg type="composite"/>
+                            <dgm:shape xmlns:r="http://schemas.openxmlformats.org/officeDocument/2006/relationships" r:blip="">
+                              <dgm:adjLst/>
+                            </dgm:shape>
+                            <dgm:presOf/>
+                            <dgm:constrLst>
+                              <dgm:constr type="w" for="ch" forName="background3" refType="w" fact="0.9"/>
+                              <dgm:constr type="h" for="ch" forName="background3" refType="w" refFor="ch" refForName="background3" fact="0.635"/>
+                              <dgm:constr type="t" for="ch" forName="background3"/>
+                              <dgm:constr type="l" for="ch" forName="background3"/>
+                              <dgm:constr type="w" for="ch" forName="text3" refType="w" fact="0.9"/>
+                              <dgm:constr type="h" for="ch" forName="text3" refType="w" refFor="ch" refForName="text3" fact="0.635"/>
+                              <dgm:constr type="t" for="ch" forName="text3" refType="w" fact="0.095"/>
+                              <dgm:constr type="l" for="ch" forName="text3" refType="w" fact="0.1"/>
+                            </dgm:constrLst>
+                            <dgm:ruleLst/>
+                            <dgm:layoutNode name="background3" moveWith="text3">
+                              <dgm:alg type="sp"/>
+                              <dgm:shape xmlns:r="http://schemas.openxmlformats.org/officeDocument/2006/relationships" type="roundRect" r:blip="">
+                                <dgm:adjLst>
+                                  <dgm:adj idx="1" val="0.1"/>
+                                </dgm:adjLst>
+                              </dgm:shape>
+                              <dgm:presOf/>
+                              <dgm:constrLst/>
+                              <dgm:ruleLst/>
+                            </dgm:layoutNode>
+                            <dgm:layoutNode name="text3" styleLbl="fgAcc3">
+                              <dgm:varLst>
+                                <dgm:chPref val="3"/>
+                              </dgm:varLst>
+                              <dgm:alg type="tx"/>
+                              <dgm:shape xmlns:r="http://schemas.openxmlformats.org/officeDocument/2006/relationships" type="roundRect" r:blip="">
+                                <dgm:adjLst>
+                                  <dgm:adj idx="1" val="0.1"/>
+                                </dgm:adjLst>
+                              </dgm:shape>
+                              <dgm:presOf axis="self"/>
+                              <dgm:constrLst>
+                                <dgm:constr type="tMarg" refType="primFontSz" fact="0.3"/>
+                                <dgm:constr type="bMarg" refType="primFontSz" fact="0.3"/>
+                                <dgm:constr type="lMarg" refType="primFontSz" fact="0.3"/>
+                                <dgm:constr type="rMarg" refType="primFontSz" fact="0.3"/>
+                              </dgm:constrLst>
+                              <dgm:ruleLst>
+                                <dgm:rule type="primFontSz" val="5" fact="NaN" max="NaN"/>
+                              </dgm:ruleLst>
+                            </dgm:layoutNode>
+                          </dgm:layoutNode>
+                          <dgm:layoutNode name="hierChild4">
+                            <dgm:choose name="Name19">
+                              <dgm:if name="Name20" func="var" arg="dir" op="equ" val="norm">
+                                <dgm:alg type="hierChild">
+                                  <dgm:param type="linDir" val="fromL"/>
+                                </dgm:alg>
+                              </dgm:if>
+                              <dgm:else name="Name21">
+                                <dgm:alg type="hierChild">
+                                  <dgm:param type="linDir" val="fromR"/>
+                                </dgm:alg>
+                              </dgm:else>
+                            </dgm:choose>
+                            <dgm:shape xmlns:r="http://schemas.openxmlformats.org/officeDocument/2006/relationships" r:blip="">
+                              <dgm:adjLst/>
+                            </dgm:shape>
+                            <dgm:presOf/>
+                            <dgm:constrLst/>
+                            <dgm:ruleLst/>
+                            <dgm:forEach name="repeat" axis="ch">
+                              <dgm:forEach name="Name22" axis="self" ptType="parTrans" cnt="1">
+                                <dgm:layoutNode name="Name23">
+                                  <dgm:choose name="Name24">
+                                    <dgm:if name="Name25" axis="self" func="depth" op="lte" val="4">
+                                      <dgm:alg type="conn">
+                                        <dgm:param type="dim" val="1D"/>
+                                        <dgm:param type="endSty" val="noArr"/>
+                                        <dgm:param type="connRout" val="bend"/>
+                                        <dgm:param type="bendPt" val="end"/>
+                                        <dgm:param type="begPts" val="bCtr"/>
+                                        <dgm:param type="endPts" val="tCtr"/>
+                                        <dgm:param type="srcNode" val="background3"/>
+                                        <dgm:param type="dstNode" val="background4"/>
+                                      </dgm:alg>
+                                    </dgm:if>
+                                    <dgm:else name="Name26">
+                                      <dgm:alg type="conn">
+                                        <dgm:param type="dim" val="1D"/>
+                                        <dgm:param type="endSty" val="noArr"/>
+                                        <dgm:param type="connRout" val="bend"/>
+                                        <dgm:param type="bendPt" val="end"/>
+                                        <dgm:param type="begPts" val="bCtr"/>
+                                        <dgm:param type="endPts" val="tCtr"/>
+                                        <dgm:param type="srcNode" val="background4"/>
+                                        <dgm:param type="dstNode" val="background4"/>
+                                      </dgm:alg>
+                                    </dgm:else>
+                                  </dgm:choose>
+                                  <dgm:shape xmlns:r="http://schemas.openxmlformats.org/officeDocument/2006/relationships" type="conn" r:blip="" zOrderOff="-999">
+                                    <dgm:adjLst/>
+                                  </dgm:shape>
+                                  <dgm:presOf axis="self"/>
+                                  <dgm:constrLst>
+                                    <dgm:constr type="begPad"/>
+                                    <dgm:constr type="endPad"/>
+                                  </dgm:constrLst>
+                                  <dgm:ruleLst/>
+                                </dgm:layoutNode>
+                              </dgm:forEach>
+                              <dgm:forEach name="Name27" axis="self" ptType="node">
+                                <dgm:layoutNode name="hierRoot4">
+                                  <dgm:alg type="hierRoot"/>
+                                  <dgm:shape xmlns:r="http://schemas.openxmlformats.org/officeDocument/2006/relationships" r:blip="">
+                                    <dgm:adjLst/>
+                                  </dgm:shape>
+                                  <dgm:presOf/>
+                                  <dgm:constrLst>
+                                    <dgm:constr type="bendDist" for="des" ptType="parTrans" refType="sp" fact="0.5"/>
+                                  </dgm:constrLst>
+                                  <dgm:ruleLst/>
+                                  <dgm:layoutNode name="composite4">
+                                    <dgm:alg type="composite"/>
+                                    <dgm:shape xmlns:r="http://schemas.openxmlformats.org/officeDocument/2006/relationships" r:blip="">
+                                      <dgm:adjLst/>
+                                    </dgm:shape>
+                                    <dgm:presOf/>
+                                    <dgm:constrLst>
+                                      <dgm:constr type="w" for="ch" forName="background4" refType="w" fact="0.9"/>
+                                      <dgm:constr type="h" for="ch" forName="background4" refType="w" refFor="ch" refForName="background4" fact="0.635"/>
+                                      <dgm:constr type="t" for="ch" forName="background4"/>
+                                      <dgm:constr type="l" for="ch" forName="background4"/>
+                                      <dgm:constr type="w" for="ch" forName="text4" refType="w" fact="0.9"/>
+                                      <dgm:constr type="h" for="ch" forName="text4" refType="w" refFor="ch" refForName="text4" fact="0.635"/>
+                                      <dgm:constr type="t" for="ch" forName="text4" refType="w" fact="0.095"/>
+                                      <dgm:constr type="l" for="ch" forName="text4" refType="w" fact="0.1"/>
+                                    </dgm:constrLst>
+                                    <dgm:ruleLst/>
+                                    <dgm:layoutNode name="background4" moveWith="text4">
+                                      <dgm:alg type="sp"/>
+                                      <dgm:shape xmlns:r="http://schemas.openxmlformats.org/officeDocument/2006/relationships" type="roundRect" r:blip="">
+                                        <dgm:adjLst>
+                                          <dgm:adj idx="1" val="0.1"/>
+                                        </dgm:adjLst>
+                                      </dgm:shape>
+                                      <dgm:presOf/>
+                                      <dgm:constrLst/>
+                                      <dgm:ruleLst/>
+                                    </dgm:layoutNode>
+                                    <dgm:layoutNode name="text4" styleLbl="fgAcc4">
+                                      <dgm:varLst>
+                                        <dgm:chPref val="3"/>
+                                      </dgm:varLst>
+                                      <dgm:alg type="tx"/>
+                                      <dgm:shape xmlns:r="http://schemas.openxmlformats.org/officeDocument/2006/relationships" type="roundRect" r:blip="">
+                                        <dgm:adjLst>
+                                          <dgm:adj idx="1" val="0.1"/>
+                                        </dgm:adjLst>
+                                      </dgm:shape>
+                                      <dgm:presOf axis="self"/>
+                                      <dgm:constrLst>
+                                        <dgm:constr type="tMarg" refType="primFontSz" fact="0.3"/>
+                                        <dgm:constr type="bMarg" refType="primFontSz" fact="0.3"/>
+                                        <dgm:constr type="lMarg" refType="primFontSz" fact="0.3"/>
+                                        <dgm:constr type="rMarg" refType="primFontSz" fact="0.3"/>
+                                      </dgm:constrLst>
+                                      <dgm:ruleLst>
+                                        <dgm:rule type="primFontSz" val="5" fact="NaN" max="NaN"/>
+                                      </dgm:ruleLst>
+                                    </dgm:layoutNode>
+                                  </dgm:layoutNode>
+                                  <dgm:layoutNode name="hierChild5">
+                                    <dgm:choose name="Name28">
+                                      <dgm:if name="Name29" func="var" arg="dir" op="equ" val="norm">
+                                        <dgm:alg type="hierChild">
+                                          <dgm:param type="linDir" val="fromL"/>
+                                        </dgm:alg>
+                                      </dgm:if>
+                                      <dgm:else name="Name30">
+                                        <dgm:alg type="hierChild">
+                                          <dgm:param type="linDir" val="fromR"/>
+                                        </dgm:alg>
+                                      </dgm:else>
+                                    </dgm:choose>
+                                    <dgm:shape xmlns:r="http://schemas.openxmlformats.org/officeDocument/2006/relationships" r:blip="">
+                                      <dgm:adjLst/>
+                                    </dgm:shape>
+                                    <dgm:presOf/>
+                                    <dgm:constrLst/>
+                                    <dgm:ruleLst/>
+                                    <dgm:forEach name="Name31" ref="repeat"/>
+                                  </dgm:layoutNode>
+                                </dgm:layoutNode>
+                              </dgm:forEach>
+                            </dgm:forEach>
+                          </dgm:layoutNode>
+                        </dgm:layoutNode>
+                      </dgm:forEach>
+                    </dgm:forEach>
+                  </dgm:layoutNode>
+                </dgm:layoutNode>
+              </dgm:forEach>
+            </dgm:forEach>
+          </dgm:layoutNode>
+        </dgm:layoutNode>
+      </dgm:forEach>
+    </dgm:forEach>
+  </dgm:layoutNode>
+</dgm:layoutDef>
+</file>
+
+<file path=ppt/diagrams/layout5.xml><?xml version="1.0" encoding="utf-8"?>
+<dgm:layoutDef xmlns:dgm="http://schemas.openxmlformats.org/drawingml/2006/diagram" xmlns:a="http://schemas.openxmlformats.org/drawingml/2006/main" uniqueId="urn:microsoft.com/office/officeart/2008/layout/LinedList">
+  <dgm:title val=""/>
+  <dgm:desc val=""/>
+  <dgm:catLst>
+    <dgm:cat type="hierarchy" pri="8000"/>
+    <dgm:cat type="list" pri="2500"/>
+  </dgm:catLst>
+  <dgm:sampData>
+    <dgm:dataModel>
+      <dgm:ptLst>
+        <dgm:pt modelId="0" type="doc"/>
+        <dgm:pt modelId="1">
+          <dgm:prSet phldr="1"/>
+        </dgm:pt>
+        <dgm:pt modelId="11">
+          <dgm:prSet phldr="1"/>
+        </dgm:pt>
+        <dgm:pt modelId="12">
+          <dgm:prSet phldr="1"/>
+        </dgm:pt>
+        <dgm:pt modelId="13">
+          <dgm:prSet phldr="1"/>
+        </dgm:pt>
+      </dgm:ptLst>
+      <dgm:cxnLst>
+        <dgm:cxn modelId="2" srcId="0" destId="1" srcOrd="0" destOrd="0"/>
+        <dgm:cxn modelId="3" srcId="1" destId="11" srcOrd="0" destOrd="0"/>
+        <dgm:cxn modelId="4" srcId="1" destId="12" srcOrd="1" destOrd="0"/>
+        <dgm:cxn modelId="5" srcId="1" destId="13" srcOrd="2" destOrd="0"/>
+      </dgm:cxnLst>
+      <dgm:bg/>
+      <dgm:whole/>
+    </dgm:dataModel>
+  </dgm:sampData>
+  <dgm:styleData>
+    <dgm:dataModel>
+      <dgm:ptLst>
+        <dgm:pt modelId="0" type="doc"/>
+        <dgm:pt modelId="1">
+          <dgm:prSet phldr="1"/>
+        </dgm:pt>
+        <dgm:pt modelId="11">
+          <dgm:prSet phldr="1"/>
+        </dgm:pt>
+        <dgm:pt modelId="12">
+          <dgm:prSet phldr="1"/>
+        </dgm:pt>
+      </dgm:ptLst>
+      <dgm:cxnLst>
+        <dgm:cxn modelId="2" srcId="0" destId="1" srcOrd="0" destOrd="0"/>
+        <dgm:cxn modelId="3" srcId="1" destId="11" srcOrd="0" destOrd="0"/>
+        <dgm:cxn modelId="4" srcId="1" destId="12" srcOrd="1" destOrd="0"/>
+      </dgm:cxnLst>
+      <dgm:bg/>
+      <dgm:whole/>
+    </dgm:dataModel>
+  </dgm:styleData>
+  <dgm:clrData>
+    <dgm:dataModel>
+      <dgm:ptLst>
+        <dgm:pt modelId="0" type="doc"/>
+        <dgm:pt modelId="1">
+          <dgm:prSet phldr="1"/>
+        </dgm:pt>
+        <dgm:pt modelId="11">
+          <dgm:prSet phldr="1"/>
+        </dgm:pt>
+        <dgm:pt modelId="12">
+          <dgm:prSet phldr="1"/>
+        </dgm:pt>
+      </dgm:ptLst>
+      <dgm:cxnLst>
+        <dgm:cxn modelId="2" srcId="0" destId="1" srcOrd="0" destOrd="0"/>
+        <dgm:cxn modelId="3" srcId="1" destId="11" srcOrd="0" destOrd="0"/>
+        <dgm:cxn modelId="4" srcId="1" destId="12" srcOrd="1" destOrd="0"/>
+      </dgm:cxnLst>
+      <dgm:bg/>
+      <dgm:whole/>
+    </dgm:dataModel>
+  </dgm:clrData>
+  <dgm:layoutNode name="vert0">
+    <dgm:varLst>
+      <dgm:dir/>
+      <dgm:animOne val="branch"/>
+      <dgm:animLvl val="lvl"/>
+    </dgm:varLst>
+    <dgm:choose name="Name0">
+      <dgm:if name="Name1" func="var" arg="dir" op="equ" val="norm">
+        <dgm:alg type="lin">
+          <dgm:param type="linDir" val="fromT"/>
+          <dgm:param type="nodeHorzAlign" val="l"/>
+        </dgm:alg>
+      </dgm:if>
+      <dgm:else name="Name2">
+        <dgm:alg type="lin">
+          <dgm:param type="linDir" val="fromT"/>
+          <dgm:param type="nodeHorzAlign" val="r"/>
+        </dgm:alg>
+      </dgm:else>
+    </dgm:choose>
+    <dgm:shape xmlns:r="http://schemas.openxmlformats.org/officeDocument/2006/relationships" r:blip="">
+      <dgm:adjLst/>
+    </dgm:shape>
+    <dgm:presOf/>
+    <dgm:constrLst>
+      <dgm:constr type="w" for="ch" forName="horz1" refType="w"/>
+      <dgm:constr type="h" for="ch" forName="horz1" refType="h"/>
+      <dgm:constr type="h" for="des" forName="vert1" refType="h"/>
+      <dgm:constr type="h" for="des" forName="tx1" refType="h"/>
+      <dgm:constr type="h" for="des" forName="horz2" refType="h"/>
+      <dgm:constr type="h" for="des" forName="vert2" refType="h"/>
+      <dgm:constr type="h" for="des" forName="horz3" refType="h"/>
+      <dgm:constr type="h" for="des" forName="vert3" refType="h"/>
+      <dgm:constr type="h" for="des" forName="horz4" refType="h"/>
+      <dgm:constr type="h" for="des" ptType="node" refType="h"/>
+      <dgm:constr type="primFontSz" for="des" forName="tx1" op="equ" val="65"/>
+      <dgm:constr type="primFontSz" for="des" forName="tx2" op="equ" val="65"/>
+      <dgm:constr type="primFontSz" for="des" forName="tx3" op="equ" val="65"/>
+      <dgm:constr type="primFontSz" for="des" forName="tx4" op="equ" val="65"/>
+      <dgm:constr type="w" for="des" forName="thickLine" refType="w"/>
+      <dgm:constr type="h" for="des" forName="thickLine"/>
+      <dgm:constr type="h" for="des" forName="thinLine1"/>
+      <dgm:constr type="h" for="des" forName="thinLine2b"/>
+      <dgm:constr type="h" for="des" forName="thinLine3"/>
+      <dgm:constr type="h" for="des" forName="vertSpace2a" refType="h" fact="0.05"/>
+      <dgm:constr type="h" for="des" forName="vertSpace2b" refType="h" refFor="des" refForName="vertSpace2a"/>
+    </dgm:constrLst>
+    <dgm:forEach name="Name3" axis="ch" ptType="node">
+      <dgm:layoutNode name="thickLine" styleLbl="alignNode1">
+        <dgm:alg type="sp"/>
+        <dgm:shape xmlns:r="http://schemas.openxmlformats.org/officeDocument/2006/relationships" type="line" r:blip="">
+          <dgm:adjLst/>
+        </dgm:shape>
+        <dgm:presOf/>
+      </dgm:layoutNode>
+      <dgm:layoutNode name="horz1">
+        <dgm:choose name="Name4">
+          <dgm:if name="Name5" func="var" arg="dir" op="equ" val="norm">
+            <dgm:alg type="lin">
+              <dgm:param type="linDir" val="fromL"/>
+              <dgm:param type="nodeVertAlign" val="t"/>
+            </dgm:alg>
+          </dgm:if>
+          <dgm:else name="Name6">
+            <dgm:alg type="lin">
+              <dgm:param type="linDir" val="fromR"/>
+              <dgm:param type="nodeVertAlign" val="t"/>
+            </dgm:alg>
+          </dgm:else>
+        </dgm:choose>
+        <dgm:shape xmlns:r="http://schemas.openxmlformats.org/officeDocument/2006/relationships" r:blip="">
+          <dgm:adjLst/>
+        </dgm:shape>
+        <dgm:presOf/>
+        <dgm:choose name="Name7">
+          <dgm:if name="Name8" axis="root des" func="maxDepth" op="equ" val="1">
+            <dgm:constrLst>
+              <dgm:constr type="w" for="ch" forName="tx1" refType="w"/>
+            </dgm:constrLst>
+          </dgm:if>
+          <dgm:if name="Name9" axis="root des" func="maxDepth" op="equ" val="2">
+            <dgm:constrLst>
+              <dgm:constr type="w" for="ch" forName="tx1" refType="w" fact="0.2"/>
+              <dgm:constr type="w" for="des" forName="tx2" refType="w" fact="0.785"/>
+              <dgm:constr type="w" for="des" forName="horzSpace2" refType="w" fact="0.015"/>
+              <dgm:constr type="w" for="des" forName="thinLine2b" refType="w" fact="0.8"/>
+            </dgm:constrLst>
+          </dgm:if>
+          <dgm:if name="Name10" axis="root des" func="maxDepth" op="equ" val="3">
+            <dgm:constrLst>
+              <dgm:constr type="w" for="ch" forName="tx1" refType="w" fact="0.2"/>
+              <dgm:constr type="w" for="des" forName="tx2" refType="w" fact="0.385"/>
+              <dgm:constr type="w" for="des" forName="tx3" refType="w" fact="0.385"/>
+              <dgm:constr type="w" for="des" forName="horzSpace2" refType="w" fact="0.015"/>
+              <dgm:constr type="w" for="des" forName="horzSpace3" refType="w" fact="0.015"/>
+              <dgm:constr type="w" for="des" forName="thinLine2b" refType="w" fact="0.8"/>
+              <dgm:constr type="w" for="des" forName="thinLine3" refType="w" fact="0.385"/>
+            </dgm:constrLst>
+          </dgm:if>
+          <dgm:if name="Name11" axis="root des" func="maxDepth" op="gte" val="4">
+            <dgm:constrLst>
+              <dgm:constr type="w" for="ch" forName="tx1" refType="w" fact="0.2"/>
+              <dgm:constr type="w" for="des" forName="tx2" refType="w" fact="0.2516"/>
+              <dgm:constr type="w" for="des" forName="tx3" refType="w" fact="0.2516"/>
+              <dgm:constr type="w" for="des" forName="tx4" refType="w" fact="0.2516"/>
+              <dgm:constr type="w" for="des" forName="horzSpace2" refType="w" fact="0.015"/>
+              <dgm:constr type="w" for="des" forName="horzSpace3" refType="w" fact="0.015"/>
+              <dgm:constr type="w" for="des" forName="horzSpace4" refType="w" fact="0.015"/>
+              <dgm:constr type="w" for="des" forName="thinLine2b" refType="w" fact="0.8"/>
+              <dgm:constr type="w" for="des" forName="thinLine3" refType="w" fact="0.5332"/>
+            </dgm:constrLst>
+          </dgm:if>
+          <dgm:else name="Name12"/>
+        </dgm:choose>
+        <dgm:layoutNode name="tx1" styleLbl="revTx">
+          <dgm:alg type="tx">
+            <dgm:param type="parTxLTRAlign" val="l"/>
+            <dgm:param type="parTxRTLAlign" val="r"/>
+            <dgm:param type="txAnchorVert" val="t"/>
+          </dgm:alg>
+          <dgm:shape xmlns:r="http://schemas.openxmlformats.org/officeDocument/2006/relationships" type="rect" r:blip="">
+            <dgm:adjLst/>
+          </dgm:shape>
+          <dgm:presOf axis="self"/>
+          <dgm:constrLst>
+            <dgm:constr type="tMarg" refType="primFontSz" fact="0.3"/>
+            <dgm:constr type="bMarg" refType="primFontSz" fact="0.3"/>
+            <dgm:constr type="lMarg" refType="primFontSz" fact="0.3"/>
+            <dgm:constr type="rMarg" refType="primFontSz" fact="0.3"/>
+          </dgm:constrLst>
+          <dgm:ruleLst>
+            <dgm:rule type="primFontSz" val="5" fact="NaN" max="NaN"/>
+          </dgm:ruleLst>
+        </dgm:layoutNode>
+        <dgm:layoutNode name="vert1">
+          <dgm:choose name="Name13">
+            <dgm:if name="Name14" func="var" arg="dir" op="equ" val="norm">
+              <dgm:alg type="lin">
+                <dgm:param type="linDir" val="fromT"/>
+                <dgm:param type="nodeHorzAlign" val="l"/>
+              </dgm:alg>
+            </dgm:if>
+            <dgm:else name="Name15">
+              <dgm:alg type="lin">
+                <dgm:param type="linDir" val="fromT"/>
+                <dgm:param type="nodeHorzAlign" val="r"/>
+              </dgm:alg>
+            </dgm:else>
+          </dgm:choose>
+          <dgm:shape xmlns:r="http://schemas.openxmlformats.org/officeDocument/2006/relationships" r:blip="">
+            <dgm:adjLst/>
+          </dgm:shape>
+          <dgm:presOf/>
+          <dgm:forEach name="Name16" axis="ch" ptType="node">
+            <dgm:choose name="Name17">
+              <dgm:if name="Name18" axis="self" ptType="node" func="pos" op="equ" val="1">
+                <dgm:layoutNode name="vertSpace2a">
+                  <dgm:alg type="sp"/>
+                  <dgm:shape xmlns:r="http://schemas.openxmlformats.org/officeDocument/2006/relationships" r:blip="">
+                    <dgm:adjLst/>
+                  </dgm:shape>
+                  <dgm:presOf/>
+                </dgm:layoutNode>
+              </dgm:if>
+              <dgm:else name="Name19"/>
+            </dgm:choose>
+            <dgm:layoutNode name="horz2">
+              <dgm:choose name="Name20">
+                <dgm:if name="Name21" func="var" arg="dir" op="equ" val="norm">
+                  <dgm:alg type="lin">
+                    <dgm:param type="linDir" val="fromL"/>
+                    <dgm:param type="nodeVertAlign" val="t"/>
+                  </dgm:alg>
+                </dgm:if>
+                <dgm:else name="Name22">
+                  <dgm:alg type="lin">
+                    <dgm:param type="linDir" val="fromR"/>
+                    <dgm:param type="nodeVertAlign" val="t"/>
+                  </dgm:alg>
+                </dgm:else>
+              </dgm:choose>
+              <dgm:shape xmlns:r="http://schemas.openxmlformats.org/officeDocument/2006/relationships" r:blip="">
+                <dgm:adjLst/>
+              </dgm:shape>
+              <dgm:presOf/>
+              <dgm:layoutNode name="horzSpace2">
+                <dgm:alg type="sp"/>
+                <dgm:shape xmlns:r="http://schemas.openxmlformats.org/officeDocument/2006/relationships" r:blip="">
+                  <dgm:adjLst/>
+                </dgm:shape>
+                <dgm:presOf/>
+              </dgm:layoutNode>
+              <dgm:layoutNode name="tx2" styleLbl="revTx">
+                <dgm:alg type="tx">
+                  <dgm:param type="parTxLTRAlign" val="l"/>
+                  <dgm:param type="parTxRTLAlign" val="r"/>
+                  <dgm:param type="txAnchorVert" val="t"/>
+                </dgm:alg>
+                <dgm:shape xmlns:r="http://schemas.openxmlformats.org/officeDocument/2006/relationships" type="rect" r:blip="">
+                  <dgm:adjLst/>
+                </dgm:shape>
+                <dgm:presOf axis="self"/>
+                <dgm:constrLst>
+                  <dgm:constr type="tMarg" refType="primFontSz" fact="0.3"/>
+                  <dgm:constr type="bMarg" refType="primFontSz" fact="0.3"/>
+                  <dgm:constr type="lMarg" refType="primFontSz" fact="0.3"/>
+                  <dgm:constr type="rMarg" refType="primFontSz" fact="0.3"/>
+                </dgm:constrLst>
+                <dgm:ruleLst>
+                  <dgm:rule type="primFontSz" val="5" fact="NaN" max="NaN"/>
+                </dgm:ruleLst>
+              </dgm:layoutNode>
+              <dgm:layoutNode name="vert2">
+                <dgm:choose name="Name23">
+                  <dgm:if name="Name24" func="var" arg="dir" op="equ" val="norm">
+                    <dgm:alg type="lin">
+                      <dgm:param type="linDir" val="fromT"/>
+                      <dgm:param type="nodeHorzAlign" val="l"/>
+                    </dgm:alg>
+                  </dgm:if>
+                  <dgm:else name="Name25">
+                    <dgm:alg type="lin">
+                      <dgm:param type="linDir" val="fromT"/>
+                      <dgm:param type="nodeHorzAlign" val="r"/>
+                    </dgm:alg>
+                  </dgm:else>
+                </dgm:choose>
+                <dgm:shape xmlns:r="http://schemas.openxmlformats.org/officeDocument/2006/relationships" r:blip="">
+                  <dgm:adjLst/>
+                </dgm:shape>
+                <dgm:presOf/>
+                <dgm:forEach name="Name26" axis="ch" ptType="node">
+                  <dgm:layoutNode name="horz3">
+                    <dgm:choose name="Name27">
+                      <dgm:if name="Name28" func="var" arg="dir" op="equ" val="norm">
+                        <dgm:alg type="lin">
+                          <dgm:param type="linDir" val="fromL"/>
+                          <dgm:param type="nodeVertAlign" val="t"/>
+                        </dgm:alg>
+                      </dgm:if>
+                      <dgm:else name="Name29">
+                        <dgm:alg type="lin">
+                          <dgm:param type="linDir" val="fromR"/>
+                          <dgm:param type="nodeVertAlign" val="t"/>
+                        </dgm:alg>
+                      </dgm:else>
+                    </dgm:choose>
+                    <dgm:shape xmlns:r="http://schemas.openxmlformats.org/officeDocument/2006/relationships" r:blip="">
+                      <dgm:adjLst/>
+                    </dgm:shape>
+                    <dgm:presOf/>
+                    <dgm:layoutNode name="horzSpace3">
+                      <dgm:alg type="sp"/>
+                      <dgm:shape xmlns:r="http://schemas.openxmlformats.org/officeDocument/2006/relationships" r:blip="">
+                        <dgm:adjLst/>
+                      </dgm:shape>
+                      <dgm:presOf/>
+                    </dgm:layoutNode>
+                    <dgm:layoutNode name="tx3" styleLbl="revTx">
+                      <dgm:alg type="tx">
+                        <dgm:param type="parTxLTRAlign" val="l"/>
+                        <dgm:param type="parTxRTLAlign" val="r"/>
+                        <dgm:param type="txAnchorVert" val="t"/>
+                      </dgm:alg>
+                      <dgm:shape xmlns:r="http://schemas.openxmlformats.org/officeDocument/2006/relationships" type="rect" r:blip="">
+                        <dgm:adjLst/>
+                      </dgm:shape>
+                      <dgm:presOf axis="self"/>
+                      <dgm:constrLst>
+                        <dgm:constr type="tMarg" refType="primFontSz" fact="0.3"/>
+                        <dgm:constr type="bMarg" refType="primFontSz" fact="0.3"/>
+                        <dgm:constr type="lMarg" refType="primFontSz" fact="0.3"/>
+                        <dgm:constr type="rMarg" refType="primFontSz" fact="0.3"/>
+                      </dgm:constrLst>
+                      <dgm:ruleLst>
+                        <dgm:rule type="primFontSz" val="5" fact="NaN" max="NaN"/>
+                      </dgm:ruleLst>
+                    </dgm:layoutNode>
+                    <dgm:layoutNode name="vert3">
+                      <dgm:choose name="Name30">
+                        <dgm:if name="Name31" func="var" arg="dir" op="equ" val="norm">
+                          <dgm:alg type="lin">
+                            <dgm:param type="linDir" val="fromT"/>
+                            <dgm:param type="nodeHorzAlign" val="l"/>
+                          </dgm:alg>
+                        </dgm:if>
+                        <dgm:else name="Name32">
+                          <dgm:alg type="lin">
+                            <dgm:param type="linDir" val="fromT"/>
+                            <dgm:param type="nodeHorzAlign" val="r"/>
+                          </dgm:alg>
+                        </dgm:else>
+                      </dgm:choose>
+                      <dgm:shape xmlns:r="http://schemas.openxmlformats.org/officeDocument/2006/relationships" r:blip="">
+                        <dgm:adjLst/>
+                      </dgm:shape>
+                      <dgm:presOf/>
+                      <dgm:forEach name="Name33" axis="ch" ptType="node">
+                        <dgm:layoutNode name="horz4">
+                          <dgm:choose name="Name34">
+                            <dgm:if name="Name35" func="var" arg="dir" op="equ" val="norm">
+                              <dgm:alg type="lin">
+                                <dgm:param type="linDir" val="fromL"/>
+                                <dgm:param type="nodeVertAlign" val="t"/>
+                              </dgm:alg>
+                            </dgm:if>
+                            <dgm:else name="Name36">
+                              <dgm:alg type="lin">
+                                <dgm:param type="linDir" val="fromR"/>
+                                <dgm:param type="nodeVertAlign" val="t"/>
+                              </dgm:alg>
+                            </dgm:else>
+                          </dgm:choose>
+                          <dgm:shape xmlns:r="http://schemas.openxmlformats.org/officeDocument/2006/relationships" r:blip="">
+                            <dgm:adjLst/>
+                          </dgm:shape>
+                          <dgm:presOf/>
+                          <dgm:layoutNode name="horzSpace4">
+                            <dgm:alg type="sp"/>
+                            <dgm:shape xmlns:r="http://schemas.openxmlformats.org/officeDocument/2006/relationships" r:blip="">
+                              <dgm:adjLst/>
+                            </dgm:shape>
+                            <dgm:presOf/>
+                          </dgm:layoutNode>
+                          <dgm:layoutNode name="tx4" styleLbl="revTx">
+                            <dgm:varLst>
+                              <dgm:bulletEnabled val="1"/>
+                            </dgm:varLst>
+                            <dgm:alg type="tx">
+                              <dgm:param type="parTxLTRAlign" val="l"/>
+                              <dgm:param type="parTxRTLAlign" val="r"/>
+                              <dgm:param type="txAnchorVert" val="t"/>
+                            </dgm:alg>
+                            <dgm:shape xmlns:r="http://schemas.openxmlformats.org/officeDocument/2006/relationships" type="rect" r:blip="">
+                              <dgm:adjLst/>
+                            </dgm:shape>
+                            <dgm:presOf axis="desOrSelf" ptType="node"/>
+                            <dgm:constrLst>
+                              <dgm:constr type="tMarg" refType="primFontSz" fact="0.3"/>
+                              <dgm:constr type="bMarg" refType="primFontSz" fact="0.3"/>
+                              <dgm:constr type="lMarg" refType="primFontSz" fact="0.3"/>
+                              <dgm:constr type="rMarg" refType="primFontSz" fact="0.3"/>
+                            </dgm:constrLst>
+                            <dgm:ruleLst>
+                              <dgm:rule type="primFontSz" val="5" fact="NaN" max="NaN"/>
+                            </dgm:ruleLst>
+                          </dgm:layoutNode>
+                        </dgm:layoutNode>
+                      </dgm:forEach>
+                    </dgm:layoutNode>
+                  </dgm:layoutNode>
+                  <dgm:forEach name="Name37" axis="followSib" ptType="sibTrans" cnt="1">
+                    <dgm:layoutNode name="thinLine3" styleLbl="callout">
+                      <dgm:alg type="sp"/>
+                      <dgm:shape xmlns:r="http://schemas.openxmlformats.org/officeDocument/2006/relationships" type="line" r:blip="">
+                        <dgm:adjLst/>
+                      </dgm:shape>
+                      <dgm:presOf/>
+                    </dgm:layoutNode>
+                  </dgm:forEach>
+                </dgm:forEach>
+              </dgm:layoutNode>
+            </dgm:layoutNode>
+            <dgm:layoutNode name="thinLine2b" styleLbl="callout">
+              <dgm:alg type="sp"/>
+              <dgm:shape xmlns:r="http://schemas.openxmlformats.org/officeDocument/2006/relationships" type="line" r:blip="">
+                <dgm:adjLst/>
+              </dgm:shape>
+              <dgm:presOf/>
+            </dgm:layoutNode>
+            <dgm:layoutNode name="vertSpace2b">
+              <dgm:alg type="sp"/>
+              <dgm:shape xmlns:r="http://schemas.openxmlformats.org/officeDocument/2006/relationships" r:blip="">
+                <dgm:adjLst/>
+              </dgm:shape>
+              <dgm:presOf/>
+            </dgm:layoutNode>
+          </dgm:forEach>
+        </dgm:layoutNode>
+      </dgm:layoutNode>
+    </dgm:forEach>
+  </dgm:layoutNode>
+</dgm:layoutDef>
+</file>
+
 <file path=ppt/diagrams/quickStyle1.xml><?xml version="1.0" encoding="utf-8"?>
 <dgm:styleDef xmlns:dgm="http://schemas.openxmlformats.org/drawingml/2006/diagram" xmlns:a="http://schemas.openxmlformats.org/drawingml/2006/main" uniqueId="urn:microsoft.com/office/officeart/2005/8/quickstyle/simple1">
   <dgm:title val=""/>
@@ -6702,6 +10909,2074 @@
 </file>
 
 <file path=ppt/diagrams/quickStyle3.xml><?xml version="1.0" encoding="utf-8"?>
+<dgm:styleDef xmlns:dgm="http://schemas.openxmlformats.org/drawingml/2006/diagram" xmlns:a="http://schemas.openxmlformats.org/drawingml/2006/main" uniqueId="urn:microsoft.com/office/officeart/2005/8/quickstyle/simple1">
+  <dgm:title val=""/>
+  <dgm:desc val=""/>
+  <dgm:catLst>
+    <dgm:cat type="simple" pri="10100"/>
+  </dgm:catLst>
+  <dgm:scene3d>
+    <a:camera prst="orthographicFront"/>
+    <a:lightRig rig="threePt" dir="t"/>
+  </dgm:scene3d>
+  <dgm:styleLbl name="node0">
+    <dgm:scene3d>
+      <a:camera prst="orthographicFront"/>
+      <a:lightRig rig="threePt" dir="t"/>
+    </dgm:scene3d>
+    <dgm:sp3d/>
+    <dgm:txPr/>
+    <dgm:style>
+      <a:lnRef idx="2">
+        <a:scrgbClr r="0" g="0" b="0"/>
+      </a:lnRef>
+      <a:fillRef idx="1">
+        <a:scrgbClr r="0" g="0" b="0"/>
+      </a:fillRef>
+      <a:effectRef idx="0">
+        <a:scrgbClr r="0" g="0" b="0"/>
+      </a:effectRef>
+      <a:fontRef idx="minor">
+        <a:schemeClr val="lt1"/>
+      </a:fontRef>
+    </dgm:style>
+  </dgm:styleLbl>
+  <dgm:styleLbl name="lnNode1">
+    <dgm:scene3d>
+      <a:camera prst="orthographicFront"/>
+      <a:lightRig rig="threePt" dir="t"/>
+    </dgm:scene3d>
+    <dgm:sp3d/>
+    <dgm:txPr/>
+    <dgm:style>
+      <a:lnRef idx="2">
+        <a:scrgbClr r="0" g="0" b="0"/>
+      </a:lnRef>
+      <a:fillRef idx="1">
+        <a:scrgbClr r="0" g="0" b="0"/>
+      </a:fillRef>
+      <a:effectRef idx="0">
+        <a:scrgbClr r="0" g="0" b="0"/>
+      </a:effectRef>
+      <a:fontRef idx="minor">
+        <a:schemeClr val="lt1"/>
+      </a:fontRef>
+    </dgm:style>
+  </dgm:styleLbl>
+  <dgm:styleLbl name="vennNode1">
+    <dgm:scene3d>
+      <a:camera prst="orthographicFront"/>
+      <a:lightRig rig="threePt" dir="t"/>
+    </dgm:scene3d>
+    <dgm:sp3d/>
+    <dgm:txPr/>
+    <dgm:style>
+      <a:lnRef idx="2">
+        <a:scrgbClr r="0" g="0" b="0"/>
+      </a:lnRef>
+      <a:fillRef idx="1">
+        <a:scrgbClr r="0" g="0" b="0"/>
+      </a:fillRef>
+      <a:effectRef idx="0">
+        <a:scrgbClr r="0" g="0" b="0"/>
+      </a:effectRef>
+      <a:fontRef idx="minor">
+        <a:schemeClr val="tx1"/>
+      </a:fontRef>
+    </dgm:style>
+  </dgm:styleLbl>
+  <dgm:styleLbl name="alignNode1">
+    <dgm:scene3d>
+      <a:camera prst="orthographicFront"/>
+      <a:lightRig rig="threePt" dir="t"/>
+    </dgm:scene3d>
+    <dgm:sp3d/>
+    <dgm:txPr/>
+    <dgm:style>
+      <a:lnRef idx="2">
+        <a:scrgbClr r="0" g="0" b="0"/>
+      </a:lnRef>
+      <a:fillRef idx="1">
+        <a:scrgbClr r="0" g="0" b="0"/>
+      </a:fillRef>
+      <a:effectRef idx="0">
+        <a:scrgbClr r="0" g="0" b="0"/>
+      </a:effectRef>
+      <a:fontRef idx="minor">
+        <a:schemeClr val="lt1"/>
+      </a:fontRef>
+    </dgm:style>
+  </dgm:styleLbl>
+  <dgm:styleLbl name="node1">
+    <dgm:scene3d>
+      <a:camera prst="orthographicFront"/>
+      <a:lightRig rig="threePt" dir="t"/>
+    </dgm:scene3d>
+    <dgm:sp3d/>
+    <dgm:txPr/>
+    <dgm:style>
+      <a:lnRef idx="2">
+        <a:scrgbClr r="0" g="0" b="0"/>
+      </a:lnRef>
+      <a:fillRef idx="1">
+        <a:scrgbClr r="0" g="0" b="0"/>
+      </a:fillRef>
+      <a:effectRef idx="0">
+        <a:scrgbClr r="0" g="0" b="0"/>
+      </a:effectRef>
+      <a:fontRef idx="minor">
+        <a:schemeClr val="lt1"/>
+      </a:fontRef>
+    </dgm:style>
+  </dgm:styleLbl>
+  <dgm:styleLbl name="node2">
+    <dgm:scene3d>
+      <a:camera prst="orthographicFront"/>
+      <a:lightRig rig="threePt" dir="t"/>
+    </dgm:scene3d>
+    <dgm:sp3d/>
+    <dgm:txPr/>
+    <dgm:style>
+      <a:lnRef idx="2">
+        <a:scrgbClr r="0" g="0" b="0"/>
+      </a:lnRef>
+      <a:fillRef idx="1">
+        <a:scrgbClr r="0" g="0" b="0"/>
+      </a:fillRef>
+      <a:effectRef idx="0">
+        <a:scrgbClr r="0" g="0" b="0"/>
+      </a:effectRef>
+      <a:fontRef idx="minor">
+        <a:schemeClr val="lt1"/>
+      </a:fontRef>
+    </dgm:style>
+  </dgm:styleLbl>
+  <dgm:styleLbl name="node3">
+    <dgm:scene3d>
+      <a:camera prst="orthographicFront"/>
+      <a:lightRig rig="threePt" dir="t"/>
+    </dgm:scene3d>
+    <dgm:sp3d/>
+    <dgm:txPr/>
+    <dgm:style>
+      <a:lnRef idx="2">
+        <a:scrgbClr r="0" g="0" b="0"/>
+      </a:lnRef>
+      <a:fillRef idx="1">
+        <a:scrgbClr r="0" g="0" b="0"/>
+      </a:fillRef>
+      <a:effectRef idx="0">
+        <a:scrgbClr r="0" g="0" b="0"/>
+      </a:effectRef>
+      <a:fontRef idx="minor">
+        <a:schemeClr val="lt1"/>
+      </a:fontRef>
+    </dgm:style>
+  </dgm:styleLbl>
+  <dgm:styleLbl name="node4">
+    <dgm:scene3d>
+      <a:camera prst="orthographicFront"/>
+      <a:lightRig rig="threePt" dir="t"/>
+    </dgm:scene3d>
+    <dgm:sp3d/>
+    <dgm:txPr/>
+    <dgm:style>
+      <a:lnRef idx="2">
+        <a:scrgbClr r="0" g="0" b="0"/>
+      </a:lnRef>
+      <a:fillRef idx="1">
+        <a:scrgbClr r="0" g="0" b="0"/>
+      </a:fillRef>
+      <a:effectRef idx="0">
+        <a:scrgbClr r="0" g="0" b="0"/>
+      </a:effectRef>
+      <a:fontRef idx="minor">
+        <a:schemeClr val="lt1"/>
+      </a:fontRef>
+    </dgm:style>
+  </dgm:styleLbl>
+  <dgm:styleLbl name="fgImgPlace1">
+    <dgm:scene3d>
+      <a:camera prst="orthographicFront"/>
+      <a:lightRig rig="threePt" dir="t"/>
+    </dgm:scene3d>
+    <dgm:sp3d/>
+    <dgm:txPr/>
+    <dgm:style>
+      <a:lnRef idx="2">
+        <a:scrgbClr r="0" g="0" b="0"/>
+      </a:lnRef>
+      <a:fillRef idx="1">
+        <a:scrgbClr r="0" g="0" b="0"/>
+      </a:fillRef>
+      <a:effectRef idx="0">
+        <a:scrgbClr r="0" g="0" b="0"/>
+      </a:effectRef>
+      <a:fontRef idx="minor"/>
+    </dgm:style>
+  </dgm:styleLbl>
+  <dgm:styleLbl name="alignImgPlace1">
+    <dgm:scene3d>
+      <a:camera prst="orthographicFront"/>
+      <a:lightRig rig="threePt" dir="t"/>
+    </dgm:scene3d>
+    <dgm:sp3d/>
+    <dgm:txPr/>
+    <dgm:style>
+      <a:lnRef idx="2">
+        <a:scrgbClr r="0" g="0" b="0"/>
+      </a:lnRef>
+      <a:fillRef idx="1">
+        <a:scrgbClr r="0" g="0" b="0"/>
+      </a:fillRef>
+      <a:effectRef idx="0">
+        <a:scrgbClr r="0" g="0" b="0"/>
+      </a:effectRef>
+      <a:fontRef idx="minor"/>
+    </dgm:style>
+  </dgm:styleLbl>
+  <dgm:styleLbl name="bgImgPlace1">
+    <dgm:scene3d>
+      <a:camera prst="orthographicFront"/>
+      <a:lightRig rig="threePt" dir="t"/>
+    </dgm:scene3d>
+    <dgm:sp3d/>
+    <dgm:txPr/>
+    <dgm:style>
+      <a:lnRef idx="2">
+        <a:scrgbClr r="0" g="0" b="0"/>
+      </a:lnRef>
+      <a:fillRef idx="1">
+        <a:scrgbClr r="0" g="0" b="0"/>
+      </a:fillRef>
+      <a:effectRef idx="0">
+        <a:scrgbClr r="0" g="0" b="0"/>
+      </a:effectRef>
+      <a:fontRef idx="minor"/>
+    </dgm:style>
+  </dgm:styleLbl>
+  <dgm:styleLbl name="sibTrans2D1">
+    <dgm:scene3d>
+      <a:camera prst="orthographicFront"/>
+      <a:lightRig rig="threePt" dir="t"/>
+    </dgm:scene3d>
+    <dgm:sp3d/>
+    <dgm:txPr/>
+    <dgm:style>
+      <a:lnRef idx="0">
+        <a:scrgbClr r="0" g="0" b="0"/>
+      </a:lnRef>
+      <a:fillRef idx="1">
+        <a:scrgbClr r="0" g="0" b="0"/>
+      </a:fillRef>
+      <a:effectRef idx="0">
+        <a:scrgbClr r="0" g="0" b="0"/>
+      </a:effectRef>
+      <a:fontRef idx="minor">
+        <a:schemeClr val="lt1"/>
+      </a:fontRef>
+    </dgm:style>
+  </dgm:styleLbl>
+  <dgm:styleLbl name="fgSibTrans2D1">
+    <dgm:scene3d>
+      <a:camera prst="orthographicFront"/>
+      <a:lightRig rig="threePt" dir="t"/>
+    </dgm:scene3d>
+    <dgm:sp3d/>
+    <dgm:txPr/>
+    <dgm:style>
+      <a:lnRef idx="0">
+        <a:scrgbClr r="0" g="0" b="0"/>
+      </a:lnRef>
+      <a:fillRef idx="1">
+        <a:scrgbClr r="0" g="0" b="0"/>
+      </a:fillRef>
+      <a:effectRef idx="0">
+        <a:scrgbClr r="0" g="0" b="0"/>
+      </a:effectRef>
+      <a:fontRef idx="minor">
+        <a:schemeClr val="lt1"/>
+      </a:fontRef>
+    </dgm:style>
+  </dgm:styleLbl>
+  <dgm:styleLbl name="bgSibTrans2D1">
+    <dgm:scene3d>
+      <a:camera prst="orthographicFront"/>
+      <a:lightRig rig="threePt" dir="t"/>
+    </dgm:scene3d>
+    <dgm:sp3d/>
+    <dgm:txPr/>
+    <dgm:style>
+      <a:lnRef idx="0">
+        <a:scrgbClr r="0" g="0" b="0"/>
+      </a:lnRef>
+      <a:fillRef idx="1">
+        <a:scrgbClr r="0" g="0" b="0"/>
+      </a:fillRef>
+      <a:effectRef idx="0">
+        <a:scrgbClr r="0" g="0" b="0"/>
+      </a:effectRef>
+      <a:fontRef idx="minor">
+        <a:schemeClr val="lt1"/>
+      </a:fontRef>
+    </dgm:style>
+  </dgm:styleLbl>
+  <dgm:styleLbl name="sibTrans1D1">
+    <dgm:scene3d>
+      <a:camera prst="orthographicFront"/>
+      <a:lightRig rig="threePt" dir="t"/>
+    </dgm:scene3d>
+    <dgm:sp3d/>
+    <dgm:txPr/>
+    <dgm:style>
+      <a:lnRef idx="1">
+        <a:scrgbClr r="0" g="0" b="0"/>
+      </a:lnRef>
+      <a:fillRef idx="0">
+        <a:scrgbClr r="0" g="0" b="0"/>
+      </a:fillRef>
+      <a:effectRef idx="0">
+        <a:scrgbClr r="0" g="0" b="0"/>
+      </a:effectRef>
+      <a:fontRef idx="minor"/>
+    </dgm:style>
+  </dgm:styleLbl>
+  <dgm:styleLbl name="callout">
+    <dgm:scene3d>
+      <a:camera prst="orthographicFront"/>
+      <a:lightRig rig="threePt" dir="t"/>
+    </dgm:scene3d>
+    <dgm:sp3d/>
+    <dgm:txPr/>
+    <dgm:style>
+      <a:lnRef idx="2">
+        <a:scrgbClr r="0" g="0" b="0"/>
+      </a:lnRef>
+      <a:fillRef idx="1">
+        <a:scrgbClr r="0" g="0" b="0"/>
+      </a:fillRef>
+      <a:effectRef idx="0">
+        <a:scrgbClr r="0" g="0" b="0"/>
+      </a:effectRef>
+      <a:fontRef idx="minor"/>
+    </dgm:style>
+  </dgm:styleLbl>
+  <dgm:styleLbl name="asst0">
+    <dgm:scene3d>
+      <a:camera prst="orthographicFront"/>
+      <a:lightRig rig="threePt" dir="t"/>
+    </dgm:scene3d>
+    <dgm:sp3d/>
+    <dgm:txPr/>
+    <dgm:style>
+      <a:lnRef idx="2">
+        <a:scrgbClr r="0" g="0" b="0"/>
+      </a:lnRef>
+      <a:fillRef idx="1">
+        <a:scrgbClr r="0" g="0" b="0"/>
+      </a:fillRef>
+      <a:effectRef idx="0">
+        <a:scrgbClr r="0" g="0" b="0"/>
+      </a:effectRef>
+      <a:fontRef idx="minor">
+        <a:schemeClr val="lt1"/>
+      </a:fontRef>
+    </dgm:style>
+  </dgm:styleLbl>
+  <dgm:styleLbl name="asst1">
+    <dgm:scene3d>
+      <a:camera prst="orthographicFront"/>
+      <a:lightRig rig="threePt" dir="t"/>
+    </dgm:scene3d>
+    <dgm:sp3d/>
+    <dgm:txPr/>
+    <dgm:style>
+      <a:lnRef idx="2">
+        <a:scrgbClr r="0" g="0" b="0"/>
+      </a:lnRef>
+      <a:fillRef idx="1">
+        <a:scrgbClr r="0" g="0" b="0"/>
+      </a:fillRef>
+      <a:effectRef idx="0">
+        <a:scrgbClr r="0" g="0" b="0"/>
+      </a:effectRef>
+      <a:fontRef idx="minor">
+        <a:schemeClr val="lt1"/>
+      </a:fontRef>
+    </dgm:style>
+  </dgm:styleLbl>
+  <dgm:styleLbl name="asst2">
+    <dgm:scene3d>
+      <a:camera prst="orthographicFront"/>
+      <a:lightRig rig="threePt" dir="t"/>
+    </dgm:scene3d>
+    <dgm:sp3d/>
+    <dgm:txPr/>
+    <dgm:style>
+      <a:lnRef idx="2">
+        <a:scrgbClr r="0" g="0" b="0"/>
+      </a:lnRef>
+      <a:fillRef idx="1">
+        <a:scrgbClr r="0" g="0" b="0"/>
+      </a:fillRef>
+      <a:effectRef idx="0">
+        <a:scrgbClr r="0" g="0" b="0"/>
+      </a:effectRef>
+      <a:fontRef idx="minor">
+        <a:schemeClr val="lt1"/>
+      </a:fontRef>
+    </dgm:style>
+  </dgm:styleLbl>
+  <dgm:styleLbl name="asst3">
+    <dgm:scene3d>
+      <a:camera prst="orthographicFront"/>
+      <a:lightRig rig="threePt" dir="t"/>
+    </dgm:scene3d>
+    <dgm:sp3d/>
+    <dgm:txPr/>
+    <dgm:style>
+      <a:lnRef idx="2">
+        <a:scrgbClr r="0" g="0" b="0"/>
+      </a:lnRef>
+      <a:fillRef idx="1">
+        <a:scrgbClr r="0" g="0" b="0"/>
+      </a:fillRef>
+      <a:effectRef idx="0">
+        <a:scrgbClr r="0" g="0" b="0"/>
+      </a:effectRef>
+      <a:fontRef idx="minor">
+        <a:schemeClr val="lt1"/>
+      </a:fontRef>
+    </dgm:style>
+  </dgm:styleLbl>
+  <dgm:styleLbl name="asst4">
+    <dgm:scene3d>
+      <a:camera prst="orthographicFront"/>
+      <a:lightRig rig="threePt" dir="t"/>
+    </dgm:scene3d>
+    <dgm:sp3d/>
+    <dgm:txPr/>
+    <dgm:style>
+      <a:lnRef idx="2">
+        <a:scrgbClr r="0" g="0" b="0"/>
+      </a:lnRef>
+      <a:fillRef idx="1">
+        <a:scrgbClr r="0" g="0" b="0"/>
+      </a:fillRef>
+      <a:effectRef idx="0">
+        <a:scrgbClr r="0" g="0" b="0"/>
+      </a:effectRef>
+      <a:fontRef idx="minor">
+        <a:schemeClr val="lt1"/>
+      </a:fontRef>
+    </dgm:style>
+  </dgm:styleLbl>
+  <dgm:styleLbl name="parChTrans2D1">
+    <dgm:scene3d>
+      <a:camera prst="orthographicFront"/>
+      <a:lightRig rig="threePt" dir="t"/>
+    </dgm:scene3d>
+    <dgm:sp3d/>
+    <dgm:txPr/>
+    <dgm:style>
+      <a:lnRef idx="2">
+        <a:scrgbClr r="0" g="0" b="0"/>
+      </a:lnRef>
+      <a:fillRef idx="1">
+        <a:scrgbClr r="0" g="0" b="0"/>
+      </a:fillRef>
+      <a:effectRef idx="0">
+        <a:scrgbClr r="0" g="0" b="0"/>
+      </a:effectRef>
+      <a:fontRef idx="minor">
+        <a:schemeClr val="lt1"/>
+      </a:fontRef>
+    </dgm:style>
+  </dgm:styleLbl>
+  <dgm:styleLbl name="parChTrans2D2">
+    <dgm:scene3d>
+      <a:camera prst="orthographicFront"/>
+      <a:lightRig rig="threePt" dir="t"/>
+    </dgm:scene3d>
+    <dgm:sp3d/>
+    <dgm:txPr/>
+    <dgm:style>
+      <a:lnRef idx="2">
+        <a:scrgbClr r="0" g="0" b="0"/>
+      </a:lnRef>
+      <a:fillRef idx="1">
+        <a:scrgbClr r="0" g="0" b="0"/>
+      </a:fillRef>
+      <a:effectRef idx="0">
+        <a:scrgbClr r="0" g="0" b="0"/>
+      </a:effectRef>
+      <a:fontRef idx="minor">
+        <a:schemeClr val="lt1"/>
+      </a:fontRef>
+    </dgm:style>
+  </dgm:styleLbl>
+  <dgm:styleLbl name="parChTrans2D3">
+    <dgm:scene3d>
+      <a:camera prst="orthographicFront"/>
+      <a:lightRig rig="threePt" dir="t"/>
+    </dgm:scene3d>
+    <dgm:sp3d/>
+    <dgm:txPr/>
+    <dgm:style>
+      <a:lnRef idx="2">
+        <a:scrgbClr r="0" g="0" b="0"/>
+      </a:lnRef>
+      <a:fillRef idx="1">
+        <a:scrgbClr r="0" g="0" b="0"/>
+      </a:fillRef>
+      <a:effectRef idx="0">
+        <a:scrgbClr r="0" g="0" b="0"/>
+      </a:effectRef>
+      <a:fontRef idx="minor">
+        <a:schemeClr val="lt1"/>
+      </a:fontRef>
+    </dgm:style>
+  </dgm:styleLbl>
+  <dgm:styleLbl name="parChTrans2D4">
+    <dgm:scene3d>
+      <a:camera prst="orthographicFront"/>
+      <a:lightRig rig="threePt" dir="t"/>
+    </dgm:scene3d>
+    <dgm:sp3d/>
+    <dgm:txPr/>
+    <dgm:style>
+      <a:lnRef idx="2">
+        <a:scrgbClr r="0" g="0" b="0"/>
+      </a:lnRef>
+      <a:fillRef idx="1">
+        <a:scrgbClr r="0" g="0" b="0"/>
+      </a:fillRef>
+      <a:effectRef idx="0">
+        <a:scrgbClr r="0" g="0" b="0"/>
+      </a:effectRef>
+      <a:fontRef idx="minor">
+        <a:schemeClr val="lt1"/>
+      </a:fontRef>
+    </dgm:style>
+  </dgm:styleLbl>
+  <dgm:styleLbl name="parChTrans1D1">
+    <dgm:scene3d>
+      <a:camera prst="orthographicFront"/>
+      <a:lightRig rig="threePt" dir="t"/>
+    </dgm:scene3d>
+    <dgm:sp3d/>
+    <dgm:txPr/>
+    <dgm:style>
+      <a:lnRef idx="2">
+        <a:scrgbClr r="0" g="0" b="0"/>
+      </a:lnRef>
+      <a:fillRef idx="0">
+        <a:scrgbClr r="0" g="0" b="0"/>
+      </a:fillRef>
+      <a:effectRef idx="0">
+        <a:scrgbClr r="0" g="0" b="0"/>
+      </a:effectRef>
+      <a:fontRef idx="minor"/>
+    </dgm:style>
+  </dgm:styleLbl>
+  <dgm:styleLbl name="parChTrans1D2">
+    <dgm:scene3d>
+      <a:camera prst="orthographicFront"/>
+      <a:lightRig rig="threePt" dir="t"/>
+    </dgm:scene3d>
+    <dgm:sp3d/>
+    <dgm:txPr/>
+    <dgm:style>
+      <a:lnRef idx="2">
+        <a:scrgbClr r="0" g="0" b="0"/>
+      </a:lnRef>
+      <a:fillRef idx="0">
+        <a:scrgbClr r="0" g="0" b="0"/>
+      </a:fillRef>
+      <a:effectRef idx="0">
+        <a:scrgbClr r="0" g="0" b="0"/>
+      </a:effectRef>
+      <a:fontRef idx="minor"/>
+    </dgm:style>
+  </dgm:styleLbl>
+  <dgm:styleLbl name="parChTrans1D3">
+    <dgm:scene3d>
+      <a:camera prst="orthographicFront"/>
+      <a:lightRig rig="threePt" dir="t"/>
+    </dgm:scene3d>
+    <dgm:sp3d/>
+    <dgm:txPr/>
+    <dgm:style>
+      <a:lnRef idx="2">
+        <a:scrgbClr r="0" g="0" b="0"/>
+      </a:lnRef>
+      <a:fillRef idx="0">
+        <a:scrgbClr r="0" g="0" b="0"/>
+      </a:fillRef>
+      <a:effectRef idx="0">
+        <a:scrgbClr r="0" g="0" b="0"/>
+      </a:effectRef>
+      <a:fontRef idx="minor"/>
+    </dgm:style>
+  </dgm:styleLbl>
+  <dgm:styleLbl name="parChTrans1D4">
+    <dgm:scene3d>
+      <a:camera prst="orthographicFront"/>
+      <a:lightRig rig="threePt" dir="t"/>
+    </dgm:scene3d>
+    <dgm:sp3d/>
+    <dgm:txPr/>
+    <dgm:style>
+      <a:lnRef idx="2">
+        <a:scrgbClr r="0" g="0" b="0"/>
+      </a:lnRef>
+      <a:fillRef idx="0">
+        <a:scrgbClr r="0" g="0" b="0"/>
+      </a:fillRef>
+      <a:effectRef idx="0">
+        <a:scrgbClr r="0" g="0" b="0"/>
+      </a:effectRef>
+      <a:fontRef idx="minor"/>
+    </dgm:style>
+  </dgm:styleLbl>
+  <dgm:styleLbl name="fgAcc1">
+    <dgm:scene3d>
+      <a:camera prst="orthographicFront"/>
+      <a:lightRig rig="threePt" dir="t"/>
+    </dgm:scene3d>
+    <dgm:sp3d/>
+    <dgm:txPr/>
+    <dgm:style>
+      <a:lnRef idx="2">
+        <a:scrgbClr r="0" g="0" b="0"/>
+      </a:lnRef>
+      <a:fillRef idx="1">
+        <a:scrgbClr r="0" g="0" b="0"/>
+      </a:fillRef>
+      <a:effectRef idx="0">
+        <a:scrgbClr r="0" g="0" b="0"/>
+      </a:effectRef>
+      <a:fontRef idx="minor"/>
+    </dgm:style>
+  </dgm:styleLbl>
+  <dgm:styleLbl name="conFgAcc1">
+    <dgm:scene3d>
+      <a:camera prst="orthographicFront"/>
+      <a:lightRig rig="threePt" dir="t"/>
+    </dgm:scene3d>
+    <dgm:sp3d/>
+    <dgm:txPr/>
+    <dgm:style>
+      <a:lnRef idx="2">
+        <a:scrgbClr r="0" g="0" b="0"/>
+      </a:lnRef>
+      <a:fillRef idx="1">
+        <a:scrgbClr r="0" g="0" b="0"/>
+      </a:fillRef>
+      <a:effectRef idx="0">
+        <a:scrgbClr r="0" g="0" b="0"/>
+      </a:effectRef>
+      <a:fontRef idx="minor"/>
+    </dgm:style>
+  </dgm:styleLbl>
+  <dgm:styleLbl name="alignAcc1">
+    <dgm:scene3d>
+      <a:camera prst="orthographicFront"/>
+      <a:lightRig rig="threePt" dir="t"/>
+    </dgm:scene3d>
+    <dgm:sp3d/>
+    <dgm:txPr/>
+    <dgm:style>
+      <a:lnRef idx="2">
+        <a:scrgbClr r="0" g="0" b="0"/>
+      </a:lnRef>
+      <a:fillRef idx="1">
+        <a:scrgbClr r="0" g="0" b="0"/>
+      </a:fillRef>
+      <a:effectRef idx="0">
+        <a:scrgbClr r="0" g="0" b="0"/>
+      </a:effectRef>
+      <a:fontRef idx="minor"/>
+    </dgm:style>
+  </dgm:styleLbl>
+  <dgm:styleLbl name="trAlignAcc1">
+    <dgm:scene3d>
+      <a:camera prst="orthographicFront"/>
+      <a:lightRig rig="threePt" dir="t"/>
+    </dgm:scene3d>
+    <dgm:sp3d/>
+    <dgm:txPr/>
+    <dgm:style>
+      <a:lnRef idx="1">
+        <a:scrgbClr r="0" g="0" b="0"/>
+      </a:lnRef>
+      <a:fillRef idx="1">
+        <a:scrgbClr r="0" g="0" b="0"/>
+      </a:fillRef>
+      <a:effectRef idx="0">
+        <a:scrgbClr r="0" g="0" b="0"/>
+      </a:effectRef>
+      <a:fontRef idx="minor"/>
+    </dgm:style>
+  </dgm:styleLbl>
+  <dgm:styleLbl name="bgAcc1">
+    <dgm:scene3d>
+      <a:camera prst="orthographicFront"/>
+      <a:lightRig rig="threePt" dir="t"/>
+    </dgm:scene3d>
+    <dgm:sp3d/>
+    <dgm:txPr/>
+    <dgm:style>
+      <a:lnRef idx="2">
+        <a:scrgbClr r="0" g="0" b="0"/>
+      </a:lnRef>
+      <a:fillRef idx="1">
+        <a:scrgbClr r="0" g="0" b="0"/>
+      </a:fillRef>
+      <a:effectRef idx="0">
+        <a:scrgbClr r="0" g="0" b="0"/>
+      </a:effectRef>
+      <a:fontRef idx="minor"/>
+    </dgm:style>
+  </dgm:styleLbl>
+  <dgm:styleLbl name="solidFgAcc1">
+    <dgm:scene3d>
+      <a:camera prst="orthographicFront"/>
+      <a:lightRig rig="threePt" dir="t"/>
+    </dgm:scene3d>
+    <dgm:sp3d/>
+    <dgm:txPr/>
+    <dgm:style>
+      <a:lnRef idx="2">
+        <a:scrgbClr r="0" g="0" b="0"/>
+      </a:lnRef>
+      <a:fillRef idx="1">
+        <a:scrgbClr r="0" g="0" b="0"/>
+      </a:fillRef>
+      <a:effectRef idx="0">
+        <a:scrgbClr r="0" g="0" b="0"/>
+      </a:effectRef>
+      <a:fontRef idx="minor"/>
+    </dgm:style>
+  </dgm:styleLbl>
+  <dgm:styleLbl name="solidAlignAcc1">
+    <dgm:scene3d>
+      <a:camera prst="orthographicFront"/>
+      <a:lightRig rig="threePt" dir="t"/>
+    </dgm:scene3d>
+    <dgm:sp3d/>
+    <dgm:txPr/>
+    <dgm:style>
+      <a:lnRef idx="2">
+        <a:scrgbClr r="0" g="0" b="0"/>
+      </a:lnRef>
+      <a:fillRef idx="1">
+        <a:scrgbClr r="0" g="0" b="0"/>
+      </a:fillRef>
+      <a:effectRef idx="0">
+        <a:scrgbClr r="0" g="0" b="0"/>
+      </a:effectRef>
+      <a:fontRef idx="minor"/>
+    </dgm:style>
+  </dgm:styleLbl>
+  <dgm:styleLbl name="solidBgAcc1">
+    <dgm:scene3d>
+      <a:camera prst="orthographicFront"/>
+      <a:lightRig rig="threePt" dir="t"/>
+    </dgm:scene3d>
+    <dgm:sp3d/>
+    <dgm:txPr/>
+    <dgm:style>
+      <a:lnRef idx="2">
+        <a:scrgbClr r="0" g="0" b="0"/>
+      </a:lnRef>
+      <a:fillRef idx="1">
+        <a:scrgbClr r="0" g="0" b="0"/>
+      </a:fillRef>
+      <a:effectRef idx="0">
+        <a:scrgbClr r="0" g="0" b="0"/>
+      </a:effectRef>
+      <a:fontRef idx="minor"/>
+    </dgm:style>
+  </dgm:styleLbl>
+  <dgm:styleLbl name="fgAccFollowNode1">
+    <dgm:scene3d>
+      <a:camera prst="orthographicFront"/>
+      <a:lightRig rig="threePt" dir="t"/>
+    </dgm:scene3d>
+    <dgm:sp3d/>
+    <dgm:txPr/>
+    <dgm:style>
+      <a:lnRef idx="2">
+        <a:scrgbClr r="0" g="0" b="0"/>
+      </a:lnRef>
+      <a:fillRef idx="1">
+        <a:scrgbClr r="0" g="0" b="0"/>
+      </a:fillRef>
+      <a:effectRef idx="0">
+        <a:scrgbClr r="0" g="0" b="0"/>
+      </a:effectRef>
+      <a:fontRef idx="minor"/>
+    </dgm:style>
+  </dgm:styleLbl>
+  <dgm:styleLbl name="alignAccFollowNode1">
+    <dgm:scene3d>
+      <a:camera prst="orthographicFront"/>
+      <a:lightRig rig="threePt" dir="t"/>
+    </dgm:scene3d>
+    <dgm:sp3d/>
+    <dgm:txPr/>
+    <dgm:style>
+      <a:lnRef idx="2">
+        <a:scrgbClr r="0" g="0" b="0"/>
+      </a:lnRef>
+      <a:fillRef idx="1">
+        <a:scrgbClr r="0" g="0" b="0"/>
+      </a:fillRef>
+      <a:effectRef idx="0">
+        <a:scrgbClr r="0" g="0" b="0"/>
+      </a:effectRef>
+      <a:fontRef idx="minor"/>
+    </dgm:style>
+  </dgm:styleLbl>
+  <dgm:styleLbl name="bgAccFollowNode1">
+    <dgm:scene3d>
+      <a:camera prst="orthographicFront"/>
+      <a:lightRig rig="threePt" dir="t"/>
+    </dgm:scene3d>
+    <dgm:sp3d/>
+    <dgm:txPr/>
+    <dgm:style>
+      <a:lnRef idx="2">
+        <a:scrgbClr r="0" g="0" b="0"/>
+      </a:lnRef>
+      <a:fillRef idx="1">
+        <a:scrgbClr r="0" g="0" b="0"/>
+      </a:fillRef>
+      <a:effectRef idx="0">
+        <a:scrgbClr r="0" g="0" b="0"/>
+      </a:effectRef>
+      <a:fontRef idx="minor"/>
+    </dgm:style>
+  </dgm:styleLbl>
+  <dgm:styleLbl name="fgAcc0">
+    <dgm:scene3d>
+      <a:camera prst="orthographicFront"/>
+      <a:lightRig rig="threePt" dir="t"/>
+    </dgm:scene3d>
+    <dgm:sp3d/>
+    <dgm:txPr/>
+    <dgm:style>
+      <a:lnRef idx="2">
+        <a:scrgbClr r="0" g="0" b="0"/>
+      </a:lnRef>
+      <a:fillRef idx="1">
+        <a:scrgbClr r="0" g="0" b="0"/>
+      </a:fillRef>
+      <a:effectRef idx="0">
+        <a:scrgbClr r="0" g="0" b="0"/>
+      </a:effectRef>
+      <a:fontRef idx="minor"/>
+    </dgm:style>
+  </dgm:styleLbl>
+  <dgm:styleLbl name="fgAcc2">
+    <dgm:scene3d>
+      <a:camera prst="orthographicFront"/>
+      <a:lightRig rig="threePt" dir="t"/>
+    </dgm:scene3d>
+    <dgm:sp3d/>
+    <dgm:txPr/>
+    <dgm:style>
+      <a:lnRef idx="2">
+        <a:scrgbClr r="0" g="0" b="0"/>
+      </a:lnRef>
+      <a:fillRef idx="1">
+        <a:scrgbClr r="0" g="0" b="0"/>
+      </a:fillRef>
+      <a:effectRef idx="0">
+        <a:scrgbClr r="0" g="0" b="0"/>
+      </a:effectRef>
+      <a:fontRef idx="minor"/>
+    </dgm:style>
+  </dgm:styleLbl>
+  <dgm:styleLbl name="fgAcc3">
+    <dgm:scene3d>
+      <a:camera prst="orthographicFront"/>
+      <a:lightRig rig="threePt" dir="t"/>
+    </dgm:scene3d>
+    <dgm:sp3d/>
+    <dgm:txPr/>
+    <dgm:style>
+      <a:lnRef idx="2">
+        <a:scrgbClr r="0" g="0" b="0"/>
+      </a:lnRef>
+      <a:fillRef idx="1">
+        <a:scrgbClr r="0" g="0" b="0"/>
+      </a:fillRef>
+      <a:effectRef idx="0">
+        <a:scrgbClr r="0" g="0" b="0"/>
+      </a:effectRef>
+      <a:fontRef idx="minor"/>
+    </dgm:style>
+  </dgm:styleLbl>
+  <dgm:styleLbl name="fgAcc4">
+    <dgm:scene3d>
+      <a:camera prst="orthographicFront"/>
+      <a:lightRig rig="threePt" dir="t"/>
+    </dgm:scene3d>
+    <dgm:sp3d/>
+    <dgm:txPr/>
+    <dgm:style>
+      <a:lnRef idx="2">
+        <a:scrgbClr r="0" g="0" b="0"/>
+      </a:lnRef>
+      <a:fillRef idx="1">
+        <a:scrgbClr r="0" g="0" b="0"/>
+      </a:fillRef>
+      <a:effectRef idx="0">
+        <a:scrgbClr r="0" g="0" b="0"/>
+      </a:effectRef>
+      <a:fontRef idx="minor"/>
+    </dgm:style>
+  </dgm:styleLbl>
+  <dgm:styleLbl name="bgShp">
+    <dgm:scene3d>
+      <a:camera prst="orthographicFront"/>
+      <a:lightRig rig="threePt" dir="t"/>
+    </dgm:scene3d>
+    <dgm:sp3d/>
+    <dgm:txPr/>
+    <dgm:style>
+      <a:lnRef idx="0">
+        <a:scrgbClr r="0" g="0" b="0"/>
+      </a:lnRef>
+      <a:fillRef idx="1">
+        <a:scrgbClr r="0" g="0" b="0"/>
+      </a:fillRef>
+      <a:effectRef idx="0">
+        <a:scrgbClr r="0" g="0" b="0"/>
+      </a:effectRef>
+      <a:fontRef idx="minor"/>
+    </dgm:style>
+  </dgm:styleLbl>
+  <dgm:styleLbl name="dkBgShp">
+    <dgm:scene3d>
+      <a:camera prst="orthographicFront"/>
+      <a:lightRig rig="threePt" dir="t"/>
+    </dgm:scene3d>
+    <dgm:sp3d/>
+    <dgm:txPr/>
+    <dgm:style>
+      <a:lnRef idx="0">
+        <a:scrgbClr r="0" g="0" b="0"/>
+      </a:lnRef>
+      <a:fillRef idx="1">
+        <a:scrgbClr r="0" g="0" b="0"/>
+      </a:fillRef>
+      <a:effectRef idx="0">
+        <a:scrgbClr r="0" g="0" b="0"/>
+      </a:effectRef>
+      <a:fontRef idx="minor"/>
+    </dgm:style>
+  </dgm:styleLbl>
+  <dgm:styleLbl name="trBgShp">
+    <dgm:scene3d>
+      <a:camera prst="orthographicFront"/>
+      <a:lightRig rig="threePt" dir="t"/>
+    </dgm:scene3d>
+    <dgm:sp3d/>
+    <dgm:txPr/>
+    <dgm:style>
+      <a:lnRef idx="0">
+        <a:scrgbClr r="0" g="0" b="0"/>
+      </a:lnRef>
+      <a:fillRef idx="1">
+        <a:scrgbClr r="0" g="0" b="0"/>
+      </a:fillRef>
+      <a:effectRef idx="0">
+        <a:scrgbClr r="0" g="0" b="0"/>
+      </a:effectRef>
+      <a:fontRef idx="minor"/>
+    </dgm:style>
+  </dgm:styleLbl>
+  <dgm:styleLbl name="fgShp">
+    <dgm:scene3d>
+      <a:camera prst="orthographicFront"/>
+      <a:lightRig rig="threePt" dir="t"/>
+    </dgm:scene3d>
+    <dgm:sp3d/>
+    <dgm:txPr/>
+    <dgm:style>
+      <a:lnRef idx="2">
+        <a:scrgbClr r="0" g="0" b="0"/>
+      </a:lnRef>
+      <a:fillRef idx="1">
+        <a:scrgbClr r="0" g="0" b="0"/>
+      </a:fillRef>
+      <a:effectRef idx="0">
+        <a:scrgbClr r="0" g="0" b="0"/>
+      </a:effectRef>
+      <a:fontRef idx="minor"/>
+    </dgm:style>
+  </dgm:styleLbl>
+  <dgm:styleLbl name="revTx">
+    <dgm:scene3d>
+      <a:camera prst="orthographicFront"/>
+      <a:lightRig rig="threePt" dir="t"/>
+    </dgm:scene3d>
+    <dgm:sp3d/>
+    <dgm:txPr/>
+    <dgm:style>
+      <a:lnRef idx="0">
+        <a:scrgbClr r="0" g="0" b="0"/>
+      </a:lnRef>
+      <a:fillRef idx="0">
+        <a:scrgbClr r="0" g="0" b="0"/>
+      </a:fillRef>
+      <a:effectRef idx="0">
+        <a:scrgbClr r="0" g="0" b="0"/>
+      </a:effectRef>
+      <a:fontRef idx="minor"/>
+    </dgm:style>
+  </dgm:styleLbl>
+</dgm:styleDef>
+</file>
+
+<file path=ppt/diagrams/quickStyle4.xml><?xml version="1.0" encoding="utf-8"?>
+<dgm:styleDef xmlns:dgm="http://schemas.openxmlformats.org/drawingml/2006/diagram" xmlns:a="http://schemas.openxmlformats.org/drawingml/2006/main" uniqueId="urn:microsoft.com/office/officeart/2005/8/quickstyle/simple1">
+  <dgm:title val=""/>
+  <dgm:desc val=""/>
+  <dgm:catLst>
+    <dgm:cat type="simple" pri="10100"/>
+  </dgm:catLst>
+  <dgm:scene3d>
+    <a:camera prst="orthographicFront"/>
+    <a:lightRig rig="threePt" dir="t"/>
+  </dgm:scene3d>
+  <dgm:styleLbl name="node0">
+    <dgm:scene3d>
+      <a:camera prst="orthographicFront"/>
+      <a:lightRig rig="threePt" dir="t"/>
+    </dgm:scene3d>
+    <dgm:sp3d/>
+    <dgm:txPr/>
+    <dgm:style>
+      <a:lnRef idx="2">
+        <a:scrgbClr r="0" g="0" b="0"/>
+      </a:lnRef>
+      <a:fillRef idx="1">
+        <a:scrgbClr r="0" g="0" b="0"/>
+      </a:fillRef>
+      <a:effectRef idx="0">
+        <a:scrgbClr r="0" g="0" b="0"/>
+      </a:effectRef>
+      <a:fontRef idx="minor">
+        <a:schemeClr val="lt1"/>
+      </a:fontRef>
+    </dgm:style>
+  </dgm:styleLbl>
+  <dgm:styleLbl name="lnNode1">
+    <dgm:scene3d>
+      <a:camera prst="orthographicFront"/>
+      <a:lightRig rig="threePt" dir="t"/>
+    </dgm:scene3d>
+    <dgm:sp3d/>
+    <dgm:txPr/>
+    <dgm:style>
+      <a:lnRef idx="2">
+        <a:scrgbClr r="0" g="0" b="0"/>
+      </a:lnRef>
+      <a:fillRef idx="1">
+        <a:scrgbClr r="0" g="0" b="0"/>
+      </a:fillRef>
+      <a:effectRef idx="0">
+        <a:scrgbClr r="0" g="0" b="0"/>
+      </a:effectRef>
+      <a:fontRef idx="minor">
+        <a:schemeClr val="lt1"/>
+      </a:fontRef>
+    </dgm:style>
+  </dgm:styleLbl>
+  <dgm:styleLbl name="vennNode1">
+    <dgm:scene3d>
+      <a:camera prst="orthographicFront"/>
+      <a:lightRig rig="threePt" dir="t"/>
+    </dgm:scene3d>
+    <dgm:sp3d/>
+    <dgm:txPr/>
+    <dgm:style>
+      <a:lnRef idx="2">
+        <a:scrgbClr r="0" g="0" b="0"/>
+      </a:lnRef>
+      <a:fillRef idx="1">
+        <a:scrgbClr r="0" g="0" b="0"/>
+      </a:fillRef>
+      <a:effectRef idx="0">
+        <a:scrgbClr r="0" g="0" b="0"/>
+      </a:effectRef>
+      <a:fontRef idx="minor">
+        <a:schemeClr val="tx1"/>
+      </a:fontRef>
+    </dgm:style>
+  </dgm:styleLbl>
+  <dgm:styleLbl name="alignNode1">
+    <dgm:scene3d>
+      <a:camera prst="orthographicFront"/>
+      <a:lightRig rig="threePt" dir="t"/>
+    </dgm:scene3d>
+    <dgm:sp3d/>
+    <dgm:txPr/>
+    <dgm:style>
+      <a:lnRef idx="2">
+        <a:scrgbClr r="0" g="0" b="0"/>
+      </a:lnRef>
+      <a:fillRef idx="1">
+        <a:scrgbClr r="0" g="0" b="0"/>
+      </a:fillRef>
+      <a:effectRef idx="0">
+        <a:scrgbClr r="0" g="0" b="0"/>
+      </a:effectRef>
+      <a:fontRef idx="minor">
+        <a:schemeClr val="lt1"/>
+      </a:fontRef>
+    </dgm:style>
+  </dgm:styleLbl>
+  <dgm:styleLbl name="node1">
+    <dgm:scene3d>
+      <a:camera prst="orthographicFront"/>
+      <a:lightRig rig="threePt" dir="t"/>
+    </dgm:scene3d>
+    <dgm:sp3d/>
+    <dgm:txPr/>
+    <dgm:style>
+      <a:lnRef idx="2">
+        <a:scrgbClr r="0" g="0" b="0"/>
+      </a:lnRef>
+      <a:fillRef idx="1">
+        <a:scrgbClr r="0" g="0" b="0"/>
+      </a:fillRef>
+      <a:effectRef idx="0">
+        <a:scrgbClr r="0" g="0" b="0"/>
+      </a:effectRef>
+      <a:fontRef idx="minor">
+        <a:schemeClr val="lt1"/>
+      </a:fontRef>
+    </dgm:style>
+  </dgm:styleLbl>
+  <dgm:styleLbl name="node2">
+    <dgm:scene3d>
+      <a:camera prst="orthographicFront"/>
+      <a:lightRig rig="threePt" dir="t"/>
+    </dgm:scene3d>
+    <dgm:sp3d/>
+    <dgm:txPr/>
+    <dgm:style>
+      <a:lnRef idx="2">
+        <a:scrgbClr r="0" g="0" b="0"/>
+      </a:lnRef>
+      <a:fillRef idx="1">
+        <a:scrgbClr r="0" g="0" b="0"/>
+      </a:fillRef>
+      <a:effectRef idx="0">
+        <a:scrgbClr r="0" g="0" b="0"/>
+      </a:effectRef>
+      <a:fontRef idx="minor">
+        <a:schemeClr val="lt1"/>
+      </a:fontRef>
+    </dgm:style>
+  </dgm:styleLbl>
+  <dgm:styleLbl name="node3">
+    <dgm:scene3d>
+      <a:camera prst="orthographicFront"/>
+      <a:lightRig rig="threePt" dir="t"/>
+    </dgm:scene3d>
+    <dgm:sp3d/>
+    <dgm:txPr/>
+    <dgm:style>
+      <a:lnRef idx="2">
+        <a:scrgbClr r="0" g="0" b="0"/>
+      </a:lnRef>
+      <a:fillRef idx="1">
+        <a:scrgbClr r="0" g="0" b="0"/>
+      </a:fillRef>
+      <a:effectRef idx="0">
+        <a:scrgbClr r="0" g="0" b="0"/>
+      </a:effectRef>
+      <a:fontRef idx="minor">
+        <a:schemeClr val="lt1"/>
+      </a:fontRef>
+    </dgm:style>
+  </dgm:styleLbl>
+  <dgm:styleLbl name="node4">
+    <dgm:scene3d>
+      <a:camera prst="orthographicFront"/>
+      <a:lightRig rig="threePt" dir="t"/>
+    </dgm:scene3d>
+    <dgm:sp3d/>
+    <dgm:txPr/>
+    <dgm:style>
+      <a:lnRef idx="2">
+        <a:scrgbClr r="0" g="0" b="0"/>
+      </a:lnRef>
+      <a:fillRef idx="1">
+        <a:scrgbClr r="0" g="0" b="0"/>
+      </a:fillRef>
+      <a:effectRef idx="0">
+        <a:scrgbClr r="0" g="0" b="0"/>
+      </a:effectRef>
+      <a:fontRef idx="minor">
+        <a:schemeClr val="lt1"/>
+      </a:fontRef>
+    </dgm:style>
+  </dgm:styleLbl>
+  <dgm:styleLbl name="fgImgPlace1">
+    <dgm:scene3d>
+      <a:camera prst="orthographicFront"/>
+      <a:lightRig rig="threePt" dir="t"/>
+    </dgm:scene3d>
+    <dgm:sp3d/>
+    <dgm:txPr/>
+    <dgm:style>
+      <a:lnRef idx="2">
+        <a:scrgbClr r="0" g="0" b="0"/>
+      </a:lnRef>
+      <a:fillRef idx="1">
+        <a:scrgbClr r="0" g="0" b="0"/>
+      </a:fillRef>
+      <a:effectRef idx="0">
+        <a:scrgbClr r="0" g="0" b="0"/>
+      </a:effectRef>
+      <a:fontRef idx="minor"/>
+    </dgm:style>
+  </dgm:styleLbl>
+  <dgm:styleLbl name="alignImgPlace1">
+    <dgm:scene3d>
+      <a:camera prst="orthographicFront"/>
+      <a:lightRig rig="threePt" dir="t"/>
+    </dgm:scene3d>
+    <dgm:sp3d/>
+    <dgm:txPr/>
+    <dgm:style>
+      <a:lnRef idx="2">
+        <a:scrgbClr r="0" g="0" b="0"/>
+      </a:lnRef>
+      <a:fillRef idx="1">
+        <a:scrgbClr r="0" g="0" b="0"/>
+      </a:fillRef>
+      <a:effectRef idx="0">
+        <a:scrgbClr r="0" g="0" b="0"/>
+      </a:effectRef>
+      <a:fontRef idx="minor"/>
+    </dgm:style>
+  </dgm:styleLbl>
+  <dgm:styleLbl name="bgImgPlace1">
+    <dgm:scene3d>
+      <a:camera prst="orthographicFront"/>
+      <a:lightRig rig="threePt" dir="t"/>
+    </dgm:scene3d>
+    <dgm:sp3d/>
+    <dgm:txPr/>
+    <dgm:style>
+      <a:lnRef idx="2">
+        <a:scrgbClr r="0" g="0" b="0"/>
+      </a:lnRef>
+      <a:fillRef idx="1">
+        <a:scrgbClr r="0" g="0" b="0"/>
+      </a:fillRef>
+      <a:effectRef idx="0">
+        <a:scrgbClr r="0" g="0" b="0"/>
+      </a:effectRef>
+      <a:fontRef idx="minor"/>
+    </dgm:style>
+  </dgm:styleLbl>
+  <dgm:styleLbl name="sibTrans2D1">
+    <dgm:scene3d>
+      <a:camera prst="orthographicFront"/>
+      <a:lightRig rig="threePt" dir="t"/>
+    </dgm:scene3d>
+    <dgm:sp3d/>
+    <dgm:txPr/>
+    <dgm:style>
+      <a:lnRef idx="0">
+        <a:scrgbClr r="0" g="0" b="0"/>
+      </a:lnRef>
+      <a:fillRef idx="1">
+        <a:scrgbClr r="0" g="0" b="0"/>
+      </a:fillRef>
+      <a:effectRef idx="0">
+        <a:scrgbClr r="0" g="0" b="0"/>
+      </a:effectRef>
+      <a:fontRef idx="minor">
+        <a:schemeClr val="lt1"/>
+      </a:fontRef>
+    </dgm:style>
+  </dgm:styleLbl>
+  <dgm:styleLbl name="fgSibTrans2D1">
+    <dgm:scene3d>
+      <a:camera prst="orthographicFront"/>
+      <a:lightRig rig="threePt" dir="t"/>
+    </dgm:scene3d>
+    <dgm:sp3d/>
+    <dgm:txPr/>
+    <dgm:style>
+      <a:lnRef idx="0">
+        <a:scrgbClr r="0" g="0" b="0"/>
+      </a:lnRef>
+      <a:fillRef idx="1">
+        <a:scrgbClr r="0" g="0" b="0"/>
+      </a:fillRef>
+      <a:effectRef idx="0">
+        <a:scrgbClr r="0" g="0" b="0"/>
+      </a:effectRef>
+      <a:fontRef idx="minor">
+        <a:schemeClr val="lt1"/>
+      </a:fontRef>
+    </dgm:style>
+  </dgm:styleLbl>
+  <dgm:styleLbl name="bgSibTrans2D1">
+    <dgm:scene3d>
+      <a:camera prst="orthographicFront"/>
+      <a:lightRig rig="threePt" dir="t"/>
+    </dgm:scene3d>
+    <dgm:sp3d/>
+    <dgm:txPr/>
+    <dgm:style>
+      <a:lnRef idx="0">
+        <a:scrgbClr r="0" g="0" b="0"/>
+      </a:lnRef>
+      <a:fillRef idx="1">
+        <a:scrgbClr r="0" g="0" b="0"/>
+      </a:fillRef>
+      <a:effectRef idx="0">
+        <a:scrgbClr r="0" g="0" b="0"/>
+      </a:effectRef>
+      <a:fontRef idx="minor">
+        <a:schemeClr val="lt1"/>
+      </a:fontRef>
+    </dgm:style>
+  </dgm:styleLbl>
+  <dgm:styleLbl name="sibTrans1D1">
+    <dgm:scene3d>
+      <a:camera prst="orthographicFront"/>
+      <a:lightRig rig="threePt" dir="t"/>
+    </dgm:scene3d>
+    <dgm:sp3d/>
+    <dgm:txPr/>
+    <dgm:style>
+      <a:lnRef idx="1">
+        <a:scrgbClr r="0" g="0" b="0"/>
+      </a:lnRef>
+      <a:fillRef idx="0">
+        <a:scrgbClr r="0" g="0" b="0"/>
+      </a:fillRef>
+      <a:effectRef idx="0">
+        <a:scrgbClr r="0" g="0" b="0"/>
+      </a:effectRef>
+      <a:fontRef idx="minor"/>
+    </dgm:style>
+  </dgm:styleLbl>
+  <dgm:styleLbl name="callout">
+    <dgm:scene3d>
+      <a:camera prst="orthographicFront"/>
+      <a:lightRig rig="threePt" dir="t"/>
+    </dgm:scene3d>
+    <dgm:sp3d/>
+    <dgm:txPr/>
+    <dgm:style>
+      <a:lnRef idx="2">
+        <a:scrgbClr r="0" g="0" b="0"/>
+      </a:lnRef>
+      <a:fillRef idx="1">
+        <a:scrgbClr r="0" g="0" b="0"/>
+      </a:fillRef>
+      <a:effectRef idx="0">
+        <a:scrgbClr r="0" g="0" b="0"/>
+      </a:effectRef>
+      <a:fontRef idx="minor"/>
+    </dgm:style>
+  </dgm:styleLbl>
+  <dgm:styleLbl name="asst0">
+    <dgm:scene3d>
+      <a:camera prst="orthographicFront"/>
+      <a:lightRig rig="threePt" dir="t"/>
+    </dgm:scene3d>
+    <dgm:sp3d/>
+    <dgm:txPr/>
+    <dgm:style>
+      <a:lnRef idx="2">
+        <a:scrgbClr r="0" g="0" b="0"/>
+      </a:lnRef>
+      <a:fillRef idx="1">
+        <a:scrgbClr r="0" g="0" b="0"/>
+      </a:fillRef>
+      <a:effectRef idx="0">
+        <a:scrgbClr r="0" g="0" b="0"/>
+      </a:effectRef>
+      <a:fontRef idx="minor">
+        <a:schemeClr val="lt1"/>
+      </a:fontRef>
+    </dgm:style>
+  </dgm:styleLbl>
+  <dgm:styleLbl name="asst1">
+    <dgm:scene3d>
+      <a:camera prst="orthographicFront"/>
+      <a:lightRig rig="threePt" dir="t"/>
+    </dgm:scene3d>
+    <dgm:sp3d/>
+    <dgm:txPr/>
+    <dgm:style>
+      <a:lnRef idx="2">
+        <a:scrgbClr r="0" g="0" b="0"/>
+      </a:lnRef>
+      <a:fillRef idx="1">
+        <a:scrgbClr r="0" g="0" b="0"/>
+      </a:fillRef>
+      <a:effectRef idx="0">
+        <a:scrgbClr r="0" g="0" b="0"/>
+      </a:effectRef>
+      <a:fontRef idx="minor">
+        <a:schemeClr val="lt1"/>
+      </a:fontRef>
+    </dgm:style>
+  </dgm:styleLbl>
+  <dgm:styleLbl name="asst2">
+    <dgm:scene3d>
+      <a:camera prst="orthographicFront"/>
+      <a:lightRig rig="threePt" dir="t"/>
+    </dgm:scene3d>
+    <dgm:sp3d/>
+    <dgm:txPr/>
+    <dgm:style>
+      <a:lnRef idx="2">
+        <a:scrgbClr r="0" g="0" b="0"/>
+      </a:lnRef>
+      <a:fillRef idx="1">
+        <a:scrgbClr r="0" g="0" b="0"/>
+      </a:fillRef>
+      <a:effectRef idx="0">
+        <a:scrgbClr r="0" g="0" b="0"/>
+      </a:effectRef>
+      <a:fontRef idx="minor">
+        <a:schemeClr val="lt1"/>
+      </a:fontRef>
+    </dgm:style>
+  </dgm:styleLbl>
+  <dgm:styleLbl name="asst3">
+    <dgm:scene3d>
+      <a:camera prst="orthographicFront"/>
+      <a:lightRig rig="threePt" dir="t"/>
+    </dgm:scene3d>
+    <dgm:sp3d/>
+    <dgm:txPr/>
+    <dgm:style>
+      <a:lnRef idx="2">
+        <a:scrgbClr r="0" g="0" b="0"/>
+      </a:lnRef>
+      <a:fillRef idx="1">
+        <a:scrgbClr r="0" g="0" b="0"/>
+      </a:fillRef>
+      <a:effectRef idx="0">
+        <a:scrgbClr r="0" g="0" b="0"/>
+      </a:effectRef>
+      <a:fontRef idx="minor">
+        <a:schemeClr val="lt1"/>
+      </a:fontRef>
+    </dgm:style>
+  </dgm:styleLbl>
+  <dgm:styleLbl name="asst4">
+    <dgm:scene3d>
+      <a:camera prst="orthographicFront"/>
+      <a:lightRig rig="threePt" dir="t"/>
+    </dgm:scene3d>
+    <dgm:sp3d/>
+    <dgm:txPr/>
+    <dgm:style>
+      <a:lnRef idx="2">
+        <a:scrgbClr r="0" g="0" b="0"/>
+      </a:lnRef>
+      <a:fillRef idx="1">
+        <a:scrgbClr r="0" g="0" b="0"/>
+      </a:fillRef>
+      <a:effectRef idx="0">
+        <a:scrgbClr r="0" g="0" b="0"/>
+      </a:effectRef>
+      <a:fontRef idx="minor">
+        <a:schemeClr val="lt1"/>
+      </a:fontRef>
+    </dgm:style>
+  </dgm:styleLbl>
+  <dgm:styleLbl name="parChTrans2D1">
+    <dgm:scene3d>
+      <a:camera prst="orthographicFront"/>
+      <a:lightRig rig="threePt" dir="t"/>
+    </dgm:scene3d>
+    <dgm:sp3d/>
+    <dgm:txPr/>
+    <dgm:style>
+      <a:lnRef idx="2">
+        <a:scrgbClr r="0" g="0" b="0"/>
+      </a:lnRef>
+      <a:fillRef idx="1">
+        <a:scrgbClr r="0" g="0" b="0"/>
+      </a:fillRef>
+      <a:effectRef idx="0">
+        <a:scrgbClr r="0" g="0" b="0"/>
+      </a:effectRef>
+      <a:fontRef idx="minor">
+        <a:schemeClr val="lt1"/>
+      </a:fontRef>
+    </dgm:style>
+  </dgm:styleLbl>
+  <dgm:styleLbl name="parChTrans2D2">
+    <dgm:scene3d>
+      <a:camera prst="orthographicFront"/>
+      <a:lightRig rig="threePt" dir="t"/>
+    </dgm:scene3d>
+    <dgm:sp3d/>
+    <dgm:txPr/>
+    <dgm:style>
+      <a:lnRef idx="2">
+        <a:scrgbClr r="0" g="0" b="0"/>
+      </a:lnRef>
+      <a:fillRef idx="1">
+        <a:scrgbClr r="0" g="0" b="0"/>
+      </a:fillRef>
+      <a:effectRef idx="0">
+        <a:scrgbClr r="0" g="0" b="0"/>
+      </a:effectRef>
+      <a:fontRef idx="minor">
+        <a:schemeClr val="lt1"/>
+      </a:fontRef>
+    </dgm:style>
+  </dgm:styleLbl>
+  <dgm:styleLbl name="parChTrans2D3">
+    <dgm:scene3d>
+      <a:camera prst="orthographicFront"/>
+      <a:lightRig rig="threePt" dir="t"/>
+    </dgm:scene3d>
+    <dgm:sp3d/>
+    <dgm:txPr/>
+    <dgm:style>
+      <a:lnRef idx="2">
+        <a:scrgbClr r="0" g="0" b="0"/>
+      </a:lnRef>
+      <a:fillRef idx="1">
+        <a:scrgbClr r="0" g="0" b="0"/>
+      </a:fillRef>
+      <a:effectRef idx="0">
+        <a:scrgbClr r="0" g="0" b="0"/>
+      </a:effectRef>
+      <a:fontRef idx="minor">
+        <a:schemeClr val="lt1"/>
+      </a:fontRef>
+    </dgm:style>
+  </dgm:styleLbl>
+  <dgm:styleLbl name="parChTrans2D4">
+    <dgm:scene3d>
+      <a:camera prst="orthographicFront"/>
+      <a:lightRig rig="threePt" dir="t"/>
+    </dgm:scene3d>
+    <dgm:sp3d/>
+    <dgm:txPr/>
+    <dgm:style>
+      <a:lnRef idx="2">
+        <a:scrgbClr r="0" g="0" b="0"/>
+      </a:lnRef>
+      <a:fillRef idx="1">
+        <a:scrgbClr r="0" g="0" b="0"/>
+      </a:fillRef>
+      <a:effectRef idx="0">
+        <a:scrgbClr r="0" g="0" b="0"/>
+      </a:effectRef>
+      <a:fontRef idx="minor">
+        <a:schemeClr val="lt1"/>
+      </a:fontRef>
+    </dgm:style>
+  </dgm:styleLbl>
+  <dgm:styleLbl name="parChTrans1D1">
+    <dgm:scene3d>
+      <a:camera prst="orthographicFront"/>
+      <a:lightRig rig="threePt" dir="t"/>
+    </dgm:scene3d>
+    <dgm:sp3d/>
+    <dgm:txPr/>
+    <dgm:style>
+      <a:lnRef idx="2">
+        <a:scrgbClr r="0" g="0" b="0"/>
+      </a:lnRef>
+      <a:fillRef idx="0">
+        <a:scrgbClr r="0" g="0" b="0"/>
+      </a:fillRef>
+      <a:effectRef idx="0">
+        <a:scrgbClr r="0" g="0" b="0"/>
+      </a:effectRef>
+      <a:fontRef idx="minor"/>
+    </dgm:style>
+  </dgm:styleLbl>
+  <dgm:styleLbl name="parChTrans1D2">
+    <dgm:scene3d>
+      <a:camera prst="orthographicFront"/>
+      <a:lightRig rig="threePt" dir="t"/>
+    </dgm:scene3d>
+    <dgm:sp3d/>
+    <dgm:txPr/>
+    <dgm:style>
+      <a:lnRef idx="2">
+        <a:scrgbClr r="0" g="0" b="0"/>
+      </a:lnRef>
+      <a:fillRef idx="0">
+        <a:scrgbClr r="0" g="0" b="0"/>
+      </a:fillRef>
+      <a:effectRef idx="0">
+        <a:scrgbClr r="0" g="0" b="0"/>
+      </a:effectRef>
+      <a:fontRef idx="minor"/>
+    </dgm:style>
+  </dgm:styleLbl>
+  <dgm:styleLbl name="parChTrans1D3">
+    <dgm:scene3d>
+      <a:camera prst="orthographicFront"/>
+      <a:lightRig rig="threePt" dir="t"/>
+    </dgm:scene3d>
+    <dgm:sp3d/>
+    <dgm:txPr/>
+    <dgm:style>
+      <a:lnRef idx="2">
+        <a:scrgbClr r="0" g="0" b="0"/>
+      </a:lnRef>
+      <a:fillRef idx="0">
+        <a:scrgbClr r="0" g="0" b="0"/>
+      </a:fillRef>
+      <a:effectRef idx="0">
+        <a:scrgbClr r="0" g="0" b="0"/>
+      </a:effectRef>
+      <a:fontRef idx="minor"/>
+    </dgm:style>
+  </dgm:styleLbl>
+  <dgm:styleLbl name="parChTrans1D4">
+    <dgm:scene3d>
+      <a:camera prst="orthographicFront"/>
+      <a:lightRig rig="threePt" dir="t"/>
+    </dgm:scene3d>
+    <dgm:sp3d/>
+    <dgm:txPr/>
+    <dgm:style>
+      <a:lnRef idx="2">
+        <a:scrgbClr r="0" g="0" b="0"/>
+      </a:lnRef>
+      <a:fillRef idx="0">
+        <a:scrgbClr r="0" g="0" b="0"/>
+      </a:fillRef>
+      <a:effectRef idx="0">
+        <a:scrgbClr r="0" g="0" b="0"/>
+      </a:effectRef>
+      <a:fontRef idx="minor"/>
+    </dgm:style>
+  </dgm:styleLbl>
+  <dgm:styleLbl name="fgAcc1">
+    <dgm:scene3d>
+      <a:camera prst="orthographicFront"/>
+      <a:lightRig rig="threePt" dir="t"/>
+    </dgm:scene3d>
+    <dgm:sp3d/>
+    <dgm:txPr/>
+    <dgm:style>
+      <a:lnRef idx="2">
+        <a:scrgbClr r="0" g="0" b="0"/>
+      </a:lnRef>
+      <a:fillRef idx="1">
+        <a:scrgbClr r="0" g="0" b="0"/>
+      </a:fillRef>
+      <a:effectRef idx="0">
+        <a:scrgbClr r="0" g="0" b="0"/>
+      </a:effectRef>
+      <a:fontRef idx="minor"/>
+    </dgm:style>
+  </dgm:styleLbl>
+  <dgm:styleLbl name="conFgAcc1">
+    <dgm:scene3d>
+      <a:camera prst="orthographicFront"/>
+      <a:lightRig rig="threePt" dir="t"/>
+    </dgm:scene3d>
+    <dgm:sp3d/>
+    <dgm:txPr/>
+    <dgm:style>
+      <a:lnRef idx="2">
+        <a:scrgbClr r="0" g="0" b="0"/>
+      </a:lnRef>
+      <a:fillRef idx="1">
+        <a:scrgbClr r="0" g="0" b="0"/>
+      </a:fillRef>
+      <a:effectRef idx="0">
+        <a:scrgbClr r="0" g="0" b="0"/>
+      </a:effectRef>
+      <a:fontRef idx="minor"/>
+    </dgm:style>
+  </dgm:styleLbl>
+  <dgm:styleLbl name="alignAcc1">
+    <dgm:scene3d>
+      <a:camera prst="orthographicFront"/>
+      <a:lightRig rig="threePt" dir="t"/>
+    </dgm:scene3d>
+    <dgm:sp3d/>
+    <dgm:txPr/>
+    <dgm:style>
+      <a:lnRef idx="2">
+        <a:scrgbClr r="0" g="0" b="0"/>
+      </a:lnRef>
+      <a:fillRef idx="1">
+        <a:scrgbClr r="0" g="0" b="0"/>
+      </a:fillRef>
+      <a:effectRef idx="0">
+        <a:scrgbClr r="0" g="0" b="0"/>
+      </a:effectRef>
+      <a:fontRef idx="minor"/>
+    </dgm:style>
+  </dgm:styleLbl>
+  <dgm:styleLbl name="trAlignAcc1">
+    <dgm:scene3d>
+      <a:camera prst="orthographicFront"/>
+      <a:lightRig rig="threePt" dir="t"/>
+    </dgm:scene3d>
+    <dgm:sp3d/>
+    <dgm:txPr/>
+    <dgm:style>
+      <a:lnRef idx="1">
+        <a:scrgbClr r="0" g="0" b="0"/>
+      </a:lnRef>
+      <a:fillRef idx="1">
+        <a:scrgbClr r="0" g="0" b="0"/>
+      </a:fillRef>
+      <a:effectRef idx="0">
+        <a:scrgbClr r="0" g="0" b="0"/>
+      </a:effectRef>
+      <a:fontRef idx="minor"/>
+    </dgm:style>
+  </dgm:styleLbl>
+  <dgm:styleLbl name="bgAcc1">
+    <dgm:scene3d>
+      <a:camera prst="orthographicFront"/>
+      <a:lightRig rig="threePt" dir="t"/>
+    </dgm:scene3d>
+    <dgm:sp3d/>
+    <dgm:txPr/>
+    <dgm:style>
+      <a:lnRef idx="2">
+        <a:scrgbClr r="0" g="0" b="0"/>
+      </a:lnRef>
+      <a:fillRef idx="1">
+        <a:scrgbClr r="0" g="0" b="0"/>
+      </a:fillRef>
+      <a:effectRef idx="0">
+        <a:scrgbClr r="0" g="0" b="0"/>
+      </a:effectRef>
+      <a:fontRef idx="minor"/>
+    </dgm:style>
+  </dgm:styleLbl>
+  <dgm:styleLbl name="solidFgAcc1">
+    <dgm:scene3d>
+      <a:camera prst="orthographicFront"/>
+      <a:lightRig rig="threePt" dir="t"/>
+    </dgm:scene3d>
+    <dgm:sp3d/>
+    <dgm:txPr/>
+    <dgm:style>
+      <a:lnRef idx="2">
+        <a:scrgbClr r="0" g="0" b="0"/>
+      </a:lnRef>
+      <a:fillRef idx="1">
+        <a:scrgbClr r="0" g="0" b="0"/>
+      </a:fillRef>
+      <a:effectRef idx="0">
+        <a:scrgbClr r="0" g="0" b="0"/>
+      </a:effectRef>
+      <a:fontRef idx="minor"/>
+    </dgm:style>
+  </dgm:styleLbl>
+  <dgm:styleLbl name="solidAlignAcc1">
+    <dgm:scene3d>
+      <a:camera prst="orthographicFront"/>
+      <a:lightRig rig="threePt" dir="t"/>
+    </dgm:scene3d>
+    <dgm:sp3d/>
+    <dgm:txPr/>
+    <dgm:style>
+      <a:lnRef idx="2">
+        <a:scrgbClr r="0" g="0" b="0"/>
+      </a:lnRef>
+      <a:fillRef idx="1">
+        <a:scrgbClr r="0" g="0" b="0"/>
+      </a:fillRef>
+      <a:effectRef idx="0">
+        <a:scrgbClr r="0" g="0" b="0"/>
+      </a:effectRef>
+      <a:fontRef idx="minor"/>
+    </dgm:style>
+  </dgm:styleLbl>
+  <dgm:styleLbl name="solidBgAcc1">
+    <dgm:scene3d>
+      <a:camera prst="orthographicFront"/>
+      <a:lightRig rig="threePt" dir="t"/>
+    </dgm:scene3d>
+    <dgm:sp3d/>
+    <dgm:txPr/>
+    <dgm:style>
+      <a:lnRef idx="2">
+        <a:scrgbClr r="0" g="0" b="0"/>
+      </a:lnRef>
+      <a:fillRef idx="1">
+        <a:scrgbClr r="0" g="0" b="0"/>
+      </a:fillRef>
+      <a:effectRef idx="0">
+        <a:scrgbClr r="0" g="0" b="0"/>
+      </a:effectRef>
+      <a:fontRef idx="minor"/>
+    </dgm:style>
+  </dgm:styleLbl>
+  <dgm:styleLbl name="fgAccFollowNode1">
+    <dgm:scene3d>
+      <a:camera prst="orthographicFront"/>
+      <a:lightRig rig="threePt" dir="t"/>
+    </dgm:scene3d>
+    <dgm:sp3d/>
+    <dgm:txPr/>
+    <dgm:style>
+      <a:lnRef idx="2">
+        <a:scrgbClr r="0" g="0" b="0"/>
+      </a:lnRef>
+      <a:fillRef idx="1">
+        <a:scrgbClr r="0" g="0" b="0"/>
+      </a:fillRef>
+      <a:effectRef idx="0">
+        <a:scrgbClr r="0" g="0" b="0"/>
+      </a:effectRef>
+      <a:fontRef idx="minor"/>
+    </dgm:style>
+  </dgm:styleLbl>
+  <dgm:styleLbl name="alignAccFollowNode1">
+    <dgm:scene3d>
+      <a:camera prst="orthographicFront"/>
+      <a:lightRig rig="threePt" dir="t"/>
+    </dgm:scene3d>
+    <dgm:sp3d/>
+    <dgm:txPr/>
+    <dgm:style>
+      <a:lnRef idx="2">
+        <a:scrgbClr r="0" g="0" b="0"/>
+      </a:lnRef>
+      <a:fillRef idx="1">
+        <a:scrgbClr r="0" g="0" b="0"/>
+      </a:fillRef>
+      <a:effectRef idx="0">
+        <a:scrgbClr r="0" g="0" b="0"/>
+      </a:effectRef>
+      <a:fontRef idx="minor"/>
+    </dgm:style>
+  </dgm:styleLbl>
+  <dgm:styleLbl name="bgAccFollowNode1">
+    <dgm:scene3d>
+      <a:camera prst="orthographicFront"/>
+      <a:lightRig rig="threePt" dir="t"/>
+    </dgm:scene3d>
+    <dgm:sp3d/>
+    <dgm:txPr/>
+    <dgm:style>
+      <a:lnRef idx="2">
+        <a:scrgbClr r="0" g="0" b="0"/>
+      </a:lnRef>
+      <a:fillRef idx="1">
+        <a:scrgbClr r="0" g="0" b="0"/>
+      </a:fillRef>
+      <a:effectRef idx="0">
+        <a:scrgbClr r="0" g="0" b="0"/>
+      </a:effectRef>
+      <a:fontRef idx="minor"/>
+    </dgm:style>
+  </dgm:styleLbl>
+  <dgm:styleLbl name="fgAcc0">
+    <dgm:scene3d>
+      <a:camera prst="orthographicFront"/>
+      <a:lightRig rig="threePt" dir="t"/>
+    </dgm:scene3d>
+    <dgm:sp3d/>
+    <dgm:txPr/>
+    <dgm:style>
+      <a:lnRef idx="2">
+        <a:scrgbClr r="0" g="0" b="0"/>
+      </a:lnRef>
+      <a:fillRef idx="1">
+        <a:scrgbClr r="0" g="0" b="0"/>
+      </a:fillRef>
+      <a:effectRef idx="0">
+        <a:scrgbClr r="0" g="0" b="0"/>
+      </a:effectRef>
+      <a:fontRef idx="minor"/>
+    </dgm:style>
+  </dgm:styleLbl>
+  <dgm:styleLbl name="fgAcc2">
+    <dgm:scene3d>
+      <a:camera prst="orthographicFront"/>
+      <a:lightRig rig="threePt" dir="t"/>
+    </dgm:scene3d>
+    <dgm:sp3d/>
+    <dgm:txPr/>
+    <dgm:style>
+      <a:lnRef idx="2">
+        <a:scrgbClr r="0" g="0" b="0"/>
+      </a:lnRef>
+      <a:fillRef idx="1">
+        <a:scrgbClr r="0" g="0" b="0"/>
+      </a:fillRef>
+      <a:effectRef idx="0">
+        <a:scrgbClr r="0" g="0" b="0"/>
+      </a:effectRef>
+      <a:fontRef idx="minor"/>
+    </dgm:style>
+  </dgm:styleLbl>
+  <dgm:styleLbl name="fgAcc3">
+    <dgm:scene3d>
+      <a:camera prst="orthographicFront"/>
+      <a:lightRig rig="threePt" dir="t"/>
+    </dgm:scene3d>
+    <dgm:sp3d/>
+    <dgm:txPr/>
+    <dgm:style>
+      <a:lnRef idx="2">
+        <a:scrgbClr r="0" g="0" b="0"/>
+      </a:lnRef>
+      <a:fillRef idx="1">
+        <a:scrgbClr r="0" g="0" b="0"/>
+      </a:fillRef>
+      <a:effectRef idx="0">
+        <a:scrgbClr r="0" g="0" b="0"/>
+      </a:effectRef>
+      <a:fontRef idx="minor"/>
+    </dgm:style>
+  </dgm:styleLbl>
+  <dgm:styleLbl name="fgAcc4">
+    <dgm:scene3d>
+      <a:camera prst="orthographicFront"/>
+      <a:lightRig rig="threePt" dir="t"/>
+    </dgm:scene3d>
+    <dgm:sp3d/>
+    <dgm:txPr/>
+    <dgm:style>
+      <a:lnRef idx="2">
+        <a:scrgbClr r="0" g="0" b="0"/>
+      </a:lnRef>
+      <a:fillRef idx="1">
+        <a:scrgbClr r="0" g="0" b="0"/>
+      </a:fillRef>
+      <a:effectRef idx="0">
+        <a:scrgbClr r="0" g="0" b="0"/>
+      </a:effectRef>
+      <a:fontRef idx="minor"/>
+    </dgm:style>
+  </dgm:styleLbl>
+  <dgm:styleLbl name="bgShp">
+    <dgm:scene3d>
+      <a:camera prst="orthographicFront"/>
+      <a:lightRig rig="threePt" dir="t"/>
+    </dgm:scene3d>
+    <dgm:sp3d/>
+    <dgm:txPr/>
+    <dgm:style>
+      <a:lnRef idx="0">
+        <a:scrgbClr r="0" g="0" b="0"/>
+      </a:lnRef>
+      <a:fillRef idx="1">
+        <a:scrgbClr r="0" g="0" b="0"/>
+      </a:fillRef>
+      <a:effectRef idx="0">
+        <a:scrgbClr r="0" g="0" b="0"/>
+      </a:effectRef>
+      <a:fontRef idx="minor"/>
+    </dgm:style>
+  </dgm:styleLbl>
+  <dgm:styleLbl name="dkBgShp">
+    <dgm:scene3d>
+      <a:camera prst="orthographicFront"/>
+      <a:lightRig rig="threePt" dir="t"/>
+    </dgm:scene3d>
+    <dgm:sp3d/>
+    <dgm:txPr/>
+    <dgm:style>
+      <a:lnRef idx="0">
+        <a:scrgbClr r="0" g="0" b="0"/>
+      </a:lnRef>
+      <a:fillRef idx="1">
+        <a:scrgbClr r="0" g="0" b="0"/>
+      </a:fillRef>
+      <a:effectRef idx="0">
+        <a:scrgbClr r="0" g="0" b="0"/>
+      </a:effectRef>
+      <a:fontRef idx="minor"/>
+    </dgm:style>
+  </dgm:styleLbl>
+  <dgm:styleLbl name="trBgShp">
+    <dgm:scene3d>
+      <a:camera prst="orthographicFront"/>
+      <a:lightRig rig="threePt" dir="t"/>
+    </dgm:scene3d>
+    <dgm:sp3d/>
+    <dgm:txPr/>
+    <dgm:style>
+      <a:lnRef idx="0">
+        <a:scrgbClr r="0" g="0" b="0"/>
+      </a:lnRef>
+      <a:fillRef idx="1">
+        <a:scrgbClr r="0" g="0" b="0"/>
+      </a:fillRef>
+      <a:effectRef idx="0">
+        <a:scrgbClr r="0" g="0" b="0"/>
+      </a:effectRef>
+      <a:fontRef idx="minor"/>
+    </dgm:style>
+  </dgm:styleLbl>
+  <dgm:styleLbl name="fgShp">
+    <dgm:scene3d>
+      <a:camera prst="orthographicFront"/>
+      <a:lightRig rig="threePt" dir="t"/>
+    </dgm:scene3d>
+    <dgm:sp3d/>
+    <dgm:txPr/>
+    <dgm:style>
+      <a:lnRef idx="2">
+        <a:scrgbClr r="0" g="0" b="0"/>
+      </a:lnRef>
+      <a:fillRef idx="1">
+        <a:scrgbClr r="0" g="0" b="0"/>
+      </a:fillRef>
+      <a:effectRef idx="0">
+        <a:scrgbClr r="0" g="0" b="0"/>
+      </a:effectRef>
+      <a:fontRef idx="minor"/>
+    </dgm:style>
+  </dgm:styleLbl>
+  <dgm:styleLbl name="revTx">
+    <dgm:scene3d>
+      <a:camera prst="orthographicFront"/>
+      <a:lightRig rig="threePt" dir="t"/>
+    </dgm:scene3d>
+    <dgm:sp3d/>
+    <dgm:txPr/>
+    <dgm:style>
+      <a:lnRef idx="0">
+        <a:scrgbClr r="0" g="0" b="0"/>
+      </a:lnRef>
+      <a:fillRef idx="0">
+        <a:scrgbClr r="0" g="0" b="0"/>
+      </a:fillRef>
+      <a:effectRef idx="0">
+        <a:scrgbClr r="0" g="0" b="0"/>
+      </a:effectRef>
+      <a:fontRef idx="minor"/>
+    </dgm:style>
+  </dgm:styleLbl>
+</dgm:styleDef>
+</file>
+
+<file path=ppt/diagrams/quickStyle5.xml><?xml version="1.0" encoding="utf-8"?>
 <dgm:styleDef xmlns:dgm="http://schemas.openxmlformats.org/drawingml/2006/diagram" xmlns:a="http://schemas.openxmlformats.org/drawingml/2006/main" uniqueId="urn:microsoft.com/office/officeart/2005/8/quickstyle/simple1">
   <dgm:title val=""/>
   <dgm:desc val=""/>
@@ -8018,7 +14293,7 @@
           <a:p>
             <a:fld id="{E80C50CD-E178-4744-9B35-B2F624D6C5E9}" type="datetimeFigureOut">
               <a:rPr lang="en-US" smtClean="0"/>
-              <a:t>1/29/2026</a:t>
+              <a:t>2/4/2026</a:t>
             </a:fld>
             <a:endParaRPr lang="en-US"/>
           </a:p>
@@ -8216,7 +14491,7 @@
           <a:p>
             <a:fld id="{E80C50CD-E178-4744-9B35-B2F624D6C5E9}" type="datetimeFigureOut">
               <a:rPr lang="en-US" smtClean="0"/>
-              <a:t>1/29/2026</a:t>
+              <a:t>2/4/2026</a:t>
             </a:fld>
             <a:endParaRPr lang="en-US"/>
           </a:p>
@@ -8424,7 +14699,7 @@
           <a:p>
             <a:fld id="{E80C50CD-E178-4744-9B35-B2F624D6C5E9}" type="datetimeFigureOut">
               <a:rPr lang="en-US" smtClean="0"/>
-              <a:t>1/29/2026</a:t>
+              <a:t>2/4/2026</a:t>
             </a:fld>
             <a:endParaRPr lang="en-US"/>
           </a:p>
@@ -8674,7 +14949,7 @@
           <a:p>
             <a:fld id="{E80C50CD-E178-4744-9B35-B2F624D6C5E9}" type="datetimeFigureOut">
               <a:rPr lang="en-US" smtClean="0"/>
-              <a:t>1/29/2026</a:t>
+              <a:t>2/4/2026</a:t>
             </a:fld>
             <a:endParaRPr lang="en-US"/>
           </a:p>
@@ -8953,7 +15228,7 @@
           <a:p>
             <a:fld id="{E80C50CD-E178-4744-9B35-B2F624D6C5E9}" type="datetimeFigureOut">
               <a:rPr lang="en-US" smtClean="0"/>
-              <a:t>1/29/2026</a:t>
+              <a:t>2/4/2026</a:t>
             </a:fld>
             <a:endParaRPr lang="en-US"/>
           </a:p>
@@ -9270,7 +15545,7 @@
           <a:p>
             <a:fld id="{E80C50CD-E178-4744-9B35-B2F624D6C5E9}" type="datetimeFigureOut">
               <a:rPr lang="en-US" smtClean="0"/>
-              <a:t>1/29/2026</a:t>
+              <a:t>2/4/2026</a:t>
             </a:fld>
             <a:endParaRPr lang="en-US"/>
           </a:p>
@@ -9686,7 +15961,7 @@
           <a:p>
             <a:fld id="{E80C50CD-E178-4744-9B35-B2F624D6C5E9}" type="datetimeFigureOut">
               <a:rPr lang="en-US" smtClean="0"/>
-              <a:t>1/29/2026</a:t>
+              <a:t>2/4/2026</a:t>
             </a:fld>
             <a:endParaRPr lang="en-US"/>
           </a:p>
@@ -9827,7 +16102,7 @@
           <a:p>
             <a:fld id="{E80C50CD-E178-4744-9B35-B2F624D6C5E9}" type="datetimeFigureOut">
               <a:rPr lang="en-US" smtClean="0"/>
-              <a:t>1/29/2026</a:t>
+              <a:t>2/4/2026</a:t>
             </a:fld>
             <a:endParaRPr lang="en-US"/>
           </a:p>
@@ -9940,7 +16215,7 @@
           <a:p>
             <a:fld id="{E80C50CD-E178-4744-9B35-B2F624D6C5E9}" type="datetimeFigureOut">
               <a:rPr lang="en-US" smtClean="0"/>
-              <a:t>1/29/2026</a:t>
+              <a:t>2/4/2026</a:t>
             </a:fld>
             <a:endParaRPr lang="en-US"/>
           </a:p>
@@ -10257,7 +16532,7 @@
           <a:p>
             <a:fld id="{E80C50CD-E178-4744-9B35-B2F624D6C5E9}" type="datetimeFigureOut">
               <a:rPr lang="en-US" smtClean="0"/>
-              <a:t>1/29/2026</a:t>
+              <a:t>2/4/2026</a:t>
             </a:fld>
             <a:endParaRPr lang="en-US"/>
           </a:p>
@@ -10549,7 +16824,7 @@
           <a:p>
             <a:fld id="{E80C50CD-E178-4744-9B35-B2F624D6C5E9}" type="datetimeFigureOut">
               <a:rPr lang="en-US" smtClean="0"/>
-              <a:t>1/29/2026</a:t>
+              <a:t>2/4/2026</a:t>
             </a:fld>
             <a:endParaRPr lang="en-US"/>
           </a:p>
@@ -10789,7 +17064,7 @@
             <a:fld id="{E80C50CD-E178-4744-9B35-B2F624D6C5E9}" type="datetimeFigureOut">
               <a:rPr lang="en-US" smtClean="0"/>
               <a:pPr/>
-              <a:t>1/29/2026</a:t>
+              <a:t>2/4/2026</a:t>
             </a:fld>
             <a:endParaRPr lang="en-US"/>
           </a:p>
@@ -12707,6 +18982,524 @@
 <file path=ppt/slides/slide5.xml><?xml version="1.0" encoding="utf-8"?>
 <p:sld xmlns:a="http://schemas.openxmlformats.org/drawingml/2006/main" xmlns:r="http://schemas.openxmlformats.org/officeDocument/2006/relationships" xmlns:p="http://schemas.openxmlformats.org/presentationml/2006/main">
   <p:cSld>
+    <p:bg>
+      <p:bgPr>
+        <a:solidFill>
+          <a:schemeClr val="bg1"/>
+        </a:solidFill>
+        <a:effectLst/>
+      </p:bgPr>
+    </p:bg>
+    <p:spTree>
+      <p:nvGrpSpPr>
+        <p:cNvPr id="1" name=""/>
+        <p:cNvGrpSpPr/>
+        <p:nvPr/>
+      </p:nvGrpSpPr>
+      <p:grpSpPr>
+        <a:xfrm>
+          <a:off x="0" y="0"/>
+          <a:ext cx="0" cy="0"/>
+          <a:chOff x="0" y="0"/>
+          <a:chExt cx="0" cy="0"/>
+        </a:xfrm>
+      </p:grpSpPr>
+      <p:sp useBgFill="1">
+        <p:nvSpPr>
+          <p:cNvPr id="9" name="Rectangle 8">
+            <a:extLst>
+              <a:ext uri="{FF2B5EF4-FFF2-40B4-BE49-F238E27FC236}">
+                <a16:creationId xmlns:a16="http://schemas.microsoft.com/office/drawing/2014/main" id="{04213918-F1EB-4BCE-BE23-F5E9851EE05C}"/>
+              </a:ext>
+              <a:ext uri="{C183D7F6-B498-43B3-948B-1728B52AA6E4}">
+                <adec:decorative xmlns:adec="http://schemas.microsoft.com/office/drawing/2017/decorative" val="1"/>
+              </a:ext>
+            </a:extLst>
+          </p:cNvPr>
+          <p:cNvSpPr>
+            <a:spLocks noGrp="1" noRot="1" noChangeAspect="1" noMove="1" noResize="1" noEditPoints="1" noAdjustHandles="1" noChangeArrowheads="1" noChangeShapeType="1" noTextEdit="1"/>
+          </p:cNvSpPr>
+          <p:nvPr>
+            <p:extLst>
+              <p:ext uri="{386F3935-93C4-4BCD-93E2-E3B085C9AB24}">
+                <p16:designElem xmlns:p16="http://schemas.microsoft.com/office/powerpoint/2015/main" val="1"/>
+              </p:ext>
+            </p:extLst>
+          </p:nvPr>
+        </p:nvSpPr>
+        <p:spPr>
+          <a:xfrm>
+            <a:off x="0" y="0"/>
+            <a:ext cx="12188952" cy="6857995"/>
+          </a:xfrm>
+          <a:prstGeom prst="rect">
+            <a:avLst/>
+          </a:prstGeom>
+          <a:ln>
+            <a:noFill/>
+          </a:ln>
+        </p:spPr>
+        <p:style>
+          <a:lnRef idx="2">
+            <a:schemeClr val="accent1">
+              <a:shade val="50000"/>
+            </a:schemeClr>
+          </a:lnRef>
+          <a:fillRef idx="1">
+            <a:schemeClr val="accent1"/>
+          </a:fillRef>
+          <a:effectRef idx="0">
+            <a:schemeClr val="accent1"/>
+          </a:effectRef>
+          <a:fontRef idx="minor">
+            <a:schemeClr val="lt1"/>
+          </a:fontRef>
+        </p:style>
+        <p:txBody>
+          <a:bodyPr rtlCol="0" anchor="ctr"/>
+          <a:lstStyle/>
+          <a:p>
+            <a:pPr algn="ctr"/>
+            <a:endParaRPr lang="en-US" dirty="0"/>
+          </a:p>
+        </p:txBody>
+      </p:sp>
+      <p:sp>
+        <p:nvSpPr>
+          <p:cNvPr id="2" name="Cím 1">
+            <a:extLst>
+              <a:ext uri="{FF2B5EF4-FFF2-40B4-BE49-F238E27FC236}">
+                <a16:creationId xmlns:a16="http://schemas.microsoft.com/office/drawing/2014/main" id="{9A75B04D-CE2E-222B-C76C-547F4CD2B5DA}"/>
+              </a:ext>
+            </a:extLst>
+          </p:cNvPr>
+          <p:cNvSpPr>
+            <a:spLocks noGrp="1"/>
+          </p:cNvSpPr>
+          <p:nvPr>
+            <p:ph type="title"/>
+          </p:nvPr>
+        </p:nvSpPr>
+        <p:spPr>
+          <a:xfrm>
+            <a:off x="521208" y="978408"/>
+            <a:ext cx="11155680" cy="1463040"/>
+          </a:xfrm>
+        </p:spPr>
+        <p:txBody>
+          <a:bodyPr>
+            <a:normAutofit/>
+          </a:bodyPr>
+          <a:lstStyle/>
+          <a:p>
+            <a:r>
+              <a:rPr lang="hu-HU" dirty="0"/>
+              <a:t>Hatékony kezelési lépések</a:t>
+            </a:r>
+          </a:p>
+        </p:txBody>
+      </p:sp>
+      <p:sp>
+        <p:nvSpPr>
+          <p:cNvPr id="11" name="Rectangle 10">
+            <a:extLst>
+              <a:ext uri="{FF2B5EF4-FFF2-40B4-BE49-F238E27FC236}">
+                <a16:creationId xmlns:a16="http://schemas.microsoft.com/office/drawing/2014/main" id="{2062E862-C7F7-4CA1-B929-D0B75F5E9FB9}"/>
+              </a:ext>
+              <a:ext uri="{C183D7F6-B498-43B3-948B-1728B52AA6E4}">
+                <adec:decorative xmlns:adec="http://schemas.microsoft.com/office/drawing/2017/decorative" val="1"/>
+              </a:ext>
+            </a:extLst>
+          </p:cNvPr>
+          <p:cNvSpPr>
+            <a:spLocks noGrp="1" noRot="1" noChangeAspect="1" noMove="1" noResize="1" noEditPoints="1" noAdjustHandles="1" noChangeArrowheads="1" noChangeShapeType="1" noTextEdit="1"/>
+          </p:cNvSpPr>
+          <p:nvPr>
+            <p:extLst>
+              <p:ext uri="{386F3935-93C4-4BCD-93E2-E3B085C9AB24}">
+                <p16:designElem xmlns:p16="http://schemas.microsoft.com/office/powerpoint/2015/main" val="1"/>
+              </p:ext>
+            </p:extLst>
+          </p:nvPr>
+        </p:nvSpPr>
+        <p:spPr>
+          <a:xfrm>
+            <a:off x="517869" y="508090"/>
+            <a:ext cx="11155680" cy="149279"/>
+          </a:xfrm>
+          <a:prstGeom prst="rect">
+            <a:avLst/>
+          </a:prstGeom>
+          <a:solidFill>
+            <a:schemeClr val="tx1"/>
+          </a:solidFill>
+          <a:ln>
+            <a:noFill/>
+          </a:ln>
+        </p:spPr>
+        <p:style>
+          <a:lnRef idx="2">
+            <a:schemeClr val="accent1">
+              <a:shade val="50000"/>
+            </a:schemeClr>
+          </a:lnRef>
+          <a:fillRef idx="1">
+            <a:schemeClr val="accent1"/>
+          </a:fillRef>
+          <a:effectRef idx="0">
+            <a:schemeClr val="accent1"/>
+          </a:effectRef>
+          <a:fontRef idx="minor">
+            <a:schemeClr val="lt1"/>
+          </a:fontRef>
+        </p:style>
+        <p:txBody>
+          <a:bodyPr rtlCol="0" anchor="ctr"/>
+          <a:lstStyle/>
+          <a:p>
+            <a:pPr algn="ctr"/>
+            <a:endParaRPr lang="en-US"/>
+          </a:p>
+        </p:txBody>
+      </p:sp>
+      <p:graphicFrame>
+        <p:nvGraphicFramePr>
+          <p:cNvPr id="5" name="Tartalom helye 2">
+            <a:extLst>
+              <a:ext uri="{FF2B5EF4-FFF2-40B4-BE49-F238E27FC236}">
+                <a16:creationId xmlns:a16="http://schemas.microsoft.com/office/drawing/2014/main" id="{0A103DE1-15C0-10D1-3528-329C79834678}"/>
+              </a:ext>
+            </a:extLst>
+          </p:cNvPr>
+          <p:cNvGraphicFramePr>
+            <a:graphicFrameLocks noGrp="1"/>
+          </p:cNvGraphicFramePr>
+          <p:nvPr>
+            <p:ph idx="1"/>
+            <p:extLst>
+              <p:ext uri="{D42A27DB-BD31-4B8C-83A1-F6EECF244321}">
+                <p14:modId xmlns:p14="http://schemas.microsoft.com/office/powerpoint/2010/main" val="1038088893"/>
+              </p:ext>
+            </p:extLst>
+          </p:nvPr>
+        </p:nvGraphicFramePr>
+        <p:xfrm>
+          <a:off x="520700" y="2578100"/>
+          <a:ext cx="11156950" cy="3767138"/>
+        </p:xfrm>
+        <a:graphic>
+          <a:graphicData uri="http://schemas.openxmlformats.org/drawingml/2006/diagram">
+            <dgm:relIds xmlns:dgm="http://schemas.openxmlformats.org/drawingml/2006/diagram" xmlns:r="http://schemas.openxmlformats.org/officeDocument/2006/relationships" r:dm="rId2" r:lo="rId3" r:qs="rId4" r:cs="rId5"/>
+          </a:graphicData>
+        </a:graphic>
+      </p:graphicFrame>
+    </p:spTree>
+    <p:extLst>
+      <p:ext uri="{BB962C8B-B14F-4D97-AF65-F5344CB8AC3E}">
+        <p14:creationId xmlns:p14="http://schemas.microsoft.com/office/powerpoint/2010/main" val="3129451497"/>
+      </p:ext>
+    </p:extLst>
+  </p:cSld>
+  <p:clrMapOvr>
+    <a:masterClrMapping/>
+  </p:clrMapOvr>
+</p:sld>
+</file>
+
+<file path=ppt/slides/slide6.xml><?xml version="1.0" encoding="utf-8"?>
+<p:sld xmlns:a="http://schemas.openxmlformats.org/drawingml/2006/main" xmlns:r="http://schemas.openxmlformats.org/officeDocument/2006/relationships" xmlns:p="http://schemas.openxmlformats.org/presentationml/2006/main">
+  <p:cSld>
+    <p:bg>
+      <p:bgPr>
+        <a:solidFill>
+          <a:schemeClr val="bg1"/>
+        </a:solidFill>
+        <a:effectLst/>
+      </p:bgPr>
+    </p:bg>
+    <p:spTree>
+      <p:nvGrpSpPr>
+        <p:cNvPr id="1" name=""/>
+        <p:cNvGrpSpPr/>
+        <p:nvPr/>
+      </p:nvGrpSpPr>
+      <p:grpSpPr>
+        <a:xfrm>
+          <a:off x="0" y="0"/>
+          <a:ext cx="0" cy="0"/>
+          <a:chOff x="0" y="0"/>
+          <a:chExt cx="0" cy="0"/>
+        </a:xfrm>
+      </p:grpSpPr>
+      <p:sp useBgFill="1">
+        <p:nvSpPr>
+          <p:cNvPr id="9" name="Rectangle 8">
+            <a:extLst>
+              <a:ext uri="{FF2B5EF4-FFF2-40B4-BE49-F238E27FC236}">
+                <a16:creationId xmlns:a16="http://schemas.microsoft.com/office/drawing/2014/main" id="{817D949E-564D-4503-A64E-D22FA3232C29}"/>
+              </a:ext>
+              <a:ext uri="{C183D7F6-B498-43B3-948B-1728B52AA6E4}">
+                <adec:decorative xmlns:adec="http://schemas.microsoft.com/office/drawing/2017/decorative" val="1"/>
+              </a:ext>
+            </a:extLst>
+          </p:cNvPr>
+          <p:cNvSpPr>
+            <a:spLocks noGrp="1" noRot="1" noChangeAspect="1" noMove="1" noResize="1" noEditPoints="1" noAdjustHandles="1" noChangeArrowheads="1" noChangeShapeType="1" noTextEdit="1"/>
+          </p:cNvSpPr>
+          <p:nvPr>
+            <p:extLst>
+              <p:ext uri="{386F3935-93C4-4BCD-93E2-E3B085C9AB24}">
+                <p16:designElem xmlns:p16="http://schemas.microsoft.com/office/powerpoint/2015/main" val="1"/>
+              </p:ext>
+            </p:extLst>
+          </p:nvPr>
+        </p:nvSpPr>
+        <p:spPr>
+          <a:xfrm>
+            <a:off x="3048" y="0"/>
+            <a:ext cx="12188952" cy="6857995"/>
+          </a:xfrm>
+          <a:prstGeom prst="rect">
+            <a:avLst/>
+          </a:prstGeom>
+          <a:ln>
+            <a:noFill/>
+          </a:ln>
+        </p:spPr>
+        <p:style>
+          <a:lnRef idx="2">
+            <a:schemeClr val="accent1">
+              <a:shade val="50000"/>
+            </a:schemeClr>
+          </a:lnRef>
+          <a:fillRef idx="1">
+            <a:schemeClr val="accent1"/>
+          </a:fillRef>
+          <a:effectRef idx="0">
+            <a:schemeClr val="accent1"/>
+          </a:effectRef>
+          <a:fontRef idx="minor">
+            <a:schemeClr val="lt1"/>
+          </a:fontRef>
+        </p:style>
+        <p:txBody>
+          <a:bodyPr rtlCol="0" anchor="ctr"/>
+          <a:lstStyle/>
+          <a:p>
+            <a:pPr algn="ctr"/>
+            <a:endParaRPr lang="en-US" dirty="0"/>
+          </a:p>
+        </p:txBody>
+      </p:sp>
+      <p:sp>
+        <p:nvSpPr>
+          <p:cNvPr id="2" name="Cím 1">
+            <a:extLst>
+              <a:ext uri="{FF2B5EF4-FFF2-40B4-BE49-F238E27FC236}">
+                <a16:creationId xmlns:a16="http://schemas.microsoft.com/office/drawing/2014/main" id="{414E9CC6-FEB8-A654-9BC4-9682232AD6B2}"/>
+              </a:ext>
+            </a:extLst>
+          </p:cNvPr>
+          <p:cNvSpPr>
+            <a:spLocks noGrp="1"/>
+          </p:cNvSpPr>
+          <p:nvPr>
+            <p:ph type="title"/>
+          </p:nvPr>
+        </p:nvSpPr>
+        <p:spPr>
+          <a:xfrm>
+            <a:off x="521208" y="978408"/>
+            <a:ext cx="3154680" cy="4069080"/>
+          </a:xfrm>
+        </p:spPr>
+        <p:txBody>
+          <a:bodyPr>
+            <a:normAutofit/>
+          </a:bodyPr>
+          <a:lstStyle/>
+          <a:p>
+            <a:r>
+              <a:rPr lang="en-DE" sz="4000"/>
+              <a:t>Megelőzés és felkészülés</a:t>
+            </a:r>
+            <a:endParaRPr lang="hu-HU" sz="4000"/>
+          </a:p>
+        </p:txBody>
+      </p:sp>
+      <p:sp>
+        <p:nvSpPr>
+          <p:cNvPr id="11" name="Rectangle 10">
+            <a:extLst>
+              <a:ext uri="{FF2B5EF4-FFF2-40B4-BE49-F238E27FC236}">
+                <a16:creationId xmlns:a16="http://schemas.microsoft.com/office/drawing/2014/main" id="{2C8EEB27-9249-8B3A-C8C2-18F9DC480810}"/>
+              </a:ext>
+              <a:ext uri="{C183D7F6-B498-43B3-948B-1728B52AA6E4}">
+                <adec:decorative xmlns:adec="http://schemas.microsoft.com/office/drawing/2017/decorative" val="1"/>
+              </a:ext>
+            </a:extLst>
+          </p:cNvPr>
+          <p:cNvSpPr>
+            <a:spLocks noGrp="1" noRot="1" noChangeAspect="1" noMove="1" noResize="1" noEditPoints="1" noAdjustHandles="1" noChangeArrowheads="1" noChangeShapeType="1" noTextEdit="1"/>
+          </p:cNvSpPr>
+          <p:nvPr>
+            <p:extLst>
+              <p:ext uri="{386F3935-93C4-4BCD-93E2-E3B085C9AB24}">
+                <p16:designElem xmlns:p16="http://schemas.microsoft.com/office/powerpoint/2015/main" val="1"/>
+              </p:ext>
+            </p:extLst>
+          </p:nvPr>
+        </p:nvSpPr>
+        <p:spPr>
+          <a:xfrm>
+            <a:off x="517870" y="508090"/>
+            <a:ext cx="11155680" cy="149279"/>
+          </a:xfrm>
+          <a:prstGeom prst="rect">
+            <a:avLst/>
+          </a:prstGeom>
+          <a:solidFill>
+            <a:schemeClr val="tx1"/>
+          </a:solidFill>
+          <a:ln>
+            <a:noFill/>
+          </a:ln>
+        </p:spPr>
+        <p:style>
+          <a:lnRef idx="2">
+            <a:schemeClr val="accent1">
+              <a:shade val="50000"/>
+            </a:schemeClr>
+          </a:lnRef>
+          <a:fillRef idx="1">
+            <a:schemeClr val="accent1"/>
+          </a:fillRef>
+          <a:effectRef idx="0">
+            <a:schemeClr val="accent1"/>
+          </a:effectRef>
+          <a:fontRef idx="minor">
+            <a:schemeClr val="lt1"/>
+          </a:fontRef>
+        </p:style>
+        <p:txBody>
+          <a:bodyPr rtlCol="0" anchor="ctr"/>
+          <a:lstStyle/>
+          <a:p>
+            <a:pPr algn="ctr"/>
+            <a:endParaRPr lang="en-US"/>
+          </a:p>
+        </p:txBody>
+      </p:sp>
+      <p:sp>
+        <p:nvSpPr>
+          <p:cNvPr id="13" name="Rectangle 12">
+            <a:extLst>
+              <a:ext uri="{FF2B5EF4-FFF2-40B4-BE49-F238E27FC236}">
+                <a16:creationId xmlns:a16="http://schemas.microsoft.com/office/drawing/2014/main" id="{18482CAC-96FF-EBE5-E97D-0BE2B8A51E3F}"/>
+              </a:ext>
+              <a:ext uri="{C183D7F6-B498-43B3-948B-1728B52AA6E4}">
+                <adec:decorative xmlns:adec="http://schemas.microsoft.com/office/drawing/2017/decorative" val="1"/>
+              </a:ext>
+            </a:extLst>
+          </p:cNvPr>
+          <p:cNvSpPr>
+            <a:spLocks noGrp="1" noRot="1" noChangeAspect="1" noMove="1" noResize="1" noEditPoints="1" noAdjustHandles="1" noChangeArrowheads="1" noChangeShapeType="1" noTextEdit="1"/>
+          </p:cNvSpPr>
+          <p:nvPr>
+            <p:extLst>
+              <p:ext uri="{386F3935-93C4-4BCD-93E2-E3B085C9AB24}">
+                <p16:designElem xmlns:p16="http://schemas.microsoft.com/office/powerpoint/2015/main" val="1"/>
+              </p:ext>
+            </p:extLst>
+          </p:nvPr>
+        </p:nvSpPr>
+        <p:spPr>
+          <a:xfrm>
+            <a:off x="521208" y="6299535"/>
+            <a:ext cx="11155680" cy="46469"/>
+          </a:xfrm>
+          <a:prstGeom prst="rect">
+            <a:avLst/>
+          </a:prstGeom>
+          <a:solidFill>
+            <a:schemeClr val="tx1"/>
+          </a:solidFill>
+          <a:ln>
+            <a:noFill/>
+          </a:ln>
+        </p:spPr>
+        <p:style>
+          <a:lnRef idx="2">
+            <a:schemeClr val="accent1">
+              <a:shade val="50000"/>
+            </a:schemeClr>
+          </a:lnRef>
+          <a:fillRef idx="1">
+            <a:schemeClr val="accent1"/>
+          </a:fillRef>
+          <a:effectRef idx="0">
+            <a:schemeClr val="accent1"/>
+          </a:effectRef>
+          <a:fontRef idx="minor">
+            <a:schemeClr val="lt1"/>
+          </a:fontRef>
+        </p:style>
+        <p:txBody>
+          <a:bodyPr rtlCol="0" anchor="ctr"/>
+          <a:lstStyle/>
+          <a:p>
+            <a:pPr algn="ctr"/>
+            <a:endParaRPr lang="en-US"/>
+          </a:p>
+        </p:txBody>
+      </p:sp>
+      <p:graphicFrame>
+        <p:nvGraphicFramePr>
+          <p:cNvPr id="5" name="Tartalom helye 2">
+            <a:extLst>
+              <a:ext uri="{FF2B5EF4-FFF2-40B4-BE49-F238E27FC236}">
+                <a16:creationId xmlns:a16="http://schemas.microsoft.com/office/drawing/2014/main" id="{E8EA3497-EA7E-ED84-7D03-EF0DDDD3747A}"/>
+              </a:ext>
+            </a:extLst>
+          </p:cNvPr>
+          <p:cNvGraphicFramePr>
+            <a:graphicFrameLocks noGrp="1"/>
+          </p:cNvGraphicFramePr>
+          <p:nvPr>
+            <p:ph idx="1"/>
+            <p:extLst>
+              <p:ext uri="{D42A27DB-BD31-4B8C-83A1-F6EECF244321}">
+                <p14:modId xmlns:p14="http://schemas.microsoft.com/office/powerpoint/2010/main" val="1212899119"/>
+              </p:ext>
+            </p:extLst>
+          </p:nvPr>
+        </p:nvGraphicFramePr>
+        <p:xfrm>
+          <a:off x="4389120" y="978408"/>
+          <a:ext cx="7306056" cy="5010912"/>
+        </p:xfrm>
+        <a:graphic>
+          <a:graphicData uri="http://schemas.openxmlformats.org/drawingml/2006/diagram">
+            <dgm:relIds xmlns:dgm="http://schemas.openxmlformats.org/drawingml/2006/diagram" xmlns:r="http://schemas.openxmlformats.org/officeDocument/2006/relationships" r:dm="rId2" r:lo="rId3" r:qs="rId4" r:cs="rId5"/>
+          </a:graphicData>
+        </a:graphic>
+      </p:graphicFrame>
+    </p:spTree>
+    <p:extLst>
+      <p:ext uri="{BB962C8B-B14F-4D97-AF65-F5344CB8AC3E}">
+        <p14:creationId xmlns:p14="http://schemas.microsoft.com/office/powerpoint/2010/main" val="173395877"/>
+      </p:ext>
+    </p:extLst>
+  </p:cSld>
+  <p:clrMapOvr>
+    <a:masterClrMapping/>
+  </p:clrMapOvr>
+</p:sld>
+</file>
+
+<file path=ppt/slides/slide7.xml><?xml version="1.0" encoding="utf-8"?>
+<p:sld xmlns:a="http://schemas.openxmlformats.org/drawingml/2006/main" xmlns:r="http://schemas.openxmlformats.org/officeDocument/2006/relationships" xmlns:p="http://schemas.openxmlformats.org/presentationml/2006/main">
+  <p:cSld>
     <p:spTree>
       <p:nvGrpSpPr>
         <p:cNvPr id="1" name=""/>
@@ -12726,7 +19519,7 @@
           <p:cNvPr id="2" name="Cím 1">
             <a:extLst>
               <a:ext uri="{FF2B5EF4-FFF2-40B4-BE49-F238E27FC236}">
-                <a16:creationId xmlns:a16="http://schemas.microsoft.com/office/drawing/2014/main" id="{9A75B04D-CE2E-222B-C76C-547F4CD2B5DA}"/>
+                <a16:creationId xmlns:a16="http://schemas.microsoft.com/office/drawing/2014/main" id="{5F6FF50B-211A-1B41-8981-FC39009F069F}"/>
               </a:ext>
             </a:extLst>
           </p:cNvPr>
@@ -12743,9 +19536,10 @@
           <a:lstStyle/>
           <a:p>
             <a:r>
-              <a:rPr lang="hu-HU" dirty="0"/>
-              <a:t>Hatékony kezelési lépések</a:t>
+              <a:rPr lang="en-DE" dirty="0" err="1"/>
+              <a:t>Források</a:t>
             </a:r>
+            <a:endParaRPr lang="hu-HU" dirty="0"/>
           </a:p>
         </p:txBody>
       </p:sp>
@@ -12754,7 +19548,7 @@
           <p:cNvPr id="3" name="Tartalom helye 2">
             <a:extLst>
               <a:ext uri="{FF2B5EF4-FFF2-40B4-BE49-F238E27FC236}">
-                <a16:creationId xmlns:a16="http://schemas.microsoft.com/office/drawing/2014/main" id="{409C41AF-5CCF-31E5-40BC-C90800736198}"/>
+                <a16:creationId xmlns:a16="http://schemas.microsoft.com/office/drawing/2014/main" id="{1963FD07-EE4C-9018-08D9-092F3F30854C}"/>
               </a:ext>
             </a:extLst>
           </p:cNvPr>
@@ -12770,6 +19564,64 @@
           <a:bodyPr/>
           <a:lstStyle/>
           <a:p>
+            <a:r>
+              <a:rPr lang="en-DE" dirty="0">
+                <a:hlinkClick r:id="rId2"/>
+              </a:rPr>
+              <a:t>https://chat.openai.com/</a:t>
+            </a:r>
+            <a:r>
+              <a:rPr lang="en-DE" dirty="0"/>
+              <a:t> </a:t>
+            </a:r>
+          </a:p>
+          <a:p>
+            <a:r>
+              <a:rPr lang="hu-HU" dirty="0">
+                <a:hlinkClick r:id="rId3"/>
+              </a:rPr>
+              <a:t>https://www.leteszemacigit.hu/problemamegoldas-varatlan-helyzetekben.html</a:t>
+            </a:r>
+            <a:r>
+              <a:rPr lang="en-DE" dirty="0"/>
+              <a:t> </a:t>
+            </a:r>
+          </a:p>
+          <a:p>
+            <a:r>
+              <a:rPr lang="hu-HU" dirty="0">
+                <a:hlinkClick r:id="rId4"/>
+              </a:rPr>
+              <a:t>https://hu.wikipedia.org/wiki/Kríziskommunikáció</a:t>
+            </a:r>
+            <a:r>
+              <a:rPr lang="en-DE" dirty="0"/>
+              <a:t> </a:t>
+            </a:r>
+          </a:p>
+          <a:p>
+            <a:r>
+              <a:rPr lang="hu-HU" dirty="0">
+                <a:hlinkClick r:id="rId5"/>
+              </a:rPr>
+              <a:t>https://bidista.com/hogyan-maradhatunk-nyugodtak-varatlan-szituaciokban-is/</a:t>
+            </a:r>
+            <a:r>
+              <a:rPr lang="en-DE" dirty="0"/>
+              <a:t> </a:t>
+            </a:r>
+          </a:p>
+          <a:p>
+            <a:r>
+              <a:rPr lang="hu-HU" dirty="0">
+                <a:hlinkClick r:id="rId6"/>
+              </a:rPr>
+              <a:t>https://kettopontnulla.hu/hogyan-hozzunk-jo-dontest-nyomas-alatt/</a:t>
+            </a:r>
+            <a:r>
+              <a:rPr lang="en-DE"/>
+              <a:t> </a:t>
+            </a:r>
             <a:endParaRPr lang="hu-HU" dirty="0"/>
           </a:p>
         </p:txBody>
@@ -12777,7 +19629,103 @@
     </p:spTree>
     <p:extLst>
       <p:ext uri="{BB962C8B-B14F-4D97-AF65-F5344CB8AC3E}">
-        <p14:creationId xmlns:p14="http://schemas.microsoft.com/office/powerpoint/2010/main" val="3129451497"/>
+        <p14:creationId xmlns:p14="http://schemas.microsoft.com/office/powerpoint/2010/main" val="3420851966"/>
+      </p:ext>
+    </p:extLst>
+  </p:cSld>
+  <p:clrMapOvr>
+    <a:masterClrMapping/>
+  </p:clrMapOvr>
+</p:sld>
+</file>
+
+<file path=ppt/slides/slide8.xml><?xml version="1.0" encoding="utf-8"?>
+<p:sld xmlns:a="http://schemas.openxmlformats.org/drawingml/2006/main" xmlns:r="http://schemas.openxmlformats.org/officeDocument/2006/relationships" xmlns:p="http://schemas.openxmlformats.org/presentationml/2006/main">
+  <p:cSld>
+    <p:spTree>
+      <p:nvGrpSpPr>
+        <p:cNvPr id="1" name=""/>
+        <p:cNvGrpSpPr/>
+        <p:nvPr/>
+      </p:nvGrpSpPr>
+      <p:grpSpPr>
+        <a:xfrm>
+          <a:off x="0" y="0"/>
+          <a:ext cx="0" cy="0"/>
+          <a:chOff x="0" y="0"/>
+          <a:chExt cx="0" cy="0"/>
+        </a:xfrm>
+      </p:grpSpPr>
+      <p:sp>
+        <p:nvSpPr>
+          <p:cNvPr id="2" name="Cím 1">
+            <a:extLst>
+              <a:ext uri="{FF2B5EF4-FFF2-40B4-BE49-F238E27FC236}">
+                <a16:creationId xmlns:a16="http://schemas.microsoft.com/office/drawing/2014/main" id="{E946054E-3CE0-AB86-01AB-7CC3B8739BC7}"/>
+              </a:ext>
+            </a:extLst>
+          </p:cNvPr>
+          <p:cNvSpPr>
+            <a:spLocks noGrp="1"/>
+          </p:cNvSpPr>
+          <p:nvPr>
+            <p:ph type="ctrTitle"/>
+          </p:nvPr>
+        </p:nvSpPr>
+        <p:spPr/>
+        <p:txBody>
+          <a:bodyPr/>
+          <a:lstStyle/>
+          <a:p>
+            <a:r>
+              <a:rPr lang="en-DE" dirty="0" err="1"/>
+              <a:t>Köszönöm</a:t>
+            </a:r>
+            <a:r>
+              <a:rPr lang="en-DE" dirty="0"/>
+              <a:t> a </a:t>
+            </a:r>
+            <a:r>
+              <a:rPr lang="en-DE" dirty="0" err="1"/>
+              <a:t>figyelmet</a:t>
+            </a:r>
+            <a:r>
+              <a:rPr lang="en-DE" dirty="0"/>
+              <a:t>!</a:t>
+            </a:r>
+            <a:endParaRPr lang="hu-HU" dirty="0"/>
+          </a:p>
+        </p:txBody>
+      </p:sp>
+      <p:sp>
+        <p:nvSpPr>
+          <p:cNvPr id="3" name="Alcím 2">
+            <a:extLst>
+              <a:ext uri="{FF2B5EF4-FFF2-40B4-BE49-F238E27FC236}">
+                <a16:creationId xmlns:a16="http://schemas.microsoft.com/office/drawing/2014/main" id="{2EDDB5E7-6497-728F-DC58-00A2CBF42527}"/>
+              </a:ext>
+            </a:extLst>
+          </p:cNvPr>
+          <p:cNvSpPr>
+            <a:spLocks noGrp="1"/>
+          </p:cNvSpPr>
+          <p:nvPr>
+            <p:ph type="subTitle" idx="1"/>
+          </p:nvPr>
+        </p:nvSpPr>
+        <p:spPr/>
+        <p:txBody>
+          <a:bodyPr/>
+          <a:lstStyle/>
+          <a:p>
+            <a:endParaRPr lang="hu-HU"/>
+          </a:p>
+        </p:txBody>
+      </p:sp>
+    </p:spTree>
+    <p:extLst>
+      <p:ext uri="{BB962C8B-B14F-4D97-AF65-F5344CB8AC3E}">
+        <p14:creationId xmlns:p14="http://schemas.microsoft.com/office/powerpoint/2010/main" val="1845151770"/>
       </p:ext>
     </p:extLst>
   </p:cSld>
